--- a/GKA Aufgabe 2.pptx
+++ b/GKA Aufgabe 2.pptx
@@ -10,8 +10,10 @@
     <p:sldId id="258" r:id="rId4"/>
     <p:sldId id="259" r:id="rId5"/>
     <p:sldId id="261" r:id="rId6"/>
-    <p:sldId id="263" r:id="rId7"/>
-    <p:sldId id="262" r:id="rId8"/>
+    <p:sldId id="262" r:id="rId7"/>
+    <p:sldId id="263" r:id="rId8"/>
+    <p:sldId id="266" r:id="rId9"/>
+    <p:sldId id="265" r:id="rId10"/>
   </p:sldIdLst>
   <p:sldSz cx="12192000" cy="6858000"/>
   <p:notesSz cx="6858000" cy="9144000"/>
@@ -110,11 +112,2742 @@
       </a:defRPr>
     </a:lvl9pPr>
   </p:defaultTextStyle>
+  <p:extLst>
+    <p:ext uri="{EFAFB233-063F-42B5-8137-9DF3F51BA10A}">
+      <p15:sldGuideLst xmlns:p15="http://schemas.microsoft.com/office/powerpoint/2012/main"/>
+    </p:ext>
+  </p:extLst>
 </p:presentation>
 </file>
 
 <file path=ppt/revisionInfo.xml><?xml version="1.0" encoding="utf-8"?>
 <p1510:revInfo xmlns:a="http://schemas.openxmlformats.org/drawingml/2006/main" xmlns:r="http://schemas.openxmlformats.org/officeDocument/2006/relationships" xmlns:p1510="http://schemas.microsoft.com/office/powerpoint/2015/10/main"/>
+</file>
+
+<file path=ppt/charts/chart1.xml><?xml version="1.0" encoding="utf-8"?>
+<c:chartSpace xmlns:c="http://schemas.openxmlformats.org/drawingml/2006/chart" xmlns:a="http://schemas.openxmlformats.org/drawingml/2006/main" xmlns:r="http://schemas.openxmlformats.org/officeDocument/2006/relationships" xmlns:c16r2="http://schemas.microsoft.com/office/drawing/2015/06/chart">
+  <c:date1904 val="0"/>
+  <c:lang val="de-DE"/>
+  <c:roundedCorners val="0"/>
+  <mc:AlternateContent xmlns:mc="http://schemas.openxmlformats.org/markup-compatibility/2006">
+    <mc:Choice xmlns:c14="http://schemas.microsoft.com/office/drawing/2007/8/2/chart" Requires="c14">
+      <c14:style val="102"/>
+    </mc:Choice>
+    <mc:Fallback>
+      <c:style val="2"/>
+    </mc:Fallback>
+  </mc:AlternateContent>
+  <c:chart>
+    <c:autoTitleDeleted val="1"/>
+    <c:plotArea>
+      <c:layout/>
+      <c:lineChart>
+        <c:grouping val="standard"/>
+        <c:varyColors val="0"/>
+        <c:ser>
+          <c:idx val="0"/>
+          <c:order val="0"/>
+          <c:tx>
+            <c:strRef>
+              <c:f>'viele_ecken-HAW_ud'!$B$3</c:f>
+              <c:strCache>
+                <c:ptCount val="1"/>
+                <c:pt idx="0">
+                  <c:v>dijkstra</c:v>
+                </c:pt>
+              </c:strCache>
+            </c:strRef>
+          </c:tx>
+          <c:spPr>
+            <a:ln w="28575" cap="rnd">
+              <a:solidFill>
+                <a:schemeClr val="accent1"/>
+              </a:solidFill>
+              <a:round/>
+            </a:ln>
+            <a:effectLst/>
+          </c:spPr>
+          <c:marker>
+            <c:symbol val="none"/>
+          </c:marker>
+          <c:cat>
+            <c:numRef>
+              <c:f>'viele_ecken-HAW_ud'!$A$4:$A$52</c:f>
+              <c:numCache>
+                <c:formatCode>General</c:formatCode>
+                <c:ptCount val="49"/>
+                <c:pt idx="0">
+                  <c:v>25</c:v>
+                </c:pt>
+                <c:pt idx="1">
+                  <c:v>50</c:v>
+                </c:pt>
+                <c:pt idx="2">
+                  <c:v>75</c:v>
+                </c:pt>
+                <c:pt idx="3">
+                  <c:v>100</c:v>
+                </c:pt>
+                <c:pt idx="4">
+                  <c:v>125</c:v>
+                </c:pt>
+                <c:pt idx="5">
+                  <c:v>150</c:v>
+                </c:pt>
+                <c:pt idx="6">
+                  <c:v>175</c:v>
+                </c:pt>
+                <c:pt idx="7">
+                  <c:v>200</c:v>
+                </c:pt>
+                <c:pt idx="8">
+                  <c:v>225</c:v>
+                </c:pt>
+                <c:pt idx="9">
+                  <c:v>250</c:v>
+                </c:pt>
+                <c:pt idx="10">
+                  <c:v>275</c:v>
+                </c:pt>
+                <c:pt idx="11">
+                  <c:v>300</c:v>
+                </c:pt>
+                <c:pt idx="12">
+                  <c:v>325</c:v>
+                </c:pt>
+                <c:pt idx="13">
+                  <c:v>350</c:v>
+                </c:pt>
+                <c:pt idx="14">
+                  <c:v>375</c:v>
+                </c:pt>
+                <c:pt idx="15">
+                  <c:v>400</c:v>
+                </c:pt>
+                <c:pt idx="16">
+                  <c:v>425</c:v>
+                </c:pt>
+                <c:pt idx="17">
+                  <c:v>450</c:v>
+                </c:pt>
+                <c:pt idx="18">
+                  <c:v>475</c:v>
+                </c:pt>
+                <c:pt idx="19">
+                  <c:v>500</c:v>
+                </c:pt>
+                <c:pt idx="20">
+                  <c:v>525</c:v>
+                </c:pt>
+                <c:pt idx="21">
+                  <c:v>550</c:v>
+                </c:pt>
+                <c:pt idx="22">
+                  <c:v>575</c:v>
+                </c:pt>
+                <c:pt idx="23">
+                  <c:v>600</c:v>
+                </c:pt>
+                <c:pt idx="24">
+                  <c:v>625</c:v>
+                </c:pt>
+                <c:pt idx="25">
+                  <c:v>650</c:v>
+                </c:pt>
+                <c:pt idx="26">
+                  <c:v>675</c:v>
+                </c:pt>
+                <c:pt idx="27">
+                  <c:v>700</c:v>
+                </c:pt>
+                <c:pt idx="28">
+                  <c:v>725</c:v>
+                </c:pt>
+                <c:pt idx="29">
+                  <c:v>750</c:v>
+                </c:pt>
+                <c:pt idx="30">
+                  <c:v>775</c:v>
+                </c:pt>
+                <c:pt idx="31">
+                  <c:v>800</c:v>
+                </c:pt>
+                <c:pt idx="32">
+                  <c:v>825</c:v>
+                </c:pt>
+                <c:pt idx="33">
+                  <c:v>850</c:v>
+                </c:pt>
+                <c:pt idx="34">
+                  <c:v>875</c:v>
+                </c:pt>
+                <c:pt idx="35">
+                  <c:v>900</c:v>
+                </c:pt>
+                <c:pt idx="36">
+                  <c:v>925</c:v>
+                </c:pt>
+                <c:pt idx="37">
+                  <c:v>950</c:v>
+                </c:pt>
+                <c:pt idx="38">
+                  <c:v>975</c:v>
+                </c:pt>
+                <c:pt idx="39">
+                  <c:v>1000</c:v>
+                </c:pt>
+                <c:pt idx="40">
+                  <c:v>2000</c:v>
+                </c:pt>
+                <c:pt idx="41">
+                  <c:v>3000</c:v>
+                </c:pt>
+                <c:pt idx="42">
+                  <c:v>4000</c:v>
+                </c:pt>
+                <c:pt idx="43">
+                  <c:v>5000</c:v>
+                </c:pt>
+                <c:pt idx="44">
+                  <c:v>6000</c:v>
+                </c:pt>
+                <c:pt idx="45">
+                  <c:v>7000</c:v>
+                </c:pt>
+                <c:pt idx="46">
+                  <c:v>8000</c:v>
+                </c:pt>
+                <c:pt idx="47">
+                  <c:v>9000</c:v>
+                </c:pt>
+                <c:pt idx="48">
+                  <c:v>10000</c:v>
+                </c:pt>
+              </c:numCache>
+            </c:numRef>
+          </c:cat>
+          <c:val>
+            <c:numRef>
+              <c:f>'viele_ecken-HAW_ud'!$B$4:$B$52</c:f>
+              <c:numCache>
+                <c:formatCode>General</c:formatCode>
+                <c:ptCount val="49"/>
+                <c:pt idx="0">
+                  <c:v>0</c:v>
+                </c:pt>
+                <c:pt idx="1">
+                  <c:v>0</c:v>
+                </c:pt>
+                <c:pt idx="2">
+                  <c:v>0</c:v>
+                </c:pt>
+                <c:pt idx="3">
+                  <c:v>0</c:v>
+                </c:pt>
+                <c:pt idx="4">
+                  <c:v>0</c:v>
+                </c:pt>
+                <c:pt idx="5">
+                  <c:v>0</c:v>
+                </c:pt>
+                <c:pt idx="6">
+                  <c:v>0</c:v>
+                </c:pt>
+                <c:pt idx="7">
+                  <c:v>0</c:v>
+                </c:pt>
+                <c:pt idx="8">
+                  <c:v>0</c:v>
+                </c:pt>
+                <c:pt idx="9">
+                  <c:v>0</c:v>
+                </c:pt>
+                <c:pt idx="10">
+                  <c:v>0</c:v>
+                </c:pt>
+                <c:pt idx="11">
+                  <c:v>0</c:v>
+                </c:pt>
+                <c:pt idx="12">
+                  <c:v>0</c:v>
+                </c:pt>
+                <c:pt idx="13">
+                  <c:v>15</c:v>
+                </c:pt>
+                <c:pt idx="14">
+                  <c:v>16</c:v>
+                </c:pt>
+                <c:pt idx="15">
+                  <c:v>16</c:v>
+                </c:pt>
+                <c:pt idx="16">
+                  <c:v>16</c:v>
+                </c:pt>
+                <c:pt idx="17">
+                  <c:v>16</c:v>
+                </c:pt>
+                <c:pt idx="18">
+                  <c:v>16</c:v>
+                </c:pt>
+                <c:pt idx="19">
+                  <c:v>15</c:v>
+                </c:pt>
+                <c:pt idx="20">
+                  <c:v>16</c:v>
+                </c:pt>
+                <c:pt idx="21">
+                  <c:v>32</c:v>
+                </c:pt>
+                <c:pt idx="22">
+                  <c:v>15</c:v>
+                </c:pt>
+                <c:pt idx="23">
+                  <c:v>31</c:v>
+                </c:pt>
+                <c:pt idx="24">
+                  <c:v>31</c:v>
+                </c:pt>
+                <c:pt idx="25">
+                  <c:v>47</c:v>
+                </c:pt>
+                <c:pt idx="26">
+                  <c:v>31</c:v>
+                </c:pt>
+                <c:pt idx="27">
+                  <c:v>31</c:v>
+                </c:pt>
+                <c:pt idx="28">
+                  <c:v>47</c:v>
+                </c:pt>
+                <c:pt idx="29">
+                  <c:v>47</c:v>
+                </c:pt>
+                <c:pt idx="30">
+                  <c:v>47</c:v>
+                </c:pt>
+                <c:pt idx="31">
+                  <c:v>63</c:v>
+                </c:pt>
+                <c:pt idx="32">
+                  <c:v>47</c:v>
+                </c:pt>
+                <c:pt idx="33">
+                  <c:v>63</c:v>
+                </c:pt>
+                <c:pt idx="34">
+                  <c:v>63</c:v>
+                </c:pt>
+                <c:pt idx="35">
+                  <c:v>62</c:v>
+                </c:pt>
+                <c:pt idx="36">
+                  <c:v>63</c:v>
+                </c:pt>
+                <c:pt idx="37">
+                  <c:v>62</c:v>
+                </c:pt>
+                <c:pt idx="38">
+                  <c:v>78</c:v>
+                </c:pt>
+                <c:pt idx="39">
+                  <c:v>78</c:v>
+                </c:pt>
+                <c:pt idx="40">
+                  <c:v>312</c:v>
+                </c:pt>
+                <c:pt idx="41">
+                  <c:v>765</c:v>
+                </c:pt>
+                <c:pt idx="42">
+                  <c:v>1313</c:v>
+                </c:pt>
+                <c:pt idx="43">
+                  <c:v>2046</c:v>
+                </c:pt>
+                <c:pt idx="44">
+                  <c:v>2888</c:v>
+                </c:pt>
+                <c:pt idx="45">
+                  <c:v>3982</c:v>
+                </c:pt>
+                <c:pt idx="46">
+                  <c:v>5656</c:v>
+                </c:pt>
+                <c:pt idx="47">
+                  <c:v>6953</c:v>
+                </c:pt>
+                <c:pt idx="48">
+                  <c:v>8562</c:v>
+                </c:pt>
+              </c:numCache>
+            </c:numRef>
+          </c:val>
+          <c:smooth val="0"/>
+          <c:extLst>
+            <c:ext xmlns:c16="http://schemas.microsoft.com/office/drawing/2014/chart" uri="{C3380CC4-5D6E-409C-BE32-E72D297353CC}">
+              <c16:uniqueId val="{00000000-1051-4A85-B58B-A15A4E6C8C10}"/>
+            </c:ext>
+          </c:extLst>
+        </c:ser>
+        <c:ser>
+          <c:idx val="1"/>
+          <c:order val="1"/>
+          <c:tx>
+            <c:strRef>
+              <c:f>'viele_ecken-HAW_ud'!$C$3</c:f>
+              <c:strCache>
+                <c:ptCount val="1"/>
+                <c:pt idx="0">
+                  <c:v>bellmannford</c:v>
+                </c:pt>
+              </c:strCache>
+            </c:strRef>
+          </c:tx>
+          <c:spPr>
+            <a:ln w="28575" cap="rnd">
+              <a:solidFill>
+                <a:schemeClr val="accent2"/>
+              </a:solidFill>
+              <a:round/>
+            </a:ln>
+            <a:effectLst/>
+          </c:spPr>
+          <c:marker>
+            <c:symbol val="none"/>
+          </c:marker>
+          <c:cat>
+            <c:numRef>
+              <c:f>'viele_ecken-HAW_ud'!$A$4:$A$52</c:f>
+              <c:numCache>
+                <c:formatCode>General</c:formatCode>
+                <c:ptCount val="49"/>
+                <c:pt idx="0">
+                  <c:v>25</c:v>
+                </c:pt>
+                <c:pt idx="1">
+                  <c:v>50</c:v>
+                </c:pt>
+                <c:pt idx="2">
+                  <c:v>75</c:v>
+                </c:pt>
+                <c:pt idx="3">
+                  <c:v>100</c:v>
+                </c:pt>
+                <c:pt idx="4">
+                  <c:v>125</c:v>
+                </c:pt>
+                <c:pt idx="5">
+                  <c:v>150</c:v>
+                </c:pt>
+                <c:pt idx="6">
+                  <c:v>175</c:v>
+                </c:pt>
+                <c:pt idx="7">
+                  <c:v>200</c:v>
+                </c:pt>
+                <c:pt idx="8">
+                  <c:v>225</c:v>
+                </c:pt>
+                <c:pt idx="9">
+                  <c:v>250</c:v>
+                </c:pt>
+                <c:pt idx="10">
+                  <c:v>275</c:v>
+                </c:pt>
+                <c:pt idx="11">
+                  <c:v>300</c:v>
+                </c:pt>
+                <c:pt idx="12">
+                  <c:v>325</c:v>
+                </c:pt>
+                <c:pt idx="13">
+                  <c:v>350</c:v>
+                </c:pt>
+                <c:pt idx="14">
+                  <c:v>375</c:v>
+                </c:pt>
+                <c:pt idx="15">
+                  <c:v>400</c:v>
+                </c:pt>
+                <c:pt idx="16">
+                  <c:v>425</c:v>
+                </c:pt>
+                <c:pt idx="17">
+                  <c:v>450</c:v>
+                </c:pt>
+                <c:pt idx="18">
+                  <c:v>475</c:v>
+                </c:pt>
+                <c:pt idx="19">
+                  <c:v>500</c:v>
+                </c:pt>
+                <c:pt idx="20">
+                  <c:v>525</c:v>
+                </c:pt>
+                <c:pt idx="21">
+                  <c:v>550</c:v>
+                </c:pt>
+                <c:pt idx="22">
+                  <c:v>575</c:v>
+                </c:pt>
+                <c:pt idx="23">
+                  <c:v>600</c:v>
+                </c:pt>
+                <c:pt idx="24">
+                  <c:v>625</c:v>
+                </c:pt>
+                <c:pt idx="25">
+                  <c:v>650</c:v>
+                </c:pt>
+                <c:pt idx="26">
+                  <c:v>675</c:v>
+                </c:pt>
+                <c:pt idx="27">
+                  <c:v>700</c:v>
+                </c:pt>
+                <c:pt idx="28">
+                  <c:v>725</c:v>
+                </c:pt>
+                <c:pt idx="29">
+                  <c:v>750</c:v>
+                </c:pt>
+                <c:pt idx="30">
+                  <c:v>775</c:v>
+                </c:pt>
+                <c:pt idx="31">
+                  <c:v>800</c:v>
+                </c:pt>
+                <c:pt idx="32">
+                  <c:v>825</c:v>
+                </c:pt>
+                <c:pt idx="33">
+                  <c:v>850</c:v>
+                </c:pt>
+                <c:pt idx="34">
+                  <c:v>875</c:v>
+                </c:pt>
+                <c:pt idx="35">
+                  <c:v>900</c:v>
+                </c:pt>
+                <c:pt idx="36">
+                  <c:v>925</c:v>
+                </c:pt>
+                <c:pt idx="37">
+                  <c:v>950</c:v>
+                </c:pt>
+                <c:pt idx="38">
+                  <c:v>975</c:v>
+                </c:pt>
+                <c:pt idx="39">
+                  <c:v>1000</c:v>
+                </c:pt>
+                <c:pt idx="40">
+                  <c:v>2000</c:v>
+                </c:pt>
+                <c:pt idx="41">
+                  <c:v>3000</c:v>
+                </c:pt>
+                <c:pt idx="42">
+                  <c:v>4000</c:v>
+                </c:pt>
+                <c:pt idx="43">
+                  <c:v>5000</c:v>
+                </c:pt>
+                <c:pt idx="44">
+                  <c:v>6000</c:v>
+                </c:pt>
+                <c:pt idx="45">
+                  <c:v>7000</c:v>
+                </c:pt>
+                <c:pt idx="46">
+                  <c:v>8000</c:v>
+                </c:pt>
+                <c:pt idx="47">
+                  <c:v>9000</c:v>
+                </c:pt>
+                <c:pt idx="48">
+                  <c:v>10000</c:v>
+                </c:pt>
+              </c:numCache>
+            </c:numRef>
+          </c:cat>
+          <c:val>
+            <c:numRef>
+              <c:f>'viele_ecken-HAW_ud'!$C$4:$C$52</c:f>
+              <c:numCache>
+                <c:formatCode>General</c:formatCode>
+                <c:ptCount val="49"/>
+                <c:pt idx="0">
+                  <c:v>0</c:v>
+                </c:pt>
+                <c:pt idx="1">
+                  <c:v>15</c:v>
+                </c:pt>
+                <c:pt idx="2">
+                  <c:v>62</c:v>
+                </c:pt>
+                <c:pt idx="3">
+                  <c:v>156</c:v>
+                </c:pt>
+                <c:pt idx="4">
+                  <c:v>311</c:v>
+                </c:pt>
+                <c:pt idx="5">
+                  <c:v>484</c:v>
+                </c:pt>
+                <c:pt idx="6">
+                  <c:v>735</c:v>
+                </c:pt>
+                <c:pt idx="7">
+                  <c:v>1061</c:v>
+                </c:pt>
+                <c:pt idx="8">
+                  <c:v>1499</c:v>
+                </c:pt>
+                <c:pt idx="9">
+                  <c:v>2030</c:v>
+                </c:pt>
+                <c:pt idx="10">
+                  <c:v>2718</c:v>
+                </c:pt>
+                <c:pt idx="11">
+                  <c:v>3451</c:v>
+                </c:pt>
+                <c:pt idx="12">
+                  <c:v>3733</c:v>
+                </c:pt>
+                <c:pt idx="13">
+                  <c:v>4686</c:v>
+                </c:pt>
+                <c:pt idx="14">
+                  <c:v>5731</c:v>
+                </c:pt>
+                <c:pt idx="15">
+                  <c:v>6919</c:v>
+                </c:pt>
+                <c:pt idx="16">
+                  <c:v>8995</c:v>
+                </c:pt>
+                <c:pt idx="17">
+                  <c:v>10885</c:v>
+                </c:pt>
+              </c:numCache>
+            </c:numRef>
+          </c:val>
+          <c:smooth val="0"/>
+          <c:extLst>
+            <c:ext xmlns:c16="http://schemas.microsoft.com/office/drawing/2014/chart" uri="{C3380CC4-5D6E-409C-BE32-E72D297353CC}">
+              <c16:uniqueId val="{00000001-1051-4A85-B58B-A15A4E6C8C10}"/>
+            </c:ext>
+          </c:extLst>
+        </c:ser>
+        <c:dLbls>
+          <c:showLegendKey val="0"/>
+          <c:showVal val="0"/>
+          <c:showCatName val="0"/>
+          <c:showSerName val="0"/>
+          <c:showPercent val="0"/>
+          <c:showBubbleSize val="0"/>
+        </c:dLbls>
+        <c:smooth val="0"/>
+        <c:axId val="461199968"/>
+        <c:axId val="461198984"/>
+      </c:lineChart>
+      <c:catAx>
+        <c:axId val="461199968"/>
+        <c:scaling>
+          <c:orientation val="minMax"/>
+        </c:scaling>
+        <c:delete val="0"/>
+        <c:axPos val="b"/>
+        <c:title>
+          <c:tx>
+            <c:rich>
+              <a:bodyPr rot="0" spcFirstLastPara="1" vertOverflow="ellipsis" vert="horz" wrap="square" anchor="ctr" anchorCtr="1"/>
+              <a:lstStyle/>
+              <a:p>
+                <a:pPr>
+                  <a:defRPr sz="2000" b="1" i="0" u="none" strike="noStrike" kern="1200" baseline="0">
+                    <a:solidFill>
+                      <a:schemeClr val="tx1">
+                        <a:lumMod val="65000"/>
+                        <a:lumOff val="35000"/>
+                      </a:schemeClr>
+                    </a:solidFill>
+                    <a:latin typeface="+mn-lt"/>
+                    <a:ea typeface="+mn-ea"/>
+                    <a:cs typeface="+mn-cs"/>
+                  </a:defRPr>
+                </a:pPr>
+                <a:r>
+                  <a:rPr lang="de-DE" sz="2000" b="1" dirty="0"/>
+                  <a:t>Vertices</a:t>
+                </a:r>
+              </a:p>
+            </c:rich>
+          </c:tx>
+          <c:overlay val="0"/>
+          <c:spPr>
+            <a:noFill/>
+            <a:ln>
+              <a:noFill/>
+            </a:ln>
+            <a:effectLst/>
+          </c:spPr>
+          <c:txPr>
+            <a:bodyPr rot="0" spcFirstLastPara="1" vertOverflow="ellipsis" vert="horz" wrap="square" anchor="ctr" anchorCtr="1"/>
+            <a:lstStyle/>
+            <a:p>
+              <a:pPr>
+                <a:defRPr sz="2000" b="1" i="0" u="none" strike="noStrike" kern="1200" baseline="0">
+                  <a:solidFill>
+                    <a:schemeClr val="tx1">
+                      <a:lumMod val="65000"/>
+                      <a:lumOff val="35000"/>
+                    </a:schemeClr>
+                  </a:solidFill>
+                  <a:latin typeface="+mn-lt"/>
+                  <a:ea typeface="+mn-ea"/>
+                  <a:cs typeface="+mn-cs"/>
+                </a:defRPr>
+              </a:pPr>
+              <a:endParaRPr lang="de-DE"/>
+            </a:p>
+          </c:txPr>
+        </c:title>
+        <c:numFmt formatCode="General" sourceLinked="1"/>
+        <c:majorTickMark val="none"/>
+        <c:minorTickMark val="none"/>
+        <c:tickLblPos val="nextTo"/>
+        <c:spPr>
+          <a:noFill/>
+          <a:ln w="9525" cap="flat" cmpd="sng" algn="ctr">
+            <a:solidFill>
+              <a:schemeClr val="tx1">
+                <a:lumMod val="15000"/>
+                <a:lumOff val="85000"/>
+              </a:schemeClr>
+            </a:solidFill>
+            <a:round/>
+          </a:ln>
+          <a:effectLst/>
+        </c:spPr>
+        <c:txPr>
+          <a:bodyPr rot="-60000000" spcFirstLastPara="1" vertOverflow="ellipsis" vert="horz" wrap="square" anchor="ctr" anchorCtr="1"/>
+          <a:lstStyle/>
+          <a:p>
+            <a:pPr>
+              <a:defRPr sz="900" b="0" i="0" u="none" strike="noStrike" kern="1200" baseline="0">
+                <a:solidFill>
+                  <a:schemeClr val="tx1">
+                    <a:lumMod val="65000"/>
+                    <a:lumOff val="35000"/>
+                  </a:schemeClr>
+                </a:solidFill>
+                <a:latin typeface="+mn-lt"/>
+                <a:ea typeface="+mn-ea"/>
+                <a:cs typeface="+mn-cs"/>
+              </a:defRPr>
+            </a:pPr>
+            <a:endParaRPr lang="de-DE"/>
+          </a:p>
+        </c:txPr>
+        <c:crossAx val="461198984"/>
+        <c:crosses val="autoZero"/>
+        <c:auto val="1"/>
+        <c:lblAlgn val="ctr"/>
+        <c:lblOffset val="100"/>
+        <c:noMultiLvlLbl val="0"/>
+      </c:catAx>
+      <c:valAx>
+        <c:axId val="461198984"/>
+        <c:scaling>
+          <c:orientation val="minMax"/>
+        </c:scaling>
+        <c:delete val="0"/>
+        <c:axPos val="l"/>
+        <c:majorGridlines>
+          <c:spPr>
+            <a:ln w="9525" cap="flat" cmpd="sng" algn="ctr">
+              <a:solidFill>
+                <a:schemeClr val="tx1">
+                  <a:lumMod val="15000"/>
+                  <a:lumOff val="85000"/>
+                </a:schemeClr>
+              </a:solidFill>
+              <a:round/>
+            </a:ln>
+            <a:effectLst/>
+          </c:spPr>
+        </c:majorGridlines>
+        <c:title>
+          <c:tx>
+            <c:rich>
+              <a:bodyPr rot="-5400000" spcFirstLastPara="1" vertOverflow="ellipsis" vert="horz" wrap="square" anchor="ctr" anchorCtr="1"/>
+              <a:lstStyle/>
+              <a:p>
+                <a:pPr>
+                  <a:defRPr sz="2000" b="0" i="0" u="none" strike="noStrike" kern="1200" baseline="0">
+                    <a:solidFill>
+                      <a:schemeClr val="tx1">
+                        <a:lumMod val="65000"/>
+                        <a:lumOff val="35000"/>
+                      </a:schemeClr>
+                    </a:solidFill>
+                    <a:latin typeface="+mn-lt"/>
+                    <a:ea typeface="+mn-ea"/>
+                    <a:cs typeface="+mn-cs"/>
+                  </a:defRPr>
+                </a:pPr>
+                <a:r>
+                  <a:rPr lang="de-DE" sz="2000" dirty="0"/>
+                  <a:t>Zeit in </a:t>
+                </a:r>
+                <a:r>
+                  <a:rPr lang="de-DE" sz="2000" dirty="0" err="1"/>
+                  <a:t>ms</a:t>
+                </a:r>
+                <a:endParaRPr lang="de-DE" sz="2000" dirty="0"/>
+              </a:p>
+            </c:rich>
+          </c:tx>
+          <c:overlay val="0"/>
+          <c:spPr>
+            <a:noFill/>
+            <a:ln>
+              <a:noFill/>
+            </a:ln>
+            <a:effectLst/>
+          </c:spPr>
+          <c:txPr>
+            <a:bodyPr rot="-5400000" spcFirstLastPara="1" vertOverflow="ellipsis" vert="horz" wrap="square" anchor="ctr" anchorCtr="1"/>
+            <a:lstStyle/>
+            <a:p>
+              <a:pPr>
+                <a:defRPr sz="2000" b="0" i="0" u="none" strike="noStrike" kern="1200" baseline="0">
+                  <a:solidFill>
+                    <a:schemeClr val="tx1">
+                      <a:lumMod val="65000"/>
+                      <a:lumOff val="35000"/>
+                    </a:schemeClr>
+                  </a:solidFill>
+                  <a:latin typeface="+mn-lt"/>
+                  <a:ea typeface="+mn-ea"/>
+                  <a:cs typeface="+mn-cs"/>
+                </a:defRPr>
+              </a:pPr>
+              <a:endParaRPr lang="de-DE"/>
+            </a:p>
+          </c:txPr>
+        </c:title>
+        <c:numFmt formatCode="General" sourceLinked="1"/>
+        <c:majorTickMark val="none"/>
+        <c:minorTickMark val="none"/>
+        <c:tickLblPos val="nextTo"/>
+        <c:spPr>
+          <a:noFill/>
+          <a:ln>
+            <a:noFill/>
+          </a:ln>
+          <a:effectLst/>
+        </c:spPr>
+        <c:txPr>
+          <a:bodyPr rot="-60000000" spcFirstLastPara="1" vertOverflow="ellipsis" vert="horz" wrap="square" anchor="ctr" anchorCtr="1"/>
+          <a:lstStyle/>
+          <a:p>
+            <a:pPr>
+              <a:defRPr sz="900" b="0" i="0" u="none" strike="noStrike" kern="1200" baseline="0">
+                <a:solidFill>
+                  <a:schemeClr val="tx1">
+                    <a:lumMod val="65000"/>
+                    <a:lumOff val="35000"/>
+                  </a:schemeClr>
+                </a:solidFill>
+                <a:latin typeface="+mn-lt"/>
+                <a:ea typeface="+mn-ea"/>
+                <a:cs typeface="+mn-cs"/>
+              </a:defRPr>
+            </a:pPr>
+            <a:endParaRPr lang="de-DE"/>
+          </a:p>
+        </c:txPr>
+        <c:crossAx val="461199968"/>
+        <c:crosses val="autoZero"/>
+        <c:crossBetween val="between"/>
+      </c:valAx>
+      <c:spPr>
+        <a:noFill/>
+        <a:ln>
+          <a:noFill/>
+        </a:ln>
+        <a:effectLst/>
+      </c:spPr>
+    </c:plotArea>
+    <c:legend>
+      <c:legendPos val="b"/>
+      <c:layout>
+        <c:manualLayout>
+          <c:xMode val="edge"/>
+          <c:yMode val="edge"/>
+          <c:x val="0.53614420240345817"/>
+          <c:y val="5.4407020535455812E-2"/>
+          <c:w val="0.36573909876363198"/>
+          <c:h val="0.13722657862154355"/>
+        </c:manualLayout>
+      </c:layout>
+      <c:overlay val="0"/>
+      <c:spPr>
+        <a:noFill/>
+        <a:ln>
+          <a:noFill/>
+        </a:ln>
+        <a:effectLst/>
+      </c:spPr>
+      <c:txPr>
+        <a:bodyPr rot="0" spcFirstLastPara="1" vertOverflow="ellipsis" vert="horz" wrap="square" anchor="ctr" anchorCtr="1"/>
+        <a:lstStyle/>
+        <a:p>
+          <a:pPr>
+            <a:defRPr sz="2000" b="1" i="0" u="none" strike="noStrike" kern="1200" baseline="0">
+              <a:solidFill>
+                <a:schemeClr val="tx1">
+                  <a:lumMod val="65000"/>
+                  <a:lumOff val="35000"/>
+                </a:schemeClr>
+              </a:solidFill>
+              <a:latin typeface="+mn-lt"/>
+              <a:ea typeface="+mn-ea"/>
+              <a:cs typeface="+mn-cs"/>
+            </a:defRPr>
+          </a:pPr>
+          <a:endParaRPr lang="de-DE"/>
+        </a:p>
+      </c:txPr>
+    </c:legend>
+    <c:plotVisOnly val="1"/>
+    <c:dispBlanksAs val="gap"/>
+    <c:extLst>
+      <c:ext xmlns:c16r3="http://schemas.microsoft.com/office/drawing/2017/03/chart" uri="{56B9EC1D-385E-4148-901F-78D8002777C0}">
+        <c16r3:dataDisplayOptions16>
+          <c16r3:dispNaAsBlank val="1"/>
+        </c16r3:dataDisplayOptions16>
+      </c:ext>
+    </c:extLst>
+    <c:showDLblsOverMax val="0"/>
+  </c:chart>
+  <c:spPr>
+    <a:noFill/>
+    <a:ln>
+      <a:noFill/>
+    </a:ln>
+    <a:effectLst/>
+  </c:spPr>
+  <c:txPr>
+    <a:bodyPr/>
+    <a:lstStyle/>
+    <a:p>
+      <a:pPr>
+        <a:defRPr/>
+      </a:pPr>
+      <a:endParaRPr lang="de-DE"/>
+    </a:p>
+  </c:txPr>
+  <c:externalData r:id="rId3">
+    <c:autoUpdate val="0"/>
+  </c:externalData>
+</c:chartSpace>
+</file>
+
+<file path=ppt/charts/chart2.xml><?xml version="1.0" encoding="utf-8"?>
+<c:chartSpace xmlns:c="http://schemas.openxmlformats.org/drawingml/2006/chart" xmlns:a="http://schemas.openxmlformats.org/drawingml/2006/main" xmlns:r="http://schemas.openxmlformats.org/officeDocument/2006/relationships" xmlns:c16r2="http://schemas.microsoft.com/office/drawing/2015/06/chart">
+  <c:date1904 val="0"/>
+  <c:lang val="de-DE"/>
+  <c:roundedCorners val="0"/>
+  <mc:AlternateContent xmlns:mc="http://schemas.openxmlformats.org/markup-compatibility/2006">
+    <mc:Choice xmlns:c14="http://schemas.microsoft.com/office/drawing/2007/8/2/chart" Requires="c14">
+      <c14:style val="102"/>
+    </mc:Choice>
+    <mc:Fallback>
+      <c:style val="2"/>
+    </mc:Fallback>
+  </mc:AlternateContent>
+  <c:chart>
+    <c:autoTitleDeleted val="1"/>
+    <c:plotArea>
+      <c:layout/>
+      <c:lineChart>
+        <c:grouping val="standard"/>
+        <c:varyColors val="0"/>
+        <c:ser>
+          <c:idx val="0"/>
+          <c:order val="0"/>
+          <c:tx>
+            <c:strRef>
+              <c:f>'viele_kanten-HAW_ud'!$B$3</c:f>
+              <c:strCache>
+                <c:ptCount val="1"/>
+                <c:pt idx="0">
+                  <c:v>dijkstra</c:v>
+                </c:pt>
+              </c:strCache>
+            </c:strRef>
+          </c:tx>
+          <c:spPr>
+            <a:ln w="28575" cap="rnd">
+              <a:solidFill>
+                <a:schemeClr val="accent1"/>
+              </a:solidFill>
+              <a:round/>
+            </a:ln>
+            <a:effectLst/>
+          </c:spPr>
+          <c:marker>
+            <c:symbol val="none"/>
+          </c:marker>
+          <c:cat>
+            <c:numRef>
+              <c:f>'viele_kanten-HAW_ud'!$A$4:$A$23</c:f>
+              <c:numCache>
+                <c:formatCode>General</c:formatCode>
+                <c:ptCount val="20"/>
+                <c:pt idx="0">
+                  <c:v>1000</c:v>
+                </c:pt>
+                <c:pt idx="1">
+                  <c:v>2000</c:v>
+                </c:pt>
+                <c:pt idx="2">
+                  <c:v>3000</c:v>
+                </c:pt>
+                <c:pt idx="3">
+                  <c:v>4000</c:v>
+                </c:pt>
+                <c:pt idx="4">
+                  <c:v>5000</c:v>
+                </c:pt>
+                <c:pt idx="5">
+                  <c:v>6000</c:v>
+                </c:pt>
+                <c:pt idx="6">
+                  <c:v>7000</c:v>
+                </c:pt>
+                <c:pt idx="7">
+                  <c:v>8000</c:v>
+                </c:pt>
+                <c:pt idx="8">
+                  <c:v>9000</c:v>
+                </c:pt>
+                <c:pt idx="9">
+                  <c:v>10000</c:v>
+                </c:pt>
+                <c:pt idx="10">
+                  <c:v>20000</c:v>
+                </c:pt>
+                <c:pt idx="11">
+                  <c:v>30000</c:v>
+                </c:pt>
+                <c:pt idx="12">
+                  <c:v>40000</c:v>
+                </c:pt>
+                <c:pt idx="13">
+                  <c:v>50000</c:v>
+                </c:pt>
+                <c:pt idx="14">
+                  <c:v>60000</c:v>
+                </c:pt>
+                <c:pt idx="15">
+                  <c:v>70000</c:v>
+                </c:pt>
+                <c:pt idx="16">
+                  <c:v>80000</c:v>
+                </c:pt>
+                <c:pt idx="17">
+                  <c:v>90000</c:v>
+                </c:pt>
+                <c:pt idx="18">
+                  <c:v>100000</c:v>
+                </c:pt>
+                <c:pt idx="19">
+                  <c:v>110000</c:v>
+                </c:pt>
+              </c:numCache>
+            </c:numRef>
+          </c:cat>
+          <c:val>
+            <c:numRef>
+              <c:f>'viele_kanten-HAW_ud'!$B$4:$B$23</c:f>
+              <c:numCache>
+                <c:formatCode>General</c:formatCode>
+                <c:ptCount val="20"/>
+                <c:pt idx="0">
+                  <c:v>0</c:v>
+                </c:pt>
+                <c:pt idx="1">
+                  <c:v>16</c:v>
+                </c:pt>
+                <c:pt idx="2">
+                  <c:v>16</c:v>
+                </c:pt>
+                <c:pt idx="3">
+                  <c:v>0</c:v>
+                </c:pt>
+                <c:pt idx="4">
+                  <c:v>15</c:v>
+                </c:pt>
+                <c:pt idx="5">
+                  <c:v>16</c:v>
+                </c:pt>
+                <c:pt idx="6">
+                  <c:v>31</c:v>
+                </c:pt>
+                <c:pt idx="7">
+                  <c:v>32</c:v>
+                </c:pt>
+                <c:pt idx="8">
+                  <c:v>15</c:v>
+                </c:pt>
+                <c:pt idx="9">
+                  <c:v>16</c:v>
+                </c:pt>
+                <c:pt idx="10">
+                  <c:v>32</c:v>
+                </c:pt>
+                <c:pt idx="11">
+                  <c:v>15</c:v>
+                </c:pt>
+                <c:pt idx="12">
+                  <c:v>31</c:v>
+                </c:pt>
+                <c:pt idx="13">
+                  <c:v>31</c:v>
+                </c:pt>
+                <c:pt idx="14">
+                  <c:v>15</c:v>
+                </c:pt>
+                <c:pt idx="15">
+                  <c:v>16</c:v>
+                </c:pt>
+                <c:pt idx="16">
+                  <c:v>15</c:v>
+                </c:pt>
+                <c:pt idx="17">
+                  <c:v>16</c:v>
+                </c:pt>
+                <c:pt idx="18">
+                  <c:v>15</c:v>
+                </c:pt>
+                <c:pt idx="19">
+                  <c:v>16</c:v>
+                </c:pt>
+              </c:numCache>
+            </c:numRef>
+          </c:val>
+          <c:smooth val="0"/>
+          <c:extLst>
+            <c:ext xmlns:c16="http://schemas.microsoft.com/office/drawing/2014/chart" uri="{C3380CC4-5D6E-409C-BE32-E72D297353CC}">
+              <c16:uniqueId val="{00000000-44CF-4A66-8BEA-ADD2A6D0B859}"/>
+            </c:ext>
+          </c:extLst>
+        </c:ser>
+        <c:ser>
+          <c:idx val="1"/>
+          <c:order val="1"/>
+          <c:tx>
+            <c:strRef>
+              <c:f>'viele_kanten-HAW_ud'!$C$3</c:f>
+              <c:strCache>
+                <c:ptCount val="1"/>
+                <c:pt idx="0">
+                  <c:v>bellmannford</c:v>
+                </c:pt>
+              </c:strCache>
+            </c:strRef>
+          </c:tx>
+          <c:spPr>
+            <a:ln w="28575" cap="rnd">
+              <a:solidFill>
+                <a:schemeClr val="accent2"/>
+              </a:solidFill>
+              <a:round/>
+            </a:ln>
+            <a:effectLst/>
+          </c:spPr>
+          <c:marker>
+            <c:symbol val="none"/>
+          </c:marker>
+          <c:cat>
+            <c:numRef>
+              <c:f>'viele_kanten-HAW_ud'!$A$4:$A$23</c:f>
+              <c:numCache>
+                <c:formatCode>General</c:formatCode>
+                <c:ptCount val="20"/>
+                <c:pt idx="0">
+                  <c:v>1000</c:v>
+                </c:pt>
+                <c:pt idx="1">
+                  <c:v>2000</c:v>
+                </c:pt>
+                <c:pt idx="2">
+                  <c:v>3000</c:v>
+                </c:pt>
+                <c:pt idx="3">
+                  <c:v>4000</c:v>
+                </c:pt>
+                <c:pt idx="4">
+                  <c:v>5000</c:v>
+                </c:pt>
+                <c:pt idx="5">
+                  <c:v>6000</c:v>
+                </c:pt>
+                <c:pt idx="6">
+                  <c:v>7000</c:v>
+                </c:pt>
+                <c:pt idx="7">
+                  <c:v>8000</c:v>
+                </c:pt>
+                <c:pt idx="8">
+                  <c:v>9000</c:v>
+                </c:pt>
+                <c:pt idx="9">
+                  <c:v>10000</c:v>
+                </c:pt>
+                <c:pt idx="10">
+                  <c:v>20000</c:v>
+                </c:pt>
+                <c:pt idx="11">
+                  <c:v>30000</c:v>
+                </c:pt>
+                <c:pt idx="12">
+                  <c:v>40000</c:v>
+                </c:pt>
+                <c:pt idx="13">
+                  <c:v>50000</c:v>
+                </c:pt>
+                <c:pt idx="14">
+                  <c:v>60000</c:v>
+                </c:pt>
+                <c:pt idx="15">
+                  <c:v>70000</c:v>
+                </c:pt>
+                <c:pt idx="16">
+                  <c:v>80000</c:v>
+                </c:pt>
+                <c:pt idx="17">
+                  <c:v>90000</c:v>
+                </c:pt>
+                <c:pt idx="18">
+                  <c:v>100000</c:v>
+                </c:pt>
+                <c:pt idx="19">
+                  <c:v>110000</c:v>
+                </c:pt>
+              </c:numCache>
+            </c:numRef>
+          </c:cat>
+          <c:val>
+            <c:numRef>
+              <c:f>'viele_kanten-HAW_ud'!$C$4:$C$23</c:f>
+              <c:numCache>
+                <c:formatCode>General</c:formatCode>
+                <c:ptCount val="20"/>
+                <c:pt idx="0">
+                  <c:v>328</c:v>
+                </c:pt>
+                <c:pt idx="1">
+                  <c:v>656</c:v>
+                </c:pt>
+                <c:pt idx="2">
+                  <c:v>1281</c:v>
+                </c:pt>
+                <c:pt idx="3">
+                  <c:v>2235</c:v>
+                </c:pt>
+                <c:pt idx="4">
+                  <c:v>3016</c:v>
+                </c:pt>
+                <c:pt idx="5">
+                  <c:v>2983</c:v>
+                </c:pt>
+                <c:pt idx="6">
+                  <c:v>2985</c:v>
+                </c:pt>
+                <c:pt idx="7">
+                  <c:v>3015</c:v>
+                </c:pt>
+                <c:pt idx="8">
+                  <c:v>2954</c:v>
+                </c:pt>
+                <c:pt idx="9">
+                  <c:v>3078</c:v>
+                </c:pt>
+                <c:pt idx="10">
+                  <c:v>3015</c:v>
+                </c:pt>
+                <c:pt idx="11">
+                  <c:v>3032</c:v>
+                </c:pt>
+                <c:pt idx="12">
+                  <c:v>3015</c:v>
+                </c:pt>
+                <c:pt idx="13">
+                  <c:v>2953</c:v>
+                </c:pt>
+                <c:pt idx="14">
+                  <c:v>2938</c:v>
+                </c:pt>
+                <c:pt idx="15">
+                  <c:v>3001</c:v>
+                </c:pt>
+                <c:pt idx="16">
+                  <c:v>2940</c:v>
+                </c:pt>
+                <c:pt idx="17">
+                  <c:v>3017</c:v>
+                </c:pt>
+                <c:pt idx="18">
+                  <c:v>2971</c:v>
+                </c:pt>
+                <c:pt idx="19">
+                  <c:v>3002</c:v>
+                </c:pt>
+              </c:numCache>
+            </c:numRef>
+          </c:val>
+          <c:smooth val="0"/>
+          <c:extLst>
+            <c:ext xmlns:c16="http://schemas.microsoft.com/office/drawing/2014/chart" uri="{C3380CC4-5D6E-409C-BE32-E72D297353CC}">
+              <c16:uniqueId val="{00000001-44CF-4A66-8BEA-ADD2A6D0B859}"/>
+            </c:ext>
+          </c:extLst>
+        </c:ser>
+        <c:dLbls>
+          <c:showLegendKey val="0"/>
+          <c:showVal val="0"/>
+          <c:showCatName val="0"/>
+          <c:showSerName val="0"/>
+          <c:showPercent val="0"/>
+          <c:showBubbleSize val="0"/>
+        </c:dLbls>
+        <c:smooth val="0"/>
+        <c:axId val="287912968"/>
+        <c:axId val="287927400"/>
+      </c:lineChart>
+      <c:catAx>
+        <c:axId val="287912968"/>
+        <c:scaling>
+          <c:orientation val="minMax"/>
+        </c:scaling>
+        <c:delete val="0"/>
+        <c:axPos val="b"/>
+        <c:title>
+          <c:tx>
+            <c:rich>
+              <a:bodyPr rot="0" spcFirstLastPara="1" vertOverflow="ellipsis" vert="horz" wrap="square" anchor="ctr" anchorCtr="1"/>
+              <a:lstStyle/>
+              <a:p>
+                <a:pPr>
+                  <a:defRPr sz="1600" b="1" i="0" u="none" strike="noStrike" kern="1200" baseline="0">
+                    <a:solidFill>
+                      <a:schemeClr val="tx1">
+                        <a:lumMod val="65000"/>
+                        <a:lumOff val="35000"/>
+                      </a:schemeClr>
+                    </a:solidFill>
+                    <a:latin typeface="+mn-lt"/>
+                    <a:ea typeface="+mn-ea"/>
+                    <a:cs typeface="+mn-cs"/>
+                  </a:defRPr>
+                </a:pPr>
+                <a:r>
+                  <a:rPr lang="de-DE" sz="1600" b="1" dirty="0" err="1"/>
+                  <a:t>Edges</a:t>
+                </a:r>
+                <a:endParaRPr lang="de-DE" sz="1600" b="1" dirty="0"/>
+              </a:p>
+            </c:rich>
+          </c:tx>
+          <c:overlay val="0"/>
+          <c:spPr>
+            <a:noFill/>
+            <a:ln>
+              <a:noFill/>
+            </a:ln>
+            <a:effectLst/>
+          </c:spPr>
+          <c:txPr>
+            <a:bodyPr rot="0" spcFirstLastPara="1" vertOverflow="ellipsis" vert="horz" wrap="square" anchor="ctr" anchorCtr="1"/>
+            <a:lstStyle/>
+            <a:p>
+              <a:pPr>
+                <a:defRPr sz="1600" b="1" i="0" u="none" strike="noStrike" kern="1200" baseline="0">
+                  <a:solidFill>
+                    <a:schemeClr val="tx1">
+                      <a:lumMod val="65000"/>
+                      <a:lumOff val="35000"/>
+                    </a:schemeClr>
+                  </a:solidFill>
+                  <a:latin typeface="+mn-lt"/>
+                  <a:ea typeface="+mn-ea"/>
+                  <a:cs typeface="+mn-cs"/>
+                </a:defRPr>
+              </a:pPr>
+              <a:endParaRPr lang="de-DE"/>
+            </a:p>
+          </c:txPr>
+        </c:title>
+        <c:numFmt formatCode="General" sourceLinked="1"/>
+        <c:majorTickMark val="none"/>
+        <c:minorTickMark val="none"/>
+        <c:tickLblPos val="nextTo"/>
+        <c:spPr>
+          <a:noFill/>
+          <a:ln w="9525" cap="flat" cmpd="sng" algn="ctr">
+            <a:solidFill>
+              <a:schemeClr val="tx1">
+                <a:lumMod val="15000"/>
+                <a:lumOff val="85000"/>
+              </a:schemeClr>
+            </a:solidFill>
+            <a:round/>
+          </a:ln>
+          <a:effectLst/>
+        </c:spPr>
+        <c:txPr>
+          <a:bodyPr rot="-60000000" spcFirstLastPara="1" vertOverflow="ellipsis" vert="horz" wrap="square" anchor="ctr" anchorCtr="1"/>
+          <a:lstStyle/>
+          <a:p>
+            <a:pPr>
+              <a:defRPr sz="900" b="0" i="0" u="none" strike="noStrike" kern="1200" baseline="0">
+                <a:solidFill>
+                  <a:schemeClr val="tx1">
+                    <a:lumMod val="65000"/>
+                    <a:lumOff val="35000"/>
+                  </a:schemeClr>
+                </a:solidFill>
+                <a:latin typeface="+mn-lt"/>
+                <a:ea typeface="+mn-ea"/>
+                <a:cs typeface="+mn-cs"/>
+              </a:defRPr>
+            </a:pPr>
+            <a:endParaRPr lang="de-DE"/>
+          </a:p>
+        </c:txPr>
+        <c:crossAx val="287927400"/>
+        <c:crosses val="autoZero"/>
+        <c:auto val="1"/>
+        <c:lblAlgn val="ctr"/>
+        <c:lblOffset val="100"/>
+        <c:noMultiLvlLbl val="0"/>
+      </c:catAx>
+      <c:valAx>
+        <c:axId val="287927400"/>
+        <c:scaling>
+          <c:orientation val="minMax"/>
+        </c:scaling>
+        <c:delete val="0"/>
+        <c:axPos val="l"/>
+        <c:majorGridlines>
+          <c:spPr>
+            <a:ln w="9525" cap="flat" cmpd="sng" algn="ctr">
+              <a:solidFill>
+                <a:schemeClr val="tx1">
+                  <a:lumMod val="15000"/>
+                  <a:lumOff val="85000"/>
+                </a:schemeClr>
+              </a:solidFill>
+              <a:round/>
+            </a:ln>
+            <a:effectLst/>
+          </c:spPr>
+        </c:majorGridlines>
+        <c:title>
+          <c:tx>
+            <c:rich>
+              <a:bodyPr rot="-5400000" spcFirstLastPara="1" vertOverflow="ellipsis" vert="horz" wrap="square" anchor="ctr" anchorCtr="1"/>
+              <a:lstStyle/>
+              <a:p>
+                <a:pPr>
+                  <a:defRPr sz="1600" b="1" i="0" u="none" strike="noStrike" kern="1200" baseline="0">
+                    <a:solidFill>
+                      <a:schemeClr val="tx1">
+                        <a:lumMod val="65000"/>
+                        <a:lumOff val="35000"/>
+                      </a:schemeClr>
+                    </a:solidFill>
+                    <a:latin typeface="+mn-lt"/>
+                    <a:ea typeface="+mn-ea"/>
+                    <a:cs typeface="+mn-cs"/>
+                  </a:defRPr>
+                </a:pPr>
+                <a:r>
+                  <a:rPr lang="de-DE" sz="1600" b="1" dirty="0"/>
+                  <a:t>Zeit in </a:t>
+                </a:r>
+                <a:r>
+                  <a:rPr lang="de-DE" sz="1600" b="1" dirty="0" err="1"/>
+                  <a:t>ms</a:t>
+                </a:r>
+                <a:endParaRPr lang="de-DE" sz="1600" b="1" dirty="0"/>
+              </a:p>
+            </c:rich>
+          </c:tx>
+          <c:overlay val="0"/>
+          <c:spPr>
+            <a:noFill/>
+            <a:ln>
+              <a:noFill/>
+            </a:ln>
+            <a:effectLst/>
+          </c:spPr>
+          <c:txPr>
+            <a:bodyPr rot="-5400000" spcFirstLastPara="1" vertOverflow="ellipsis" vert="horz" wrap="square" anchor="ctr" anchorCtr="1"/>
+            <a:lstStyle/>
+            <a:p>
+              <a:pPr>
+                <a:defRPr sz="1600" b="1" i="0" u="none" strike="noStrike" kern="1200" baseline="0">
+                  <a:solidFill>
+                    <a:schemeClr val="tx1">
+                      <a:lumMod val="65000"/>
+                      <a:lumOff val="35000"/>
+                    </a:schemeClr>
+                  </a:solidFill>
+                  <a:latin typeface="+mn-lt"/>
+                  <a:ea typeface="+mn-ea"/>
+                  <a:cs typeface="+mn-cs"/>
+                </a:defRPr>
+              </a:pPr>
+              <a:endParaRPr lang="de-DE"/>
+            </a:p>
+          </c:txPr>
+        </c:title>
+        <c:numFmt formatCode="General" sourceLinked="1"/>
+        <c:majorTickMark val="none"/>
+        <c:minorTickMark val="none"/>
+        <c:tickLblPos val="nextTo"/>
+        <c:spPr>
+          <a:noFill/>
+          <a:ln>
+            <a:noFill/>
+          </a:ln>
+          <a:effectLst/>
+        </c:spPr>
+        <c:txPr>
+          <a:bodyPr rot="-60000000" spcFirstLastPara="1" vertOverflow="ellipsis" vert="horz" wrap="square" anchor="ctr" anchorCtr="1"/>
+          <a:lstStyle/>
+          <a:p>
+            <a:pPr>
+              <a:defRPr sz="900" b="0" i="0" u="none" strike="noStrike" kern="1200" baseline="0">
+                <a:solidFill>
+                  <a:schemeClr val="tx1">
+                    <a:lumMod val="65000"/>
+                    <a:lumOff val="35000"/>
+                  </a:schemeClr>
+                </a:solidFill>
+                <a:latin typeface="+mn-lt"/>
+                <a:ea typeface="+mn-ea"/>
+                <a:cs typeface="+mn-cs"/>
+              </a:defRPr>
+            </a:pPr>
+            <a:endParaRPr lang="de-DE"/>
+          </a:p>
+        </c:txPr>
+        <c:crossAx val="287912968"/>
+        <c:crosses val="autoZero"/>
+        <c:crossBetween val="between"/>
+      </c:valAx>
+      <c:spPr>
+        <a:noFill/>
+        <a:ln>
+          <a:noFill/>
+        </a:ln>
+        <a:effectLst/>
+      </c:spPr>
+    </c:plotArea>
+    <c:legend>
+      <c:legendPos val="b"/>
+      <c:layout>
+        <c:manualLayout>
+          <c:xMode val="edge"/>
+          <c:yMode val="edge"/>
+          <c:x val="0.57456330296970748"/>
+          <c:y val="0.21612210336025109"/>
+          <c:w val="0.35480369747652302"/>
+          <c:h val="8.6921292847422948E-2"/>
+        </c:manualLayout>
+      </c:layout>
+      <c:overlay val="0"/>
+      <c:spPr>
+        <a:noFill/>
+        <a:ln>
+          <a:noFill/>
+        </a:ln>
+        <a:effectLst/>
+      </c:spPr>
+      <c:txPr>
+        <a:bodyPr rot="0" spcFirstLastPara="1" vertOverflow="ellipsis" vert="horz" wrap="square" anchor="ctr" anchorCtr="1"/>
+        <a:lstStyle/>
+        <a:p>
+          <a:pPr>
+            <a:defRPr sz="2000" b="1" i="0" u="none" strike="noStrike" kern="1200" baseline="0">
+              <a:solidFill>
+                <a:schemeClr val="tx1">
+                  <a:lumMod val="65000"/>
+                  <a:lumOff val="35000"/>
+                </a:schemeClr>
+              </a:solidFill>
+              <a:latin typeface="+mn-lt"/>
+              <a:ea typeface="+mn-ea"/>
+              <a:cs typeface="+mn-cs"/>
+            </a:defRPr>
+          </a:pPr>
+          <a:endParaRPr lang="de-DE"/>
+        </a:p>
+      </c:txPr>
+    </c:legend>
+    <c:plotVisOnly val="1"/>
+    <c:dispBlanksAs val="gap"/>
+    <c:extLst>
+      <c:ext xmlns:c16r3="http://schemas.microsoft.com/office/drawing/2017/03/chart" uri="{56B9EC1D-385E-4148-901F-78D8002777C0}">
+        <c16r3:dataDisplayOptions16>
+          <c16r3:dispNaAsBlank val="1"/>
+        </c16r3:dataDisplayOptions16>
+      </c:ext>
+    </c:extLst>
+    <c:showDLblsOverMax val="0"/>
+  </c:chart>
+  <c:spPr>
+    <a:noFill/>
+    <a:ln>
+      <a:noFill/>
+    </a:ln>
+    <a:effectLst/>
+  </c:spPr>
+  <c:txPr>
+    <a:bodyPr/>
+    <a:lstStyle/>
+    <a:p>
+      <a:pPr>
+        <a:defRPr/>
+      </a:pPr>
+      <a:endParaRPr lang="de-DE"/>
+    </a:p>
+  </c:txPr>
+  <c:externalData r:id="rId3">
+    <c:autoUpdate val="0"/>
+  </c:externalData>
+</c:chartSpace>
+</file>
+
+<file path=ppt/charts/colors1.xml><?xml version="1.0" encoding="utf-8"?>
+<cs:colorStyle xmlns:cs="http://schemas.microsoft.com/office/drawing/2012/chartStyle" xmlns:a="http://schemas.openxmlformats.org/drawingml/2006/main" meth="cycle" id="10">
+  <a:schemeClr val="accent1"/>
+  <a:schemeClr val="accent2"/>
+  <a:schemeClr val="accent3"/>
+  <a:schemeClr val="accent4"/>
+  <a:schemeClr val="accent5"/>
+  <a:schemeClr val="accent6"/>
+  <cs:variation/>
+  <cs:variation>
+    <a:lumMod val="60000"/>
+  </cs:variation>
+  <cs:variation>
+    <a:lumMod val="80000"/>
+    <a:lumOff val="20000"/>
+  </cs:variation>
+  <cs:variation>
+    <a:lumMod val="80000"/>
+  </cs:variation>
+  <cs:variation>
+    <a:lumMod val="60000"/>
+    <a:lumOff val="40000"/>
+  </cs:variation>
+  <cs:variation>
+    <a:lumMod val="50000"/>
+  </cs:variation>
+  <cs:variation>
+    <a:lumMod val="70000"/>
+    <a:lumOff val="30000"/>
+  </cs:variation>
+  <cs:variation>
+    <a:lumMod val="70000"/>
+  </cs:variation>
+  <cs:variation>
+    <a:lumMod val="50000"/>
+    <a:lumOff val="50000"/>
+  </cs:variation>
+</cs:colorStyle>
+</file>
+
+<file path=ppt/charts/colors2.xml><?xml version="1.0" encoding="utf-8"?>
+<cs:colorStyle xmlns:cs="http://schemas.microsoft.com/office/drawing/2012/chartStyle" xmlns:a="http://schemas.openxmlformats.org/drawingml/2006/main" meth="cycle" id="10">
+  <a:schemeClr val="accent1"/>
+  <a:schemeClr val="accent2"/>
+  <a:schemeClr val="accent3"/>
+  <a:schemeClr val="accent4"/>
+  <a:schemeClr val="accent5"/>
+  <a:schemeClr val="accent6"/>
+  <cs:variation/>
+  <cs:variation>
+    <a:lumMod val="60000"/>
+  </cs:variation>
+  <cs:variation>
+    <a:lumMod val="80000"/>
+    <a:lumOff val="20000"/>
+  </cs:variation>
+  <cs:variation>
+    <a:lumMod val="80000"/>
+  </cs:variation>
+  <cs:variation>
+    <a:lumMod val="60000"/>
+    <a:lumOff val="40000"/>
+  </cs:variation>
+  <cs:variation>
+    <a:lumMod val="50000"/>
+  </cs:variation>
+  <cs:variation>
+    <a:lumMod val="70000"/>
+    <a:lumOff val="30000"/>
+  </cs:variation>
+  <cs:variation>
+    <a:lumMod val="70000"/>
+  </cs:variation>
+  <cs:variation>
+    <a:lumMod val="50000"/>
+    <a:lumOff val="50000"/>
+  </cs:variation>
+</cs:colorStyle>
+</file>
+
+<file path=ppt/charts/style1.xml><?xml version="1.0" encoding="utf-8"?>
+<cs:chartStyle xmlns:cs="http://schemas.microsoft.com/office/drawing/2012/chartStyle" xmlns:a="http://schemas.openxmlformats.org/drawingml/2006/main" id="227">
+  <cs:axisTitle>
+    <cs:lnRef idx="0"/>
+    <cs:fillRef idx="0"/>
+    <cs:effectRef idx="0"/>
+    <cs:fontRef idx="minor">
+      <a:schemeClr val="tx1">
+        <a:lumMod val="65000"/>
+        <a:lumOff val="35000"/>
+      </a:schemeClr>
+    </cs:fontRef>
+    <cs:defRPr sz="1000" kern="1200"/>
+  </cs:axisTitle>
+  <cs:categoryAxis>
+    <cs:lnRef idx="0"/>
+    <cs:fillRef idx="0"/>
+    <cs:effectRef idx="0"/>
+    <cs:fontRef idx="minor">
+      <a:schemeClr val="tx1">
+        <a:lumMod val="65000"/>
+        <a:lumOff val="35000"/>
+      </a:schemeClr>
+    </cs:fontRef>
+    <cs:spPr>
+      <a:ln w="9525" cap="flat" cmpd="sng" algn="ctr">
+        <a:solidFill>
+          <a:schemeClr val="tx1">
+            <a:lumMod val="15000"/>
+            <a:lumOff val="85000"/>
+          </a:schemeClr>
+        </a:solidFill>
+        <a:round/>
+      </a:ln>
+    </cs:spPr>
+    <cs:defRPr sz="900" kern="1200"/>
+  </cs:categoryAxis>
+  <cs:chartArea mods="allowNoFillOverride allowNoLineOverride">
+    <cs:lnRef idx="0"/>
+    <cs:fillRef idx="0"/>
+    <cs:effectRef idx="0"/>
+    <cs:fontRef idx="minor">
+      <a:schemeClr val="tx1"/>
+    </cs:fontRef>
+    <cs:spPr>
+      <a:solidFill>
+        <a:schemeClr val="bg1"/>
+      </a:solidFill>
+      <a:ln w="9525" cap="flat" cmpd="sng" algn="ctr">
+        <a:solidFill>
+          <a:schemeClr val="tx1">
+            <a:lumMod val="15000"/>
+            <a:lumOff val="85000"/>
+          </a:schemeClr>
+        </a:solidFill>
+        <a:round/>
+      </a:ln>
+    </cs:spPr>
+    <cs:defRPr sz="1000" kern="1200"/>
+  </cs:chartArea>
+  <cs:dataLabel>
+    <cs:lnRef idx="0"/>
+    <cs:fillRef idx="0"/>
+    <cs:effectRef idx="0"/>
+    <cs:fontRef idx="minor">
+      <a:schemeClr val="tx1">
+        <a:lumMod val="75000"/>
+        <a:lumOff val="25000"/>
+      </a:schemeClr>
+    </cs:fontRef>
+    <cs:defRPr sz="900" kern="1200"/>
+  </cs:dataLabel>
+  <cs:dataLabelCallout>
+    <cs:lnRef idx="0"/>
+    <cs:fillRef idx="0"/>
+    <cs:effectRef idx="0"/>
+    <cs:fontRef idx="minor">
+      <a:schemeClr val="dk1">
+        <a:lumMod val="65000"/>
+        <a:lumOff val="35000"/>
+      </a:schemeClr>
+    </cs:fontRef>
+    <cs:spPr>
+      <a:solidFill>
+        <a:schemeClr val="lt1"/>
+      </a:solidFill>
+      <a:ln>
+        <a:solidFill>
+          <a:schemeClr val="dk1">
+            <a:lumMod val="25000"/>
+            <a:lumOff val="75000"/>
+          </a:schemeClr>
+        </a:solidFill>
+      </a:ln>
+    </cs:spPr>
+    <cs:defRPr sz="900" kern="1200"/>
+    <cs:bodyPr rot="0" spcFirstLastPara="1" vertOverflow="clip" horzOverflow="clip" vert="horz" wrap="square" lIns="36576" tIns="18288" rIns="36576" bIns="18288" anchor="ctr" anchorCtr="1">
+      <a:spAutoFit/>
+    </cs:bodyPr>
+  </cs:dataLabelCallout>
+  <cs:dataPoint>
+    <cs:lnRef idx="0"/>
+    <cs:fillRef idx="1">
+      <cs:styleClr val="auto"/>
+    </cs:fillRef>
+    <cs:effectRef idx="0"/>
+    <cs:fontRef idx="minor">
+      <a:schemeClr val="tx1"/>
+    </cs:fontRef>
+    <cs:spPr>
+      <a:solidFill>
+        <a:schemeClr val="phClr"/>
+      </a:solidFill>
+    </cs:spPr>
+  </cs:dataPoint>
+  <cs:dataPoint3D>
+    <cs:lnRef idx="0"/>
+    <cs:fillRef idx="1">
+      <cs:styleClr val="auto"/>
+    </cs:fillRef>
+    <cs:effectRef idx="0"/>
+    <cs:fontRef idx="minor">
+      <a:schemeClr val="tx1"/>
+    </cs:fontRef>
+    <cs:spPr>
+      <a:solidFill>
+        <a:schemeClr val="phClr"/>
+      </a:solidFill>
+    </cs:spPr>
+  </cs:dataPoint3D>
+  <cs:dataPointLine>
+    <cs:lnRef idx="0">
+      <cs:styleClr val="auto"/>
+    </cs:lnRef>
+    <cs:fillRef idx="1"/>
+    <cs:effectRef idx="0"/>
+    <cs:fontRef idx="minor">
+      <a:schemeClr val="tx1"/>
+    </cs:fontRef>
+    <cs:spPr>
+      <a:ln w="28575" cap="rnd">
+        <a:solidFill>
+          <a:schemeClr val="phClr"/>
+        </a:solidFill>
+        <a:round/>
+      </a:ln>
+    </cs:spPr>
+  </cs:dataPointLine>
+  <cs:dataPointMarker>
+    <cs:lnRef idx="0">
+      <cs:styleClr val="auto"/>
+    </cs:lnRef>
+    <cs:fillRef idx="1">
+      <cs:styleClr val="auto"/>
+    </cs:fillRef>
+    <cs:effectRef idx="0"/>
+    <cs:fontRef idx="minor">
+      <a:schemeClr val="tx1"/>
+    </cs:fontRef>
+    <cs:spPr>
+      <a:solidFill>
+        <a:schemeClr val="phClr"/>
+      </a:solidFill>
+      <a:ln w="9525">
+        <a:solidFill>
+          <a:schemeClr val="phClr"/>
+        </a:solidFill>
+      </a:ln>
+    </cs:spPr>
+  </cs:dataPointMarker>
+  <cs:dataPointMarkerLayout symbol="circle" size="5"/>
+  <cs:dataPointWireframe>
+    <cs:lnRef idx="0">
+      <cs:styleClr val="auto"/>
+    </cs:lnRef>
+    <cs:fillRef idx="1"/>
+    <cs:effectRef idx="0"/>
+    <cs:fontRef idx="minor">
+      <a:schemeClr val="tx1"/>
+    </cs:fontRef>
+    <cs:spPr>
+      <a:ln w="9525" cap="rnd">
+        <a:solidFill>
+          <a:schemeClr val="phClr"/>
+        </a:solidFill>
+        <a:round/>
+      </a:ln>
+    </cs:spPr>
+  </cs:dataPointWireframe>
+  <cs:dataTable>
+    <cs:lnRef idx="0"/>
+    <cs:fillRef idx="0"/>
+    <cs:effectRef idx="0"/>
+    <cs:fontRef idx="minor">
+      <a:schemeClr val="tx1">
+        <a:lumMod val="65000"/>
+        <a:lumOff val="35000"/>
+      </a:schemeClr>
+    </cs:fontRef>
+    <cs:spPr>
+      <a:noFill/>
+      <a:ln w="9525" cap="flat" cmpd="sng" algn="ctr">
+        <a:solidFill>
+          <a:schemeClr val="tx1">
+            <a:lumMod val="15000"/>
+            <a:lumOff val="85000"/>
+          </a:schemeClr>
+        </a:solidFill>
+        <a:round/>
+      </a:ln>
+    </cs:spPr>
+    <cs:defRPr sz="900" kern="1200"/>
+  </cs:dataTable>
+  <cs:downBar>
+    <cs:lnRef idx="0"/>
+    <cs:fillRef idx="0"/>
+    <cs:effectRef idx="0"/>
+    <cs:fontRef idx="minor">
+      <a:schemeClr val="dk1"/>
+    </cs:fontRef>
+    <cs:spPr>
+      <a:solidFill>
+        <a:schemeClr val="dk1">
+          <a:lumMod val="65000"/>
+          <a:lumOff val="35000"/>
+        </a:schemeClr>
+      </a:solidFill>
+      <a:ln w="9525">
+        <a:solidFill>
+          <a:schemeClr val="tx1">
+            <a:lumMod val="65000"/>
+            <a:lumOff val="35000"/>
+          </a:schemeClr>
+        </a:solidFill>
+      </a:ln>
+    </cs:spPr>
+  </cs:downBar>
+  <cs:dropLine>
+    <cs:lnRef idx="0"/>
+    <cs:fillRef idx="0"/>
+    <cs:effectRef idx="0"/>
+    <cs:fontRef idx="minor">
+      <a:schemeClr val="tx1"/>
+    </cs:fontRef>
+    <cs:spPr>
+      <a:ln w="9525" cap="flat" cmpd="sng" algn="ctr">
+        <a:solidFill>
+          <a:schemeClr val="tx1">
+            <a:lumMod val="35000"/>
+            <a:lumOff val="65000"/>
+          </a:schemeClr>
+        </a:solidFill>
+        <a:round/>
+      </a:ln>
+    </cs:spPr>
+  </cs:dropLine>
+  <cs:errorBar>
+    <cs:lnRef idx="0"/>
+    <cs:fillRef idx="0"/>
+    <cs:effectRef idx="0"/>
+    <cs:fontRef idx="minor">
+      <a:schemeClr val="tx1"/>
+    </cs:fontRef>
+    <cs:spPr>
+      <a:ln w="9525" cap="flat" cmpd="sng" algn="ctr">
+        <a:solidFill>
+          <a:schemeClr val="tx1">
+            <a:lumMod val="65000"/>
+            <a:lumOff val="35000"/>
+          </a:schemeClr>
+        </a:solidFill>
+        <a:round/>
+      </a:ln>
+    </cs:spPr>
+  </cs:errorBar>
+  <cs:floor>
+    <cs:lnRef idx="0"/>
+    <cs:fillRef idx="0"/>
+    <cs:effectRef idx="0"/>
+    <cs:fontRef idx="minor">
+      <a:schemeClr val="tx1"/>
+    </cs:fontRef>
+    <cs:spPr>
+      <a:noFill/>
+      <a:ln>
+        <a:noFill/>
+      </a:ln>
+    </cs:spPr>
+  </cs:floor>
+  <cs:gridlineMajor>
+    <cs:lnRef idx="0"/>
+    <cs:fillRef idx="0"/>
+    <cs:effectRef idx="0"/>
+    <cs:fontRef idx="minor">
+      <a:schemeClr val="tx1"/>
+    </cs:fontRef>
+    <cs:spPr>
+      <a:ln w="9525" cap="flat" cmpd="sng" algn="ctr">
+        <a:solidFill>
+          <a:schemeClr val="tx1">
+            <a:lumMod val="15000"/>
+            <a:lumOff val="85000"/>
+          </a:schemeClr>
+        </a:solidFill>
+        <a:round/>
+      </a:ln>
+    </cs:spPr>
+  </cs:gridlineMajor>
+  <cs:gridlineMinor>
+    <cs:lnRef idx="0"/>
+    <cs:fillRef idx="0"/>
+    <cs:effectRef idx="0"/>
+    <cs:fontRef idx="minor">
+      <a:schemeClr val="tx1"/>
+    </cs:fontRef>
+    <cs:spPr>
+      <a:ln w="9525" cap="flat" cmpd="sng" algn="ctr">
+        <a:solidFill>
+          <a:schemeClr val="tx1">
+            <a:lumMod val="5000"/>
+            <a:lumOff val="95000"/>
+          </a:schemeClr>
+        </a:solidFill>
+        <a:round/>
+      </a:ln>
+    </cs:spPr>
+  </cs:gridlineMinor>
+  <cs:hiLoLine>
+    <cs:lnRef idx="0"/>
+    <cs:fillRef idx="0"/>
+    <cs:effectRef idx="0"/>
+    <cs:fontRef idx="minor">
+      <a:schemeClr val="tx1"/>
+    </cs:fontRef>
+    <cs:spPr>
+      <a:ln w="9525" cap="flat" cmpd="sng" algn="ctr">
+        <a:solidFill>
+          <a:schemeClr val="tx1">
+            <a:lumMod val="75000"/>
+            <a:lumOff val="25000"/>
+          </a:schemeClr>
+        </a:solidFill>
+        <a:round/>
+      </a:ln>
+    </cs:spPr>
+  </cs:hiLoLine>
+  <cs:leaderLine>
+    <cs:lnRef idx="0"/>
+    <cs:fillRef idx="0"/>
+    <cs:effectRef idx="0"/>
+    <cs:fontRef idx="minor">
+      <a:schemeClr val="tx1"/>
+    </cs:fontRef>
+    <cs:spPr>
+      <a:ln w="9525" cap="flat" cmpd="sng" algn="ctr">
+        <a:solidFill>
+          <a:schemeClr val="tx1">
+            <a:lumMod val="35000"/>
+            <a:lumOff val="65000"/>
+          </a:schemeClr>
+        </a:solidFill>
+        <a:round/>
+      </a:ln>
+    </cs:spPr>
+  </cs:leaderLine>
+  <cs:legend>
+    <cs:lnRef idx="0"/>
+    <cs:fillRef idx="0"/>
+    <cs:effectRef idx="0"/>
+    <cs:fontRef idx="minor">
+      <a:schemeClr val="tx1">
+        <a:lumMod val="65000"/>
+        <a:lumOff val="35000"/>
+      </a:schemeClr>
+    </cs:fontRef>
+    <cs:defRPr sz="900" kern="1200"/>
+  </cs:legend>
+  <cs:plotArea mods="allowNoFillOverride allowNoLineOverride">
+    <cs:lnRef idx="0"/>
+    <cs:fillRef idx="0"/>
+    <cs:effectRef idx="0"/>
+    <cs:fontRef idx="minor">
+      <a:schemeClr val="tx1"/>
+    </cs:fontRef>
+  </cs:plotArea>
+  <cs:plotArea3D mods="allowNoFillOverride allowNoLineOverride">
+    <cs:lnRef idx="0"/>
+    <cs:fillRef idx="0"/>
+    <cs:effectRef idx="0"/>
+    <cs:fontRef idx="minor">
+      <a:schemeClr val="tx1"/>
+    </cs:fontRef>
+  </cs:plotArea3D>
+  <cs:seriesAxis>
+    <cs:lnRef idx="0"/>
+    <cs:fillRef idx="0"/>
+    <cs:effectRef idx="0"/>
+    <cs:fontRef idx="minor">
+      <a:schemeClr val="tx1">
+        <a:lumMod val="65000"/>
+        <a:lumOff val="35000"/>
+      </a:schemeClr>
+    </cs:fontRef>
+    <cs:defRPr sz="900" kern="1200"/>
+  </cs:seriesAxis>
+  <cs:seriesLine>
+    <cs:lnRef idx="0"/>
+    <cs:fillRef idx="0"/>
+    <cs:effectRef idx="0"/>
+    <cs:fontRef idx="minor">
+      <a:schemeClr val="tx1"/>
+    </cs:fontRef>
+    <cs:spPr>
+      <a:ln w="9525" cap="flat" cmpd="sng" algn="ctr">
+        <a:solidFill>
+          <a:schemeClr val="tx1">
+            <a:lumMod val="35000"/>
+            <a:lumOff val="65000"/>
+          </a:schemeClr>
+        </a:solidFill>
+        <a:round/>
+      </a:ln>
+    </cs:spPr>
+  </cs:seriesLine>
+  <cs:title>
+    <cs:lnRef idx="0"/>
+    <cs:fillRef idx="0"/>
+    <cs:effectRef idx="0"/>
+    <cs:fontRef idx="minor">
+      <a:schemeClr val="tx1">
+        <a:lumMod val="65000"/>
+        <a:lumOff val="35000"/>
+      </a:schemeClr>
+    </cs:fontRef>
+    <cs:defRPr sz="1400" b="0" kern="1200" spc="0" baseline="0"/>
+  </cs:title>
+  <cs:trendline>
+    <cs:lnRef idx="0">
+      <cs:styleClr val="auto"/>
+    </cs:lnRef>
+    <cs:fillRef idx="0"/>
+    <cs:effectRef idx="0"/>
+    <cs:fontRef idx="minor">
+      <a:schemeClr val="tx1"/>
+    </cs:fontRef>
+    <cs:spPr>
+      <a:ln w="19050" cap="rnd">
+        <a:solidFill>
+          <a:schemeClr val="phClr"/>
+        </a:solidFill>
+        <a:prstDash val="sysDot"/>
+      </a:ln>
+    </cs:spPr>
+  </cs:trendline>
+  <cs:trendlineLabel>
+    <cs:lnRef idx="0"/>
+    <cs:fillRef idx="0"/>
+    <cs:effectRef idx="0"/>
+    <cs:fontRef idx="minor">
+      <a:schemeClr val="tx1">
+        <a:lumMod val="65000"/>
+        <a:lumOff val="35000"/>
+      </a:schemeClr>
+    </cs:fontRef>
+    <cs:defRPr sz="900" kern="1200"/>
+  </cs:trendlineLabel>
+  <cs:upBar>
+    <cs:lnRef idx="0"/>
+    <cs:fillRef idx="0"/>
+    <cs:effectRef idx="0"/>
+    <cs:fontRef idx="minor">
+      <a:schemeClr val="dk1"/>
+    </cs:fontRef>
+    <cs:spPr>
+      <a:solidFill>
+        <a:schemeClr val="lt1"/>
+      </a:solidFill>
+      <a:ln w="9525">
+        <a:solidFill>
+          <a:schemeClr val="tx1">
+            <a:lumMod val="15000"/>
+            <a:lumOff val="85000"/>
+          </a:schemeClr>
+        </a:solidFill>
+      </a:ln>
+    </cs:spPr>
+  </cs:upBar>
+  <cs:valueAxis>
+    <cs:lnRef idx="0"/>
+    <cs:fillRef idx="0"/>
+    <cs:effectRef idx="0"/>
+    <cs:fontRef idx="minor">
+      <a:schemeClr val="tx1">
+        <a:lumMod val="65000"/>
+        <a:lumOff val="35000"/>
+      </a:schemeClr>
+    </cs:fontRef>
+    <cs:defRPr sz="900" kern="1200"/>
+  </cs:valueAxis>
+  <cs:wall>
+    <cs:lnRef idx="0"/>
+    <cs:fillRef idx="0"/>
+    <cs:effectRef idx="0"/>
+    <cs:fontRef idx="minor">
+      <a:schemeClr val="tx1"/>
+    </cs:fontRef>
+    <cs:spPr>
+      <a:noFill/>
+      <a:ln>
+        <a:noFill/>
+      </a:ln>
+    </cs:spPr>
+  </cs:wall>
+</cs:chartStyle>
+</file>
+
+<file path=ppt/charts/style2.xml><?xml version="1.0" encoding="utf-8"?>
+<cs:chartStyle xmlns:cs="http://schemas.microsoft.com/office/drawing/2012/chartStyle" xmlns:a="http://schemas.openxmlformats.org/drawingml/2006/main" id="227">
+  <cs:axisTitle>
+    <cs:lnRef idx="0"/>
+    <cs:fillRef idx="0"/>
+    <cs:effectRef idx="0"/>
+    <cs:fontRef idx="minor">
+      <a:schemeClr val="tx1">
+        <a:lumMod val="65000"/>
+        <a:lumOff val="35000"/>
+      </a:schemeClr>
+    </cs:fontRef>
+    <cs:defRPr sz="1000" kern="1200"/>
+  </cs:axisTitle>
+  <cs:categoryAxis>
+    <cs:lnRef idx="0"/>
+    <cs:fillRef idx="0"/>
+    <cs:effectRef idx="0"/>
+    <cs:fontRef idx="minor">
+      <a:schemeClr val="tx1">
+        <a:lumMod val="65000"/>
+        <a:lumOff val="35000"/>
+      </a:schemeClr>
+    </cs:fontRef>
+    <cs:spPr>
+      <a:ln w="9525" cap="flat" cmpd="sng" algn="ctr">
+        <a:solidFill>
+          <a:schemeClr val="tx1">
+            <a:lumMod val="15000"/>
+            <a:lumOff val="85000"/>
+          </a:schemeClr>
+        </a:solidFill>
+        <a:round/>
+      </a:ln>
+    </cs:spPr>
+    <cs:defRPr sz="900" kern="1200"/>
+  </cs:categoryAxis>
+  <cs:chartArea mods="allowNoFillOverride allowNoLineOverride">
+    <cs:lnRef idx="0"/>
+    <cs:fillRef idx="0"/>
+    <cs:effectRef idx="0"/>
+    <cs:fontRef idx="minor">
+      <a:schemeClr val="tx1"/>
+    </cs:fontRef>
+    <cs:spPr>
+      <a:solidFill>
+        <a:schemeClr val="bg1"/>
+      </a:solidFill>
+      <a:ln w="9525" cap="flat" cmpd="sng" algn="ctr">
+        <a:solidFill>
+          <a:schemeClr val="tx1">
+            <a:lumMod val="15000"/>
+            <a:lumOff val="85000"/>
+          </a:schemeClr>
+        </a:solidFill>
+        <a:round/>
+      </a:ln>
+    </cs:spPr>
+    <cs:defRPr sz="1000" kern="1200"/>
+  </cs:chartArea>
+  <cs:dataLabel>
+    <cs:lnRef idx="0"/>
+    <cs:fillRef idx="0"/>
+    <cs:effectRef idx="0"/>
+    <cs:fontRef idx="minor">
+      <a:schemeClr val="tx1">
+        <a:lumMod val="75000"/>
+        <a:lumOff val="25000"/>
+      </a:schemeClr>
+    </cs:fontRef>
+    <cs:defRPr sz="900" kern="1200"/>
+  </cs:dataLabel>
+  <cs:dataLabelCallout>
+    <cs:lnRef idx="0"/>
+    <cs:fillRef idx="0"/>
+    <cs:effectRef idx="0"/>
+    <cs:fontRef idx="minor">
+      <a:schemeClr val="dk1">
+        <a:lumMod val="65000"/>
+        <a:lumOff val="35000"/>
+      </a:schemeClr>
+    </cs:fontRef>
+    <cs:spPr>
+      <a:solidFill>
+        <a:schemeClr val="lt1"/>
+      </a:solidFill>
+      <a:ln>
+        <a:solidFill>
+          <a:schemeClr val="dk1">
+            <a:lumMod val="25000"/>
+            <a:lumOff val="75000"/>
+          </a:schemeClr>
+        </a:solidFill>
+      </a:ln>
+    </cs:spPr>
+    <cs:defRPr sz="900" kern="1200"/>
+    <cs:bodyPr rot="0" spcFirstLastPara="1" vertOverflow="clip" horzOverflow="clip" vert="horz" wrap="square" lIns="36576" tIns="18288" rIns="36576" bIns="18288" anchor="ctr" anchorCtr="1">
+      <a:spAutoFit/>
+    </cs:bodyPr>
+  </cs:dataLabelCallout>
+  <cs:dataPoint>
+    <cs:lnRef idx="0"/>
+    <cs:fillRef idx="1">
+      <cs:styleClr val="auto"/>
+    </cs:fillRef>
+    <cs:effectRef idx="0"/>
+    <cs:fontRef idx="minor">
+      <a:schemeClr val="tx1"/>
+    </cs:fontRef>
+    <cs:spPr>
+      <a:solidFill>
+        <a:schemeClr val="phClr"/>
+      </a:solidFill>
+    </cs:spPr>
+  </cs:dataPoint>
+  <cs:dataPoint3D>
+    <cs:lnRef idx="0"/>
+    <cs:fillRef idx="1">
+      <cs:styleClr val="auto"/>
+    </cs:fillRef>
+    <cs:effectRef idx="0"/>
+    <cs:fontRef idx="minor">
+      <a:schemeClr val="tx1"/>
+    </cs:fontRef>
+    <cs:spPr>
+      <a:solidFill>
+        <a:schemeClr val="phClr"/>
+      </a:solidFill>
+    </cs:spPr>
+  </cs:dataPoint3D>
+  <cs:dataPointLine>
+    <cs:lnRef idx="0">
+      <cs:styleClr val="auto"/>
+    </cs:lnRef>
+    <cs:fillRef idx="1"/>
+    <cs:effectRef idx="0"/>
+    <cs:fontRef idx="minor">
+      <a:schemeClr val="tx1"/>
+    </cs:fontRef>
+    <cs:spPr>
+      <a:ln w="28575" cap="rnd">
+        <a:solidFill>
+          <a:schemeClr val="phClr"/>
+        </a:solidFill>
+        <a:round/>
+      </a:ln>
+    </cs:spPr>
+  </cs:dataPointLine>
+  <cs:dataPointMarker>
+    <cs:lnRef idx="0">
+      <cs:styleClr val="auto"/>
+    </cs:lnRef>
+    <cs:fillRef idx="1">
+      <cs:styleClr val="auto"/>
+    </cs:fillRef>
+    <cs:effectRef idx="0"/>
+    <cs:fontRef idx="minor">
+      <a:schemeClr val="tx1"/>
+    </cs:fontRef>
+    <cs:spPr>
+      <a:solidFill>
+        <a:schemeClr val="phClr"/>
+      </a:solidFill>
+      <a:ln w="9525">
+        <a:solidFill>
+          <a:schemeClr val="phClr"/>
+        </a:solidFill>
+      </a:ln>
+    </cs:spPr>
+  </cs:dataPointMarker>
+  <cs:dataPointMarkerLayout symbol="circle" size="5"/>
+  <cs:dataPointWireframe>
+    <cs:lnRef idx="0">
+      <cs:styleClr val="auto"/>
+    </cs:lnRef>
+    <cs:fillRef idx="1"/>
+    <cs:effectRef idx="0"/>
+    <cs:fontRef idx="minor">
+      <a:schemeClr val="tx1"/>
+    </cs:fontRef>
+    <cs:spPr>
+      <a:ln w="9525" cap="rnd">
+        <a:solidFill>
+          <a:schemeClr val="phClr"/>
+        </a:solidFill>
+        <a:round/>
+      </a:ln>
+    </cs:spPr>
+  </cs:dataPointWireframe>
+  <cs:dataTable>
+    <cs:lnRef idx="0"/>
+    <cs:fillRef idx="0"/>
+    <cs:effectRef idx="0"/>
+    <cs:fontRef idx="minor">
+      <a:schemeClr val="tx1">
+        <a:lumMod val="65000"/>
+        <a:lumOff val="35000"/>
+      </a:schemeClr>
+    </cs:fontRef>
+    <cs:spPr>
+      <a:noFill/>
+      <a:ln w="9525" cap="flat" cmpd="sng" algn="ctr">
+        <a:solidFill>
+          <a:schemeClr val="tx1">
+            <a:lumMod val="15000"/>
+            <a:lumOff val="85000"/>
+          </a:schemeClr>
+        </a:solidFill>
+        <a:round/>
+      </a:ln>
+    </cs:spPr>
+    <cs:defRPr sz="900" kern="1200"/>
+  </cs:dataTable>
+  <cs:downBar>
+    <cs:lnRef idx="0"/>
+    <cs:fillRef idx="0"/>
+    <cs:effectRef idx="0"/>
+    <cs:fontRef idx="minor">
+      <a:schemeClr val="dk1"/>
+    </cs:fontRef>
+    <cs:spPr>
+      <a:solidFill>
+        <a:schemeClr val="dk1">
+          <a:lumMod val="65000"/>
+          <a:lumOff val="35000"/>
+        </a:schemeClr>
+      </a:solidFill>
+      <a:ln w="9525">
+        <a:solidFill>
+          <a:schemeClr val="tx1">
+            <a:lumMod val="65000"/>
+            <a:lumOff val="35000"/>
+          </a:schemeClr>
+        </a:solidFill>
+      </a:ln>
+    </cs:spPr>
+  </cs:downBar>
+  <cs:dropLine>
+    <cs:lnRef idx="0"/>
+    <cs:fillRef idx="0"/>
+    <cs:effectRef idx="0"/>
+    <cs:fontRef idx="minor">
+      <a:schemeClr val="tx1"/>
+    </cs:fontRef>
+    <cs:spPr>
+      <a:ln w="9525" cap="flat" cmpd="sng" algn="ctr">
+        <a:solidFill>
+          <a:schemeClr val="tx1">
+            <a:lumMod val="35000"/>
+            <a:lumOff val="65000"/>
+          </a:schemeClr>
+        </a:solidFill>
+        <a:round/>
+      </a:ln>
+    </cs:spPr>
+  </cs:dropLine>
+  <cs:errorBar>
+    <cs:lnRef idx="0"/>
+    <cs:fillRef idx="0"/>
+    <cs:effectRef idx="0"/>
+    <cs:fontRef idx="minor">
+      <a:schemeClr val="tx1"/>
+    </cs:fontRef>
+    <cs:spPr>
+      <a:ln w="9525" cap="flat" cmpd="sng" algn="ctr">
+        <a:solidFill>
+          <a:schemeClr val="tx1">
+            <a:lumMod val="65000"/>
+            <a:lumOff val="35000"/>
+          </a:schemeClr>
+        </a:solidFill>
+        <a:round/>
+      </a:ln>
+    </cs:spPr>
+  </cs:errorBar>
+  <cs:floor>
+    <cs:lnRef idx="0"/>
+    <cs:fillRef idx="0"/>
+    <cs:effectRef idx="0"/>
+    <cs:fontRef idx="minor">
+      <a:schemeClr val="tx1"/>
+    </cs:fontRef>
+    <cs:spPr>
+      <a:noFill/>
+      <a:ln>
+        <a:noFill/>
+      </a:ln>
+    </cs:spPr>
+  </cs:floor>
+  <cs:gridlineMajor>
+    <cs:lnRef idx="0"/>
+    <cs:fillRef idx="0"/>
+    <cs:effectRef idx="0"/>
+    <cs:fontRef idx="minor">
+      <a:schemeClr val="tx1"/>
+    </cs:fontRef>
+    <cs:spPr>
+      <a:ln w="9525" cap="flat" cmpd="sng" algn="ctr">
+        <a:solidFill>
+          <a:schemeClr val="tx1">
+            <a:lumMod val="15000"/>
+            <a:lumOff val="85000"/>
+          </a:schemeClr>
+        </a:solidFill>
+        <a:round/>
+      </a:ln>
+    </cs:spPr>
+  </cs:gridlineMajor>
+  <cs:gridlineMinor>
+    <cs:lnRef idx="0"/>
+    <cs:fillRef idx="0"/>
+    <cs:effectRef idx="0"/>
+    <cs:fontRef idx="minor">
+      <a:schemeClr val="tx1"/>
+    </cs:fontRef>
+    <cs:spPr>
+      <a:ln w="9525" cap="flat" cmpd="sng" algn="ctr">
+        <a:solidFill>
+          <a:schemeClr val="tx1">
+            <a:lumMod val="5000"/>
+            <a:lumOff val="95000"/>
+          </a:schemeClr>
+        </a:solidFill>
+        <a:round/>
+      </a:ln>
+    </cs:spPr>
+  </cs:gridlineMinor>
+  <cs:hiLoLine>
+    <cs:lnRef idx="0"/>
+    <cs:fillRef idx="0"/>
+    <cs:effectRef idx="0"/>
+    <cs:fontRef idx="minor">
+      <a:schemeClr val="tx1"/>
+    </cs:fontRef>
+    <cs:spPr>
+      <a:ln w="9525" cap="flat" cmpd="sng" algn="ctr">
+        <a:solidFill>
+          <a:schemeClr val="tx1">
+            <a:lumMod val="75000"/>
+            <a:lumOff val="25000"/>
+          </a:schemeClr>
+        </a:solidFill>
+        <a:round/>
+      </a:ln>
+    </cs:spPr>
+  </cs:hiLoLine>
+  <cs:leaderLine>
+    <cs:lnRef idx="0"/>
+    <cs:fillRef idx="0"/>
+    <cs:effectRef idx="0"/>
+    <cs:fontRef idx="minor">
+      <a:schemeClr val="tx1"/>
+    </cs:fontRef>
+    <cs:spPr>
+      <a:ln w="9525" cap="flat" cmpd="sng" algn="ctr">
+        <a:solidFill>
+          <a:schemeClr val="tx1">
+            <a:lumMod val="35000"/>
+            <a:lumOff val="65000"/>
+          </a:schemeClr>
+        </a:solidFill>
+        <a:round/>
+      </a:ln>
+    </cs:spPr>
+  </cs:leaderLine>
+  <cs:legend>
+    <cs:lnRef idx="0"/>
+    <cs:fillRef idx="0"/>
+    <cs:effectRef idx="0"/>
+    <cs:fontRef idx="minor">
+      <a:schemeClr val="tx1">
+        <a:lumMod val="65000"/>
+        <a:lumOff val="35000"/>
+      </a:schemeClr>
+    </cs:fontRef>
+    <cs:defRPr sz="900" kern="1200"/>
+  </cs:legend>
+  <cs:plotArea mods="allowNoFillOverride allowNoLineOverride">
+    <cs:lnRef idx="0"/>
+    <cs:fillRef idx="0"/>
+    <cs:effectRef idx="0"/>
+    <cs:fontRef idx="minor">
+      <a:schemeClr val="tx1"/>
+    </cs:fontRef>
+  </cs:plotArea>
+  <cs:plotArea3D mods="allowNoFillOverride allowNoLineOverride">
+    <cs:lnRef idx="0"/>
+    <cs:fillRef idx="0"/>
+    <cs:effectRef idx="0"/>
+    <cs:fontRef idx="minor">
+      <a:schemeClr val="tx1"/>
+    </cs:fontRef>
+  </cs:plotArea3D>
+  <cs:seriesAxis>
+    <cs:lnRef idx="0"/>
+    <cs:fillRef idx="0"/>
+    <cs:effectRef idx="0"/>
+    <cs:fontRef idx="minor">
+      <a:schemeClr val="tx1">
+        <a:lumMod val="65000"/>
+        <a:lumOff val="35000"/>
+      </a:schemeClr>
+    </cs:fontRef>
+    <cs:defRPr sz="900" kern="1200"/>
+  </cs:seriesAxis>
+  <cs:seriesLine>
+    <cs:lnRef idx="0"/>
+    <cs:fillRef idx="0"/>
+    <cs:effectRef idx="0"/>
+    <cs:fontRef idx="minor">
+      <a:schemeClr val="tx1"/>
+    </cs:fontRef>
+    <cs:spPr>
+      <a:ln w="9525" cap="flat" cmpd="sng" algn="ctr">
+        <a:solidFill>
+          <a:schemeClr val="tx1">
+            <a:lumMod val="35000"/>
+            <a:lumOff val="65000"/>
+          </a:schemeClr>
+        </a:solidFill>
+        <a:round/>
+      </a:ln>
+    </cs:spPr>
+  </cs:seriesLine>
+  <cs:title>
+    <cs:lnRef idx="0"/>
+    <cs:fillRef idx="0"/>
+    <cs:effectRef idx="0"/>
+    <cs:fontRef idx="minor">
+      <a:schemeClr val="tx1">
+        <a:lumMod val="65000"/>
+        <a:lumOff val="35000"/>
+      </a:schemeClr>
+    </cs:fontRef>
+    <cs:defRPr sz="1400" b="0" kern="1200" spc="0" baseline="0"/>
+  </cs:title>
+  <cs:trendline>
+    <cs:lnRef idx="0">
+      <cs:styleClr val="auto"/>
+    </cs:lnRef>
+    <cs:fillRef idx="0"/>
+    <cs:effectRef idx="0"/>
+    <cs:fontRef idx="minor">
+      <a:schemeClr val="tx1"/>
+    </cs:fontRef>
+    <cs:spPr>
+      <a:ln w="19050" cap="rnd">
+        <a:solidFill>
+          <a:schemeClr val="phClr"/>
+        </a:solidFill>
+        <a:prstDash val="sysDot"/>
+      </a:ln>
+    </cs:spPr>
+  </cs:trendline>
+  <cs:trendlineLabel>
+    <cs:lnRef idx="0"/>
+    <cs:fillRef idx="0"/>
+    <cs:effectRef idx="0"/>
+    <cs:fontRef idx="minor">
+      <a:schemeClr val="tx1">
+        <a:lumMod val="65000"/>
+        <a:lumOff val="35000"/>
+      </a:schemeClr>
+    </cs:fontRef>
+    <cs:defRPr sz="900" kern="1200"/>
+  </cs:trendlineLabel>
+  <cs:upBar>
+    <cs:lnRef idx="0"/>
+    <cs:fillRef idx="0"/>
+    <cs:effectRef idx="0"/>
+    <cs:fontRef idx="minor">
+      <a:schemeClr val="dk1"/>
+    </cs:fontRef>
+    <cs:spPr>
+      <a:solidFill>
+        <a:schemeClr val="lt1"/>
+      </a:solidFill>
+      <a:ln w="9525">
+        <a:solidFill>
+          <a:schemeClr val="tx1">
+            <a:lumMod val="15000"/>
+            <a:lumOff val="85000"/>
+          </a:schemeClr>
+        </a:solidFill>
+      </a:ln>
+    </cs:spPr>
+  </cs:upBar>
+  <cs:valueAxis>
+    <cs:lnRef idx="0"/>
+    <cs:fillRef idx="0"/>
+    <cs:effectRef idx="0"/>
+    <cs:fontRef idx="minor">
+      <a:schemeClr val="tx1">
+        <a:lumMod val="65000"/>
+        <a:lumOff val="35000"/>
+      </a:schemeClr>
+    </cs:fontRef>
+    <cs:defRPr sz="900" kern="1200"/>
+  </cs:valueAxis>
+  <cs:wall>
+    <cs:lnRef idx="0"/>
+    <cs:fillRef idx="0"/>
+    <cs:effectRef idx="0"/>
+    <cs:fontRef idx="minor">
+      <a:schemeClr val="tx1"/>
+    </cs:fontRef>
+    <cs:spPr>
+      <a:noFill/>
+      <a:ln>
+        <a:noFill/>
+      </a:ln>
+    </cs:spPr>
+  </cs:wall>
+</cs:chartStyle>
 </file>
 
 <file path=ppt/slideLayouts/slideLayout1.xml><?xml version="1.0" encoding="utf-8"?>
@@ -6129,7 +8862,7 @@
 </file>
 
 <file path=ppt/slides/slide2.xml><?xml version="1.0" encoding="utf-8"?>
-<p:sld xmlns:a="http://schemas.openxmlformats.org/drawingml/2006/main" xmlns:r="http://schemas.openxmlformats.org/officeDocument/2006/relationships" xmlns:p="http://schemas.openxmlformats.org/presentationml/2006/main">
+<p:sld xmlns:a="http://schemas.openxmlformats.org/drawingml/2006/main" xmlns:r="http://schemas.openxmlformats.org/officeDocument/2006/relationships" xmlns:p="http://schemas.openxmlformats.org/presentationml/2006/main" showMasterSp="0">
   <p:cSld>
     <p:spTree>
       <p:nvGrpSpPr>
@@ -6236,7 +8969,7 @@
 </file>
 
 <file path=ppt/slides/slide3.xml><?xml version="1.0" encoding="utf-8"?>
-<p:sld xmlns:a="http://schemas.openxmlformats.org/drawingml/2006/main" xmlns:r="http://schemas.openxmlformats.org/officeDocument/2006/relationships" xmlns:p="http://schemas.openxmlformats.org/presentationml/2006/main">
+<p:sld xmlns:a="http://schemas.openxmlformats.org/drawingml/2006/main" xmlns:r="http://schemas.openxmlformats.org/officeDocument/2006/relationships" xmlns:p="http://schemas.openxmlformats.org/presentationml/2006/main" showMasterSp="0">
   <p:cSld>
     <p:spTree>
       <p:nvGrpSpPr>
@@ -6514,7 +9247,7 @@
 </file>
 
 <file path=ppt/slides/slide4.xml><?xml version="1.0" encoding="utf-8"?>
-<p:sld xmlns:a="http://schemas.openxmlformats.org/drawingml/2006/main" xmlns:r="http://schemas.openxmlformats.org/officeDocument/2006/relationships" xmlns:p="http://schemas.openxmlformats.org/presentationml/2006/main">
+<p:sld xmlns:a="http://schemas.openxmlformats.org/drawingml/2006/main" xmlns:r="http://schemas.openxmlformats.org/officeDocument/2006/relationships" xmlns:p="http://schemas.openxmlformats.org/presentationml/2006/main" showMasterSp="0">
   <p:cSld>
     <p:spTree>
       <p:nvGrpSpPr>
@@ -6662,7 +9395,7 @@
 </file>
 
 <file path=ppt/slides/slide5.xml><?xml version="1.0" encoding="utf-8"?>
-<p:sld xmlns:a="http://schemas.openxmlformats.org/drawingml/2006/main" xmlns:r="http://schemas.openxmlformats.org/officeDocument/2006/relationships" xmlns:p="http://schemas.openxmlformats.org/presentationml/2006/main">
+<p:sld xmlns:a="http://schemas.openxmlformats.org/drawingml/2006/main" xmlns:r="http://schemas.openxmlformats.org/officeDocument/2006/relationships" xmlns:p="http://schemas.openxmlformats.org/presentationml/2006/main" showMasterSp="0">
   <p:cSld>
     <p:spTree>
       <p:nvGrpSpPr>
@@ -6825,8 +9558,39 @@
             </a:pPr>
             <a:r>
               <a:rPr lang="de-DE" dirty="0"/>
-              <a:t>		Check für Alle Vertices</a:t>
-            </a:r>
+              <a:t>	}</a:t>
+            </a:r>
+          </a:p>
+          <a:p>
+            <a:pPr marL="0" indent="0">
+              <a:buNone/>
+            </a:pPr>
+            <a:r>
+              <a:rPr lang="de-DE" dirty="0"/>
+              <a:t>	Für alle </a:t>
+            </a:r>
+            <a:r>
+              <a:rPr lang="de-DE" dirty="0" err="1"/>
+              <a:t>Edges</a:t>
+            </a:r>
+            <a:r>
+              <a:rPr lang="de-DE" dirty="0"/>
+              <a:t> {</a:t>
+            </a:r>
+          </a:p>
+          <a:p>
+            <a:pPr marL="0" indent="0">
+              <a:buNone/>
+            </a:pPr>
+            <a:r>
+              <a:rPr lang="de-DE" dirty="0"/>
+              <a:t>		 </a:t>
+            </a:r>
+            <a:r>
+              <a:rPr lang="de-DE" dirty="0" err="1"/>
+              <a:t>ChecK</a:t>
+            </a:r>
+            <a:endParaRPr lang="de-DE" dirty="0"/>
           </a:p>
           <a:p>
             <a:pPr marL="0" indent="0">
@@ -6853,7 +9617,7 @@
 </file>
 
 <file path=ppt/slides/slide6.xml><?xml version="1.0" encoding="utf-8"?>
-<p:sld xmlns:a="http://schemas.openxmlformats.org/drawingml/2006/main" xmlns:r="http://schemas.openxmlformats.org/officeDocument/2006/relationships" xmlns:p="http://schemas.openxmlformats.org/presentationml/2006/main">
+<p:sld xmlns:a="http://schemas.openxmlformats.org/drawingml/2006/main" xmlns:r="http://schemas.openxmlformats.org/officeDocument/2006/relationships" xmlns:p="http://schemas.openxmlformats.org/presentationml/2006/main" showMasterSp="0">
   <p:cSld>
     <p:spTree>
       <p:nvGrpSpPr>
@@ -6892,7 +9656,7 @@
           <a:p>
             <a:r>
               <a:rPr lang="de-DE" dirty="0"/>
-              <a:t>Dijkstra</a:t>
+              <a:t>Ideen</a:t>
             </a:r>
           </a:p>
         </p:txBody>
@@ -6925,25 +9689,32 @@
           </a:bodyPr>
           <a:lstStyle/>
           <a:p>
-            <a:pPr marL="0" indent="0">
-              <a:buNone/>
+            <a:pPr marL="457200" indent="-457200">
+              <a:buAutoNum type="arabicParenR"/>
             </a:pPr>
             <a:r>
               <a:rPr lang="de-DE" dirty="0"/>
-              <a:t>Vorbereitung:</a:t>
-            </a:r>
-          </a:p>
-          <a:p>
-            <a:pPr marL="0" indent="0">
-              <a:buNone/>
-            </a:pPr>
+              <a:t>Statt </a:t>
+            </a:r>
+            <a:r>
+              <a:rPr lang="de-DE" dirty="0" err="1"/>
+              <a:t>Entf</a:t>
+            </a:r>
             <a:r>
               <a:rPr lang="de-DE" dirty="0"/>
-              <a:t>	OK = [</a:t>
+              <a:t> und </a:t>
             </a:r>
             <a:r>
               <a:rPr lang="de-DE" dirty="0" err="1"/>
-              <a:t>false</a:t>
+              <a:t>vorg</a:t>
+            </a:r>
+            <a:r>
+              <a:rPr lang="de-DE" dirty="0"/>
+              <a:t> -&gt; [{Vertex, </a:t>
+            </a:r>
+            <a:r>
+              <a:rPr lang="de-DE" dirty="0" err="1"/>
+              <a:t>Entf</a:t>
             </a:r>
             <a:r>
               <a:rPr lang="de-DE" dirty="0"/>
@@ -6951,53 +9722,42 @@
             </a:r>
             <a:r>
               <a:rPr lang="de-DE" dirty="0" err="1"/>
-              <a:t>false</a:t>
+              <a:t>Vorg</a:t>
             </a:r>
             <a:r>
               <a:rPr lang="de-DE" dirty="0"/>
-              <a:t>, …]</a:t>
-            </a:r>
-          </a:p>
-          <a:p>
-            <a:pPr marL="0" indent="0">
-              <a:buNone/>
+              <a:t>}, …]</a:t>
+            </a:r>
+          </a:p>
+          <a:p>
+            <a:pPr marL="457200" indent="-457200">
+              <a:buAutoNum type="arabicParenR"/>
             </a:pPr>
             <a:r>
               <a:rPr lang="de-DE" dirty="0"/>
-              <a:t>	</a:t>
+              <a:t>Vertices, </a:t>
             </a:r>
             <a:r>
               <a:rPr lang="de-DE" dirty="0" err="1"/>
-              <a:t>Vorg</a:t>
+              <a:t>Edges</a:t>
             </a:r>
             <a:r>
               <a:rPr lang="de-DE" dirty="0"/>
-              <a:t> = [Start, </a:t>
+              <a:t> </a:t>
             </a:r>
             <a:r>
               <a:rPr lang="de-DE" dirty="0" err="1"/>
-              <a:t>undef</a:t>
-            </a:r>
+              <a:t>delete</a:t>
+            </a:r>
+            <a:endParaRPr lang="de-DE" dirty="0"/>
+          </a:p>
+          <a:p>
+            <a:pPr marL="457200" indent="-457200">
+              <a:buAutoNum type="arabicParenR"/>
+            </a:pPr>
             <a:r>
               <a:rPr lang="de-DE" dirty="0"/>
-              <a:t>, </a:t>
-            </a:r>
-            <a:r>
-              <a:rPr lang="de-DE" dirty="0" err="1"/>
-              <a:t>undef</a:t>
-            </a:r>
-            <a:r>
-              <a:rPr lang="de-DE" dirty="0"/>
-              <a:t>, …]</a:t>
-            </a:r>
-          </a:p>
-          <a:p>
-            <a:pPr marL="0" indent="0">
-              <a:buNone/>
-            </a:pPr>
-            <a:r>
-              <a:rPr lang="de-DE" dirty="0"/>
-              <a:t>	</a:t>
+              <a:t>Falls V mit </a:t>
             </a:r>
             <a:r>
               <a:rPr lang="de-DE" dirty="0" err="1"/>
@@ -7005,114 +9765,7 @@
             </a:r>
             <a:r>
               <a:rPr lang="de-DE" dirty="0"/>
-              <a:t> = [0, infinite, infinite, …]</a:t>
-            </a:r>
-          </a:p>
-          <a:p>
-            <a:pPr marL="0" indent="0">
-              <a:buNone/>
-            </a:pPr>
-            <a:r>
-              <a:rPr lang="de-DE" dirty="0"/>
-              <a:t>Iteration:</a:t>
-            </a:r>
-          </a:p>
-          <a:p>
-            <a:pPr marL="0" indent="0">
-              <a:buNone/>
-            </a:pPr>
-            <a:r>
-              <a:rPr lang="de-DE" dirty="0"/>
-              <a:t>	H = Min</a:t>
-            </a:r>
-          </a:p>
-          <a:p>
-            <a:pPr marL="0" indent="0">
-              <a:buNone/>
-            </a:pPr>
-            <a:r>
-              <a:rPr lang="de-DE" dirty="0"/>
-              <a:t>	</a:t>
-            </a:r>
-            <a:r>
-              <a:rPr lang="de-DE" dirty="0" err="1"/>
-              <a:t>OK_h</a:t>
-            </a:r>
-            <a:r>
-              <a:rPr lang="de-DE" dirty="0"/>
-              <a:t> = </a:t>
-            </a:r>
-            <a:r>
-              <a:rPr lang="de-DE" dirty="0" err="1"/>
-              <a:t>true</a:t>
-            </a:r>
-            <a:endParaRPr lang="de-DE" dirty="0"/>
-          </a:p>
-          <a:p>
-            <a:pPr marL="0" indent="0">
-              <a:buNone/>
-            </a:pPr>
-            <a:r>
-              <a:rPr lang="de-DE" dirty="0"/>
-              <a:t>	</a:t>
-            </a:r>
-            <a:r>
-              <a:rPr lang="de-DE" dirty="0" err="1"/>
-              <a:t>graph:Edges</a:t>
-            </a:r>
-            <a:r>
-              <a:rPr lang="de-DE" dirty="0"/>
-              <a:t> {</a:t>
-            </a:r>
-          </a:p>
-          <a:p>
-            <a:pPr marL="0" indent="0">
-              <a:buNone/>
-            </a:pPr>
-            <a:r>
-              <a:rPr lang="de-DE" dirty="0"/>
-              <a:t>		</a:t>
-            </a:r>
-            <a:r>
-              <a:rPr lang="de-DE" dirty="0" err="1"/>
-              <a:t>if</a:t>
-            </a:r>
-            <a:r>
-              <a:rPr lang="de-DE" dirty="0"/>
-              <a:t> (</a:t>
-            </a:r>
-            <a:r>
-              <a:rPr lang="de-DE" dirty="0" err="1"/>
-              <a:t>Entf_j</a:t>
-            </a:r>
-            <a:r>
-              <a:rPr lang="de-DE" dirty="0"/>
-              <a:t> &gt; </a:t>
-            </a:r>
-            <a:r>
-              <a:rPr lang="de-DE" dirty="0" err="1"/>
-              <a:t>Entf_H</a:t>
-            </a:r>
-            <a:r>
-              <a:rPr lang="de-DE" dirty="0"/>
-              <a:t> + </a:t>
-            </a:r>
-            <a:r>
-              <a:rPr lang="de-DE" dirty="0" err="1"/>
-              <a:t>lhj</a:t>
-            </a:r>
-            <a:r>
-              <a:rPr lang="de-DE" dirty="0"/>
-              <a:t>) update(VJ)</a:t>
-            </a:r>
-          </a:p>
-          <a:p>
-            <a:pPr marL="0" indent="0">
-              <a:buNone/>
-            </a:pPr>
-            <a:r>
-              <a:rPr lang="de-DE" dirty="0"/>
-              <a:t>	}</a:t>
+              <a:t> = infinite -&gt; keine Aktualisierungen</a:t>
             </a:r>
           </a:p>
         </p:txBody>
@@ -7120,7 +9773,7 @@
     </p:spTree>
     <p:extLst>
       <p:ext uri="{BB962C8B-B14F-4D97-AF65-F5344CB8AC3E}">
-        <p14:creationId xmlns:p14="http://schemas.microsoft.com/office/powerpoint/2010/main" val="3389450137"/>
+        <p14:creationId xmlns:p14="http://schemas.microsoft.com/office/powerpoint/2010/main" val="2117553602"/>
       </p:ext>
     </p:extLst>
   </p:cSld>
@@ -7131,7 +9784,7 @@
 </file>
 
 <file path=ppt/slides/slide7.xml><?xml version="1.0" encoding="utf-8"?>
-<p:sld xmlns:a="http://schemas.openxmlformats.org/drawingml/2006/main" xmlns:r="http://schemas.openxmlformats.org/officeDocument/2006/relationships" xmlns:p="http://schemas.openxmlformats.org/presentationml/2006/main">
+<p:sld xmlns:a="http://schemas.openxmlformats.org/drawingml/2006/main" xmlns:r="http://schemas.openxmlformats.org/officeDocument/2006/relationships" xmlns:p="http://schemas.openxmlformats.org/presentationml/2006/main" showMasterSp="0">
   <p:cSld>
     <p:spTree>
       <p:nvGrpSpPr>
@@ -7149,10 +9802,10 @@
       </p:grpSpPr>
       <p:sp>
         <p:nvSpPr>
-          <p:cNvPr id="2" name="Titel 1">
+          <p:cNvPr id="7" name="Titel 6">
             <a:extLst>
               <a:ext uri="{FF2B5EF4-FFF2-40B4-BE49-F238E27FC236}">
-                <a16:creationId xmlns:a16="http://schemas.microsoft.com/office/drawing/2014/main" id="{BEE24269-2AF5-4FF4-82E4-039F7989B722}"/>
+                <a16:creationId xmlns:a16="http://schemas.microsoft.com/office/drawing/2014/main" id="{2E9369DC-5582-40EB-9408-9FBD80E5440F}"/>
               </a:ext>
             </a:extLst>
           </p:cNvPr>
@@ -7163,131 +9816,178 @@
             <p:ph type="title"/>
           </p:nvPr>
         </p:nvSpPr>
-        <p:spPr/>
+        <p:spPr>
+          <a:xfrm>
+            <a:off x="913775" y="618517"/>
+            <a:ext cx="10364451" cy="1596177"/>
+          </a:xfrm>
+        </p:spPr>
         <p:txBody>
           <a:bodyPr/>
           <a:lstStyle/>
           <a:p>
             <a:r>
               <a:rPr lang="de-DE" dirty="0"/>
-              <a:t>Ideen</a:t>
-            </a:r>
-          </a:p>
-        </p:txBody>
-      </p:sp>
-      <p:sp>
-        <p:nvSpPr>
-          <p:cNvPr id="3" name="Inhaltsplatzhalter 2">
+              <a:t>Ergebnisse</a:t>
+            </a:r>
+          </a:p>
+        </p:txBody>
+      </p:sp>
+      <p:graphicFrame>
+        <p:nvGraphicFramePr>
+          <p:cNvPr id="8" name="Diagramm 7">
             <a:extLst>
               <a:ext uri="{FF2B5EF4-FFF2-40B4-BE49-F238E27FC236}">
-                <a16:creationId xmlns:a16="http://schemas.microsoft.com/office/drawing/2014/main" id="{88332654-BAE8-44AD-8601-188C067689FB}"/>
+                <a16:creationId xmlns:a16="http://schemas.microsoft.com/office/drawing/2014/main" id="{C3D48A87-044E-4286-929D-C1D81851146A}"/>
               </a:ext>
             </a:extLst>
           </p:cNvPr>
-          <p:cNvSpPr>
-            <a:spLocks noGrp="1"/>
-          </p:cNvSpPr>
-          <p:nvPr>
-            <p:ph sz="quarter" idx="13"/>
-          </p:nvPr>
-        </p:nvSpPr>
-        <p:spPr>
-          <a:xfrm>
-            <a:off x="913774" y="1779104"/>
-            <a:ext cx="10363826" cy="5078896"/>
-          </a:xfrm>
-        </p:spPr>
-        <p:txBody>
-          <a:bodyPr>
-            <a:normAutofit/>
-          </a:bodyPr>
-          <a:lstStyle/>
-          <a:p>
-            <a:pPr marL="457200" indent="-457200">
-              <a:buAutoNum type="arabicParenR"/>
-            </a:pPr>
-            <a:r>
-              <a:rPr lang="de-DE" dirty="0"/>
-              <a:t>Statt </a:t>
-            </a:r>
-            <a:r>
-              <a:rPr lang="de-DE" dirty="0" err="1"/>
-              <a:t>Entf</a:t>
-            </a:r>
-            <a:r>
-              <a:rPr lang="de-DE" dirty="0"/>
-              <a:t> und </a:t>
-            </a:r>
-            <a:r>
-              <a:rPr lang="de-DE" dirty="0" err="1"/>
-              <a:t>vorg</a:t>
-            </a:r>
-            <a:r>
-              <a:rPr lang="de-DE" dirty="0"/>
-              <a:t> -&gt; [{Vertex, </a:t>
-            </a:r>
-            <a:r>
-              <a:rPr lang="de-DE" dirty="0" err="1"/>
-              <a:t>Entf</a:t>
-            </a:r>
-            <a:r>
-              <a:rPr lang="de-DE" dirty="0"/>
-              <a:t>, </a:t>
-            </a:r>
-            <a:r>
-              <a:rPr lang="de-DE" dirty="0" err="1"/>
-              <a:t>Vorg</a:t>
-            </a:r>
-            <a:r>
-              <a:rPr lang="de-DE" dirty="0"/>
-              <a:t>}, …]</a:t>
-            </a:r>
-          </a:p>
-          <a:p>
-            <a:pPr marL="457200" indent="-457200">
-              <a:buAutoNum type="arabicParenR"/>
-            </a:pPr>
-            <a:r>
-              <a:rPr lang="de-DE" dirty="0"/>
-              <a:t>Vertices, </a:t>
-            </a:r>
-            <a:r>
-              <a:rPr lang="de-DE" dirty="0" err="1"/>
-              <a:t>Edges</a:t>
-            </a:r>
-            <a:r>
-              <a:rPr lang="de-DE" dirty="0"/>
-              <a:t> </a:t>
-            </a:r>
-            <a:r>
-              <a:rPr lang="de-DE" dirty="0" err="1"/>
-              <a:t>delete</a:t>
-            </a:r>
-            <a:endParaRPr lang="de-DE" dirty="0"/>
-          </a:p>
-          <a:p>
-            <a:pPr marL="457200" indent="-457200">
-              <a:buAutoNum type="arabicParenR"/>
-            </a:pPr>
-            <a:r>
-              <a:rPr lang="de-DE" dirty="0"/>
-              <a:t>Falls V mit </a:t>
-            </a:r>
-            <a:r>
-              <a:rPr lang="de-DE" dirty="0" err="1"/>
-              <a:t>Entf</a:t>
-            </a:r>
-            <a:r>
-              <a:rPr lang="de-DE" dirty="0"/>
-              <a:t> = infinite -&gt; keine Aktualisierungen</a:t>
-            </a:r>
-          </a:p>
-        </p:txBody>
-      </p:sp>
+          <p:cNvGraphicFramePr/>
+          <p:nvPr>
+            <p:extLst>
+              <p:ext uri="{D42A27DB-BD31-4B8C-83A1-F6EECF244321}">
+                <p14:modId xmlns:p14="http://schemas.microsoft.com/office/powerpoint/2010/main" val="2498778918"/>
+              </p:ext>
+            </p:extLst>
+          </p:nvPr>
+        </p:nvGraphicFramePr>
+        <p:xfrm>
+          <a:off x="1384539" y="2212403"/>
+          <a:ext cx="9422922" cy="4414706"/>
+        </p:xfrm>
+        <a:graphic>
+          <a:graphicData uri="http://schemas.openxmlformats.org/drawingml/2006/chart">
+            <c:chart xmlns:c="http://schemas.openxmlformats.org/drawingml/2006/chart" xmlns:r="http://schemas.openxmlformats.org/officeDocument/2006/relationships" r:id="rId2"/>
+          </a:graphicData>
+        </a:graphic>
+      </p:graphicFrame>
     </p:spTree>
     <p:extLst>
       <p:ext uri="{BB962C8B-B14F-4D97-AF65-F5344CB8AC3E}">
-        <p14:creationId xmlns:p14="http://schemas.microsoft.com/office/powerpoint/2010/main" val="2117553602"/>
+        <p14:creationId xmlns:p14="http://schemas.microsoft.com/office/powerpoint/2010/main" val="3650486587"/>
+      </p:ext>
+    </p:extLst>
+  </p:cSld>
+  <p:clrMapOvr>
+    <a:masterClrMapping/>
+  </p:clrMapOvr>
+</p:sld>
+</file>
+
+<file path=ppt/slides/slide8.xml><?xml version="1.0" encoding="utf-8"?>
+<p:sld xmlns:a="http://schemas.openxmlformats.org/drawingml/2006/main" xmlns:r="http://schemas.openxmlformats.org/officeDocument/2006/relationships" xmlns:p="http://schemas.openxmlformats.org/presentationml/2006/main" showMasterSp="0">
+  <p:cSld>
+    <p:spTree>
+      <p:nvGrpSpPr>
+        <p:cNvPr id="1" name=""/>
+        <p:cNvGrpSpPr/>
+        <p:nvPr/>
+      </p:nvGrpSpPr>
+      <p:grpSpPr>
+        <a:xfrm>
+          <a:off x="0" y="0"/>
+          <a:ext cx="0" cy="0"/>
+          <a:chOff x="0" y="0"/>
+          <a:chExt cx="0" cy="0"/>
+        </a:xfrm>
+      </p:grpSpPr>
+      <p:sp>
+        <p:nvSpPr>
+          <p:cNvPr id="7" name="Titel 6">
+            <a:extLst>
+              <a:ext uri="{FF2B5EF4-FFF2-40B4-BE49-F238E27FC236}">
+                <a16:creationId xmlns:a16="http://schemas.microsoft.com/office/drawing/2014/main" id="{2E9369DC-5582-40EB-9408-9FBD80E5440F}"/>
+              </a:ext>
+            </a:extLst>
+          </p:cNvPr>
+          <p:cNvSpPr>
+            <a:spLocks noGrp="1"/>
+          </p:cNvSpPr>
+          <p:nvPr>
+            <p:ph type="title"/>
+          </p:nvPr>
+        </p:nvSpPr>
+        <p:spPr>
+          <a:xfrm>
+            <a:off x="913774" y="551234"/>
+            <a:ext cx="10364451" cy="1596177"/>
+          </a:xfrm>
+        </p:spPr>
+        <p:txBody>
+          <a:bodyPr/>
+          <a:lstStyle/>
+          <a:p>
+            <a:r>
+              <a:rPr lang="de-DE" dirty="0"/>
+              <a:t>Ergebnisse</a:t>
+            </a:r>
+          </a:p>
+        </p:txBody>
+      </p:sp>
+      <p:graphicFrame>
+        <p:nvGraphicFramePr>
+          <p:cNvPr id="4" name="Diagramm 3">
+            <a:extLst>
+              <a:ext uri="{FF2B5EF4-FFF2-40B4-BE49-F238E27FC236}">
+                <a16:creationId xmlns:a16="http://schemas.microsoft.com/office/drawing/2014/main" id="{AE97CA18-5C02-44FE-9B75-88FB8AC0DF2D}"/>
+              </a:ext>
+            </a:extLst>
+          </p:cNvPr>
+          <p:cNvGraphicFramePr>
+            <a:graphicFrameLocks/>
+          </p:cNvGraphicFramePr>
+          <p:nvPr>
+            <p:extLst>
+              <p:ext uri="{D42A27DB-BD31-4B8C-83A1-F6EECF244321}">
+                <p14:modId xmlns:p14="http://schemas.microsoft.com/office/powerpoint/2010/main" val="3091944111"/>
+              </p:ext>
+            </p:extLst>
+          </p:nvPr>
+        </p:nvGraphicFramePr>
+        <p:xfrm>
+          <a:off x="1534455" y="2147411"/>
+          <a:ext cx="9123087" cy="4645597"/>
+        </p:xfrm>
+        <a:graphic>
+          <a:graphicData uri="http://schemas.openxmlformats.org/drawingml/2006/chart">
+            <c:chart xmlns:c="http://schemas.openxmlformats.org/drawingml/2006/chart" xmlns:r="http://schemas.openxmlformats.org/officeDocument/2006/relationships" r:id="rId2"/>
+          </a:graphicData>
+        </a:graphic>
+      </p:graphicFrame>
+    </p:spTree>
+    <p:extLst>
+      <p:ext uri="{BB962C8B-B14F-4D97-AF65-F5344CB8AC3E}">
+        <p14:creationId xmlns:p14="http://schemas.microsoft.com/office/powerpoint/2010/main" val="4004050590"/>
+      </p:ext>
+    </p:extLst>
+  </p:cSld>
+  <p:clrMapOvr>
+    <a:masterClrMapping/>
+  </p:clrMapOvr>
+</p:sld>
+</file>
+
+<file path=ppt/slides/slide9.xml><?xml version="1.0" encoding="utf-8"?>
+<p:sld xmlns:a="http://schemas.openxmlformats.org/drawingml/2006/main" xmlns:r="http://schemas.openxmlformats.org/officeDocument/2006/relationships" xmlns:p="http://schemas.openxmlformats.org/presentationml/2006/main" showMasterSp="0">
+  <p:cSld>
+    <p:spTree>
+      <p:nvGrpSpPr>
+        <p:cNvPr id="1" name=""/>
+        <p:cNvGrpSpPr/>
+        <p:nvPr/>
+      </p:nvGrpSpPr>
+      <p:grpSpPr>
+        <a:xfrm>
+          <a:off x="0" y="0"/>
+          <a:ext cx="0" cy="0"/>
+          <a:chOff x="0" y="0"/>
+          <a:chExt cx="0" cy="0"/>
+        </a:xfrm>
+      </p:grpSpPr>
+    </p:spTree>
+    <p:extLst>
+      <p:ext uri="{BB962C8B-B14F-4D97-AF65-F5344CB8AC3E}">
+        <p14:creationId xmlns:p14="http://schemas.microsoft.com/office/powerpoint/2010/main" val="1862154658"/>
       </p:ext>
     </p:extLst>
   </p:cSld>

--- a/GKA Aufgabe 2.pptx
+++ b/GKA Aufgabe 2.pptx
@@ -9,11 +9,13 @@
     <p:sldId id="257" r:id="rId3"/>
     <p:sldId id="258" r:id="rId4"/>
     <p:sldId id="259" r:id="rId5"/>
-    <p:sldId id="261" r:id="rId6"/>
-    <p:sldId id="262" r:id="rId7"/>
-    <p:sldId id="263" r:id="rId8"/>
-    <p:sldId id="266" r:id="rId9"/>
-    <p:sldId id="265" r:id="rId10"/>
+    <p:sldId id="267" r:id="rId6"/>
+    <p:sldId id="268" r:id="rId7"/>
+    <p:sldId id="261" r:id="rId8"/>
+    <p:sldId id="262" r:id="rId9"/>
+    <p:sldId id="263" r:id="rId10"/>
+    <p:sldId id="266" r:id="rId11"/>
+    <p:sldId id="265" r:id="rId12"/>
   </p:sldIdLst>
   <p:sldSz cx="12192000" cy="6858000"/>
   <p:notesSz cx="6858000" cy="9144000"/>
@@ -140,7 +142,17 @@
   <c:chart>
     <c:autoTitleDeleted val="1"/>
     <c:plotArea>
-      <c:layout/>
+      <c:layout>
+        <c:manualLayout>
+          <c:layoutTarget val="inner"/>
+          <c:xMode val="edge"/>
+          <c:yMode val="edge"/>
+          <c:x val="6.4068851764826421E-2"/>
+          <c:y val="1.7945831401893913E-2"/>
+          <c:w val="0.91951694540262496"/>
+          <c:h val="0.83479341086354708"/>
+        </c:manualLayout>
+      </c:layout>
       <c:lineChart>
         <c:grouping val="standard"/>
         <c:varyColors val="0"/>
@@ -159,7 +171,7 @@
             </c:strRef>
           </c:tx>
           <c:spPr>
-            <a:ln w="28575" cap="rnd">
+            <a:ln w="19050" cap="rnd">
               <a:solidFill>
                 <a:schemeClr val="accent1"/>
               </a:solidFill>
@@ -170,12 +182,462 @@
           <c:marker>
             <c:symbol val="none"/>
           </c:marker>
+          <c:trendline>
+            <c:spPr>
+              <a:ln w="19050" cap="rnd">
+                <a:solidFill>
+                  <a:schemeClr val="accent1"/>
+                </a:solidFill>
+                <a:prstDash val="sysDot"/>
+              </a:ln>
+              <a:effectLst/>
+            </c:spPr>
+            <c:trendlineType val="power"/>
+            <c:dispRSqr val="1"/>
+            <c:dispEq val="1"/>
+            <c:trendlineLbl>
+              <c:layout>
+                <c:manualLayout>
+                  <c:x val="-0.1171100612423447"/>
+                  <c:y val="0"/>
+                </c:manualLayout>
+              </c:layout>
+              <c:numFmt formatCode="General" sourceLinked="0"/>
+              <c:spPr>
+                <a:noFill/>
+                <a:ln>
+                  <a:noFill/>
+                </a:ln>
+                <a:effectLst/>
+              </c:spPr>
+              <c:txPr>
+                <a:bodyPr rot="0" spcFirstLastPara="1" vertOverflow="ellipsis" vert="horz" wrap="square" anchor="ctr" anchorCtr="1"/>
+                <a:lstStyle/>
+                <a:p>
+                  <a:pPr>
+                    <a:defRPr sz="1600" b="0" i="0" u="none" strike="noStrike" kern="1200" baseline="0">
+                      <a:solidFill>
+                        <a:schemeClr val="tx1">
+                          <a:lumMod val="65000"/>
+                          <a:lumOff val="35000"/>
+                        </a:schemeClr>
+                      </a:solidFill>
+                      <a:latin typeface="+mn-lt"/>
+                      <a:ea typeface="+mn-ea"/>
+                      <a:cs typeface="+mn-cs"/>
+                    </a:defRPr>
+                  </a:pPr>
+                  <a:endParaRPr lang="de-DE"/>
+                </a:p>
+              </c:txPr>
+            </c:trendlineLbl>
+          </c:trendline>
           <c:cat>
             <c:numRef>
-              <c:f>'viele_ecken-HAW_ud'!$A$4:$A$52</c:f>
+              <c:f>'viele_ecken-HAW_ud'!$A$4:$A$13</c:f>
               <c:numCache>
                 <c:formatCode>General</c:formatCode>
-                <c:ptCount val="49"/>
+                <c:ptCount val="10"/>
+                <c:pt idx="0">
+                  <c:v>1000</c:v>
+                </c:pt>
+                <c:pt idx="1">
+                  <c:v>2000</c:v>
+                </c:pt>
+                <c:pt idx="2">
+                  <c:v>3000</c:v>
+                </c:pt>
+                <c:pt idx="3">
+                  <c:v>4000</c:v>
+                </c:pt>
+                <c:pt idx="4">
+                  <c:v>5000</c:v>
+                </c:pt>
+                <c:pt idx="5">
+                  <c:v>6000</c:v>
+                </c:pt>
+                <c:pt idx="6">
+                  <c:v>7000</c:v>
+                </c:pt>
+                <c:pt idx="7">
+                  <c:v>8000</c:v>
+                </c:pt>
+                <c:pt idx="8">
+                  <c:v>9000</c:v>
+                </c:pt>
+                <c:pt idx="9">
+                  <c:v>10000</c:v>
+                </c:pt>
+              </c:numCache>
+            </c:numRef>
+          </c:cat>
+          <c:val>
+            <c:numRef>
+              <c:f>'viele_ecken-HAW_ud'!$B$4:$B$13</c:f>
+              <c:numCache>
+                <c:formatCode>General</c:formatCode>
+                <c:ptCount val="10"/>
+                <c:pt idx="0">
+                  <c:v>78</c:v>
+                </c:pt>
+                <c:pt idx="1">
+                  <c:v>312</c:v>
+                </c:pt>
+                <c:pt idx="2">
+                  <c:v>765</c:v>
+                </c:pt>
+                <c:pt idx="3">
+                  <c:v>1313</c:v>
+                </c:pt>
+                <c:pt idx="4">
+                  <c:v>2046</c:v>
+                </c:pt>
+                <c:pt idx="5">
+                  <c:v>2888</c:v>
+                </c:pt>
+                <c:pt idx="6">
+                  <c:v>3982</c:v>
+                </c:pt>
+                <c:pt idx="7">
+                  <c:v>5656</c:v>
+                </c:pt>
+                <c:pt idx="8">
+                  <c:v>6953</c:v>
+                </c:pt>
+                <c:pt idx="9">
+                  <c:v>8562</c:v>
+                </c:pt>
+              </c:numCache>
+            </c:numRef>
+          </c:val>
+          <c:smooth val="0"/>
+          <c:extLst>
+            <c:ext xmlns:c16="http://schemas.microsoft.com/office/drawing/2014/chart" uri="{C3380CC4-5D6E-409C-BE32-E72D297353CC}">
+              <c16:uniqueId val="{00000001-22FF-4C30-861F-6A0BE1FB2A87}"/>
+            </c:ext>
+          </c:extLst>
+        </c:ser>
+        <c:dLbls>
+          <c:showLegendKey val="0"/>
+          <c:showVal val="0"/>
+          <c:showCatName val="0"/>
+          <c:showSerName val="0"/>
+          <c:showPercent val="0"/>
+          <c:showBubbleSize val="0"/>
+        </c:dLbls>
+        <c:smooth val="0"/>
+        <c:axId val="453626024"/>
+        <c:axId val="453626352"/>
+      </c:lineChart>
+      <c:catAx>
+        <c:axId val="453626024"/>
+        <c:scaling>
+          <c:orientation val="minMax"/>
+        </c:scaling>
+        <c:delete val="0"/>
+        <c:axPos val="b"/>
+        <c:majorGridlines>
+          <c:spPr>
+            <a:ln w="9525" cap="flat" cmpd="sng" algn="ctr">
+              <a:solidFill>
+                <a:schemeClr val="tx1">
+                  <a:lumMod val="15000"/>
+                  <a:lumOff val="85000"/>
+                </a:schemeClr>
+              </a:solidFill>
+              <a:round/>
+            </a:ln>
+            <a:effectLst/>
+          </c:spPr>
+        </c:majorGridlines>
+        <c:numFmt formatCode="General" sourceLinked="1"/>
+        <c:majorTickMark val="none"/>
+        <c:minorTickMark val="none"/>
+        <c:tickLblPos val="nextTo"/>
+        <c:spPr>
+          <a:noFill/>
+          <a:ln w="9525" cap="flat" cmpd="sng" algn="ctr">
+            <a:solidFill>
+              <a:schemeClr val="tx1">
+                <a:lumMod val="25000"/>
+                <a:lumOff val="75000"/>
+              </a:schemeClr>
+            </a:solidFill>
+            <a:round/>
+          </a:ln>
+          <a:effectLst/>
+        </c:spPr>
+        <c:txPr>
+          <a:bodyPr rot="-60000000" spcFirstLastPara="1" vertOverflow="ellipsis" vert="horz" wrap="square" anchor="ctr" anchorCtr="1"/>
+          <a:lstStyle/>
+          <a:p>
+            <a:pPr>
+              <a:defRPr sz="1200" b="0" i="0" u="none" strike="noStrike" kern="1200" baseline="0">
+                <a:solidFill>
+                  <a:schemeClr val="tx1">
+                    <a:lumMod val="65000"/>
+                    <a:lumOff val="35000"/>
+                  </a:schemeClr>
+                </a:solidFill>
+                <a:latin typeface="+mn-lt"/>
+                <a:ea typeface="+mn-ea"/>
+                <a:cs typeface="+mn-cs"/>
+              </a:defRPr>
+            </a:pPr>
+            <a:endParaRPr lang="de-DE"/>
+          </a:p>
+        </c:txPr>
+        <c:crossAx val="453626352"/>
+        <c:crosses val="autoZero"/>
+        <c:auto val="1"/>
+        <c:lblAlgn val="ctr"/>
+        <c:lblOffset val="100"/>
+        <c:noMultiLvlLbl val="0"/>
+      </c:catAx>
+      <c:valAx>
+        <c:axId val="453626352"/>
+        <c:scaling>
+          <c:orientation val="minMax"/>
+        </c:scaling>
+        <c:delete val="0"/>
+        <c:axPos val="l"/>
+        <c:majorGridlines>
+          <c:spPr>
+            <a:ln w="9525" cap="flat" cmpd="sng" algn="ctr">
+              <a:solidFill>
+                <a:schemeClr val="tx1">
+                  <a:lumMod val="15000"/>
+                  <a:lumOff val="85000"/>
+                </a:schemeClr>
+              </a:solidFill>
+              <a:round/>
+            </a:ln>
+            <a:effectLst/>
+          </c:spPr>
+        </c:majorGridlines>
+        <c:numFmt formatCode="General" sourceLinked="1"/>
+        <c:majorTickMark val="none"/>
+        <c:minorTickMark val="none"/>
+        <c:tickLblPos val="nextTo"/>
+        <c:spPr>
+          <a:noFill/>
+          <a:ln w="9525" cap="flat" cmpd="sng" algn="ctr">
+            <a:solidFill>
+              <a:schemeClr val="tx1">
+                <a:lumMod val="25000"/>
+                <a:lumOff val="75000"/>
+              </a:schemeClr>
+            </a:solidFill>
+            <a:round/>
+          </a:ln>
+          <a:effectLst/>
+        </c:spPr>
+        <c:txPr>
+          <a:bodyPr rot="-60000000" spcFirstLastPara="1" vertOverflow="ellipsis" vert="horz" wrap="square" anchor="ctr" anchorCtr="1"/>
+          <a:lstStyle/>
+          <a:p>
+            <a:pPr>
+              <a:defRPr sz="1200" b="0" i="0" u="none" strike="noStrike" kern="1200" baseline="0">
+                <a:solidFill>
+                  <a:schemeClr val="tx1">
+                    <a:lumMod val="65000"/>
+                    <a:lumOff val="35000"/>
+                  </a:schemeClr>
+                </a:solidFill>
+                <a:latin typeface="+mn-lt"/>
+                <a:ea typeface="+mn-ea"/>
+                <a:cs typeface="+mn-cs"/>
+              </a:defRPr>
+            </a:pPr>
+            <a:endParaRPr lang="de-DE"/>
+          </a:p>
+        </c:txPr>
+        <c:crossAx val="453626024"/>
+        <c:crosses val="autoZero"/>
+        <c:crossBetween val="between"/>
+      </c:valAx>
+      <c:spPr>
+        <a:noFill/>
+        <a:ln>
+          <a:noFill/>
+        </a:ln>
+        <a:effectLst/>
+      </c:spPr>
+    </c:plotArea>
+    <c:legend>
+      <c:legendPos val="b"/>
+      <c:layout>
+        <c:manualLayout>
+          <c:xMode val="edge"/>
+          <c:yMode val="edge"/>
+          <c:x val="0.31935104111986001"/>
+          <c:y val="0.2139013268502728"/>
+          <c:w val="0.31940339457567807"/>
+          <c:h val="5.1843680830218813E-2"/>
+        </c:manualLayout>
+      </c:layout>
+      <c:overlay val="0"/>
+      <c:spPr>
+        <a:noFill/>
+        <a:ln>
+          <a:noFill/>
+        </a:ln>
+        <a:effectLst/>
+      </c:spPr>
+      <c:txPr>
+        <a:bodyPr rot="0" spcFirstLastPara="1" vertOverflow="ellipsis" vert="horz" wrap="square" anchor="ctr" anchorCtr="1"/>
+        <a:lstStyle/>
+        <a:p>
+          <a:pPr>
+            <a:defRPr sz="1800" b="0" i="0" u="none" strike="noStrike" kern="1200" baseline="0">
+              <a:solidFill>
+                <a:schemeClr val="tx1">
+                  <a:lumMod val="65000"/>
+                  <a:lumOff val="35000"/>
+                </a:schemeClr>
+              </a:solidFill>
+              <a:latin typeface="+mn-lt"/>
+              <a:ea typeface="+mn-ea"/>
+              <a:cs typeface="+mn-cs"/>
+            </a:defRPr>
+          </a:pPr>
+          <a:endParaRPr lang="de-DE"/>
+        </a:p>
+      </c:txPr>
+    </c:legend>
+    <c:plotVisOnly val="1"/>
+    <c:dispBlanksAs val="gap"/>
+    <c:showDLblsOverMax val="0"/>
+  </c:chart>
+  <c:spPr>
+    <a:noFill/>
+    <a:ln>
+      <a:noFill/>
+    </a:ln>
+    <a:effectLst/>
+  </c:spPr>
+  <c:txPr>
+    <a:bodyPr/>
+    <a:lstStyle/>
+    <a:p>
+      <a:pPr>
+        <a:defRPr/>
+      </a:pPr>
+      <a:endParaRPr lang="de-DE"/>
+    </a:p>
+  </c:txPr>
+  <c:externalData r:id="rId3">
+    <c:autoUpdate val="0"/>
+  </c:externalData>
+</c:chartSpace>
+</file>
+
+<file path=ppt/charts/chart2.xml><?xml version="1.0" encoding="utf-8"?>
+<c:chartSpace xmlns:c="http://schemas.openxmlformats.org/drawingml/2006/chart" xmlns:a="http://schemas.openxmlformats.org/drawingml/2006/main" xmlns:r="http://schemas.openxmlformats.org/officeDocument/2006/relationships" xmlns:c16r2="http://schemas.microsoft.com/office/drawing/2015/06/chart">
+  <c:date1904 val="0"/>
+  <c:lang val="de-DE"/>
+  <c:roundedCorners val="0"/>
+  <mc:AlternateContent xmlns:mc="http://schemas.openxmlformats.org/markup-compatibility/2006">
+    <mc:Choice xmlns:c14="http://schemas.microsoft.com/office/drawing/2007/8/2/chart" Requires="c14">
+      <c14:style val="102"/>
+    </mc:Choice>
+    <mc:Fallback>
+      <c:style val="2"/>
+    </mc:Fallback>
+  </mc:AlternateContent>
+  <c:chart>
+    <c:autoTitleDeleted val="1"/>
+    <c:plotArea>
+      <c:layout>
+        <c:manualLayout>
+          <c:layoutTarget val="inner"/>
+          <c:xMode val="edge"/>
+          <c:yMode val="edge"/>
+          <c:x val="7.6836117828227635E-2"/>
+          <c:y val="7.4746498281051246E-2"/>
+          <c:w val="0.92316388217177237"/>
+          <c:h val="0.87354121099626925"/>
+        </c:manualLayout>
+      </c:layout>
+      <c:lineChart>
+        <c:grouping val="standard"/>
+        <c:varyColors val="0"/>
+        <c:ser>
+          <c:idx val="0"/>
+          <c:order val="0"/>
+          <c:tx>
+            <c:strRef>
+              <c:f>'viele_ecken-HAW_ud'!$D$3</c:f>
+              <c:strCache>
+                <c:ptCount val="1"/>
+                <c:pt idx="0">
+                  <c:v>bellmannford</c:v>
+                </c:pt>
+              </c:strCache>
+            </c:strRef>
+          </c:tx>
+          <c:spPr>
+            <a:ln w="19050" cap="rnd">
+              <a:solidFill>
+                <a:schemeClr val="accent1"/>
+              </a:solidFill>
+              <a:round/>
+            </a:ln>
+            <a:effectLst/>
+          </c:spPr>
+          <c:marker>
+            <c:symbol val="none"/>
+          </c:marker>
+          <c:trendline>
+            <c:spPr>
+              <a:ln w="19050" cap="rnd">
+                <a:solidFill>
+                  <a:schemeClr val="accent1"/>
+                </a:solidFill>
+                <a:prstDash val="sysDot"/>
+              </a:ln>
+              <a:effectLst/>
+            </c:spPr>
+            <c:trendlineType val="power"/>
+            <c:dispRSqr val="1"/>
+            <c:dispEq val="1"/>
+            <c:trendlineLbl>
+              <c:numFmt formatCode="General" sourceLinked="0"/>
+              <c:spPr>
+                <a:noFill/>
+                <a:ln>
+                  <a:noFill/>
+                </a:ln>
+                <a:effectLst/>
+              </c:spPr>
+              <c:txPr>
+                <a:bodyPr rot="0" spcFirstLastPara="1" vertOverflow="ellipsis" vert="horz" wrap="square" anchor="ctr" anchorCtr="1"/>
+                <a:lstStyle/>
+                <a:p>
+                  <a:pPr>
+                    <a:defRPr sz="1600" b="0" i="0" u="none" strike="noStrike" kern="1200" baseline="0">
+                      <a:solidFill>
+                        <a:schemeClr val="tx1">
+                          <a:lumMod val="65000"/>
+                          <a:lumOff val="35000"/>
+                        </a:schemeClr>
+                      </a:solidFill>
+                      <a:latin typeface="+mn-lt"/>
+                      <a:ea typeface="+mn-ea"/>
+                      <a:cs typeface="+mn-cs"/>
+                    </a:defRPr>
+                  </a:pPr>
+                  <a:endParaRPr lang="de-DE"/>
+                </a:p>
+              </c:txPr>
+            </c:trendlineLbl>
+          </c:trendline>
+          <c:cat>
+            <c:numRef>
+              <c:f>'viele_ecken-HAW_ud'!$C$4:$C$21</c:f>
+              <c:numCache>
+                <c:formatCode>General</c:formatCode>
+                <c:ptCount val="18"/>
                 <c:pt idx="0">
                   <c:v>25</c:v>
                 </c:pt>
@@ -230,455 +692,17 @@
                 <c:pt idx="17">
                   <c:v>450</c:v>
                 </c:pt>
-                <c:pt idx="18">
-                  <c:v>475</c:v>
-                </c:pt>
-                <c:pt idx="19">
-                  <c:v>500</c:v>
-                </c:pt>
-                <c:pt idx="20">
-                  <c:v>525</c:v>
-                </c:pt>
-                <c:pt idx="21">
-                  <c:v>550</c:v>
-                </c:pt>
-                <c:pt idx="22">
-                  <c:v>575</c:v>
-                </c:pt>
-                <c:pt idx="23">
-                  <c:v>600</c:v>
-                </c:pt>
-                <c:pt idx="24">
-                  <c:v>625</c:v>
-                </c:pt>
-                <c:pt idx="25">
-                  <c:v>650</c:v>
-                </c:pt>
-                <c:pt idx="26">
-                  <c:v>675</c:v>
-                </c:pt>
-                <c:pt idx="27">
-                  <c:v>700</c:v>
-                </c:pt>
-                <c:pt idx="28">
-                  <c:v>725</c:v>
-                </c:pt>
-                <c:pt idx="29">
-                  <c:v>750</c:v>
-                </c:pt>
-                <c:pt idx="30">
-                  <c:v>775</c:v>
-                </c:pt>
-                <c:pt idx="31">
-                  <c:v>800</c:v>
-                </c:pt>
-                <c:pt idx="32">
-                  <c:v>825</c:v>
-                </c:pt>
-                <c:pt idx="33">
-                  <c:v>850</c:v>
-                </c:pt>
-                <c:pt idx="34">
-                  <c:v>875</c:v>
-                </c:pt>
-                <c:pt idx="35">
-                  <c:v>900</c:v>
-                </c:pt>
-                <c:pt idx="36">
-                  <c:v>925</c:v>
-                </c:pt>
-                <c:pt idx="37">
-                  <c:v>950</c:v>
-                </c:pt>
-                <c:pt idx="38">
-                  <c:v>975</c:v>
-                </c:pt>
-                <c:pt idx="39">
-                  <c:v>1000</c:v>
-                </c:pt>
-                <c:pt idx="40">
-                  <c:v>2000</c:v>
-                </c:pt>
-                <c:pt idx="41">
-                  <c:v>3000</c:v>
-                </c:pt>
-                <c:pt idx="42">
-                  <c:v>4000</c:v>
-                </c:pt>
-                <c:pt idx="43">
-                  <c:v>5000</c:v>
-                </c:pt>
-                <c:pt idx="44">
-                  <c:v>6000</c:v>
-                </c:pt>
-                <c:pt idx="45">
-                  <c:v>7000</c:v>
-                </c:pt>
-                <c:pt idx="46">
-                  <c:v>8000</c:v>
-                </c:pt>
-                <c:pt idx="47">
-                  <c:v>9000</c:v>
-                </c:pt>
-                <c:pt idx="48">
-                  <c:v>10000</c:v>
-                </c:pt>
               </c:numCache>
             </c:numRef>
           </c:cat>
           <c:val>
             <c:numRef>
-              <c:f>'viele_ecken-HAW_ud'!$B$4:$B$52</c:f>
+              <c:f>'viele_ecken-HAW_ud'!$D$4:$D$21</c:f>
               <c:numCache>
                 <c:formatCode>General</c:formatCode>
-                <c:ptCount val="49"/>
+                <c:ptCount val="18"/>
                 <c:pt idx="0">
-                  <c:v>0</c:v>
-                </c:pt>
-                <c:pt idx="1">
-                  <c:v>0</c:v>
-                </c:pt>
-                <c:pt idx="2">
-                  <c:v>0</c:v>
-                </c:pt>
-                <c:pt idx="3">
-                  <c:v>0</c:v>
-                </c:pt>
-                <c:pt idx="4">
-                  <c:v>0</c:v>
-                </c:pt>
-                <c:pt idx="5">
-                  <c:v>0</c:v>
-                </c:pt>
-                <c:pt idx="6">
-                  <c:v>0</c:v>
-                </c:pt>
-                <c:pt idx="7">
-                  <c:v>0</c:v>
-                </c:pt>
-                <c:pt idx="8">
-                  <c:v>0</c:v>
-                </c:pt>
-                <c:pt idx="9">
-                  <c:v>0</c:v>
-                </c:pt>
-                <c:pt idx="10">
-                  <c:v>0</c:v>
-                </c:pt>
-                <c:pt idx="11">
-                  <c:v>0</c:v>
-                </c:pt>
-                <c:pt idx="12">
-                  <c:v>0</c:v>
-                </c:pt>
-                <c:pt idx="13">
-                  <c:v>15</c:v>
-                </c:pt>
-                <c:pt idx="14">
-                  <c:v>16</c:v>
-                </c:pt>
-                <c:pt idx="15">
-                  <c:v>16</c:v>
-                </c:pt>
-                <c:pt idx="16">
-                  <c:v>16</c:v>
-                </c:pt>
-                <c:pt idx="17">
-                  <c:v>16</c:v>
-                </c:pt>
-                <c:pt idx="18">
-                  <c:v>16</c:v>
-                </c:pt>
-                <c:pt idx="19">
-                  <c:v>15</c:v>
-                </c:pt>
-                <c:pt idx="20">
-                  <c:v>16</c:v>
-                </c:pt>
-                <c:pt idx="21">
-                  <c:v>32</c:v>
-                </c:pt>
-                <c:pt idx="22">
-                  <c:v>15</c:v>
-                </c:pt>
-                <c:pt idx="23">
-                  <c:v>31</c:v>
-                </c:pt>
-                <c:pt idx="24">
-                  <c:v>31</c:v>
-                </c:pt>
-                <c:pt idx="25">
-                  <c:v>47</c:v>
-                </c:pt>
-                <c:pt idx="26">
-                  <c:v>31</c:v>
-                </c:pt>
-                <c:pt idx="27">
-                  <c:v>31</c:v>
-                </c:pt>
-                <c:pt idx="28">
-                  <c:v>47</c:v>
-                </c:pt>
-                <c:pt idx="29">
-                  <c:v>47</c:v>
-                </c:pt>
-                <c:pt idx="30">
-                  <c:v>47</c:v>
-                </c:pt>
-                <c:pt idx="31">
-                  <c:v>63</c:v>
-                </c:pt>
-                <c:pt idx="32">
-                  <c:v>47</c:v>
-                </c:pt>
-                <c:pt idx="33">
-                  <c:v>63</c:v>
-                </c:pt>
-                <c:pt idx="34">
-                  <c:v>63</c:v>
-                </c:pt>
-                <c:pt idx="35">
-                  <c:v>62</c:v>
-                </c:pt>
-                <c:pt idx="36">
-                  <c:v>63</c:v>
-                </c:pt>
-                <c:pt idx="37">
-                  <c:v>62</c:v>
-                </c:pt>
-                <c:pt idx="38">
-                  <c:v>78</c:v>
-                </c:pt>
-                <c:pt idx="39">
-                  <c:v>78</c:v>
-                </c:pt>
-                <c:pt idx="40">
-                  <c:v>312</c:v>
-                </c:pt>
-                <c:pt idx="41">
-                  <c:v>765</c:v>
-                </c:pt>
-                <c:pt idx="42">
-                  <c:v>1313</c:v>
-                </c:pt>
-                <c:pt idx="43">
-                  <c:v>2046</c:v>
-                </c:pt>
-                <c:pt idx="44">
-                  <c:v>2888</c:v>
-                </c:pt>
-                <c:pt idx="45">
-                  <c:v>3982</c:v>
-                </c:pt>
-                <c:pt idx="46">
-                  <c:v>5656</c:v>
-                </c:pt>
-                <c:pt idx="47">
-                  <c:v>6953</c:v>
-                </c:pt>
-                <c:pt idx="48">
-                  <c:v>8562</c:v>
-                </c:pt>
-              </c:numCache>
-            </c:numRef>
-          </c:val>
-          <c:smooth val="0"/>
-          <c:extLst>
-            <c:ext xmlns:c16="http://schemas.microsoft.com/office/drawing/2014/chart" uri="{C3380CC4-5D6E-409C-BE32-E72D297353CC}">
-              <c16:uniqueId val="{00000000-1051-4A85-B58B-A15A4E6C8C10}"/>
-            </c:ext>
-          </c:extLst>
-        </c:ser>
-        <c:ser>
-          <c:idx val="1"/>
-          <c:order val="1"/>
-          <c:tx>
-            <c:strRef>
-              <c:f>'viele_ecken-HAW_ud'!$C$3</c:f>
-              <c:strCache>
-                <c:ptCount val="1"/>
-                <c:pt idx="0">
-                  <c:v>bellmannford</c:v>
-                </c:pt>
-              </c:strCache>
-            </c:strRef>
-          </c:tx>
-          <c:spPr>
-            <a:ln w="28575" cap="rnd">
-              <a:solidFill>
-                <a:schemeClr val="accent2"/>
-              </a:solidFill>
-              <a:round/>
-            </a:ln>
-            <a:effectLst/>
-          </c:spPr>
-          <c:marker>
-            <c:symbol val="none"/>
-          </c:marker>
-          <c:cat>
-            <c:numRef>
-              <c:f>'viele_ecken-HAW_ud'!$A$4:$A$52</c:f>
-              <c:numCache>
-                <c:formatCode>General</c:formatCode>
-                <c:ptCount val="49"/>
-                <c:pt idx="0">
-                  <c:v>25</c:v>
-                </c:pt>
-                <c:pt idx="1">
-                  <c:v>50</c:v>
-                </c:pt>
-                <c:pt idx="2">
-                  <c:v>75</c:v>
-                </c:pt>
-                <c:pt idx="3">
-                  <c:v>100</c:v>
-                </c:pt>
-                <c:pt idx="4">
-                  <c:v>125</c:v>
-                </c:pt>
-                <c:pt idx="5">
-                  <c:v>150</c:v>
-                </c:pt>
-                <c:pt idx="6">
-                  <c:v>175</c:v>
-                </c:pt>
-                <c:pt idx="7">
-                  <c:v>200</c:v>
-                </c:pt>
-                <c:pt idx="8">
-                  <c:v>225</c:v>
-                </c:pt>
-                <c:pt idx="9">
-                  <c:v>250</c:v>
-                </c:pt>
-                <c:pt idx="10">
-                  <c:v>275</c:v>
-                </c:pt>
-                <c:pt idx="11">
-                  <c:v>300</c:v>
-                </c:pt>
-                <c:pt idx="12">
-                  <c:v>325</c:v>
-                </c:pt>
-                <c:pt idx="13">
-                  <c:v>350</c:v>
-                </c:pt>
-                <c:pt idx="14">
-                  <c:v>375</c:v>
-                </c:pt>
-                <c:pt idx="15">
-                  <c:v>400</c:v>
-                </c:pt>
-                <c:pt idx="16">
-                  <c:v>425</c:v>
-                </c:pt>
-                <c:pt idx="17">
-                  <c:v>450</c:v>
-                </c:pt>
-                <c:pt idx="18">
-                  <c:v>475</c:v>
-                </c:pt>
-                <c:pt idx="19">
-                  <c:v>500</c:v>
-                </c:pt>
-                <c:pt idx="20">
-                  <c:v>525</c:v>
-                </c:pt>
-                <c:pt idx="21">
-                  <c:v>550</c:v>
-                </c:pt>
-                <c:pt idx="22">
-                  <c:v>575</c:v>
-                </c:pt>
-                <c:pt idx="23">
-                  <c:v>600</c:v>
-                </c:pt>
-                <c:pt idx="24">
-                  <c:v>625</c:v>
-                </c:pt>
-                <c:pt idx="25">
-                  <c:v>650</c:v>
-                </c:pt>
-                <c:pt idx="26">
-                  <c:v>675</c:v>
-                </c:pt>
-                <c:pt idx="27">
-                  <c:v>700</c:v>
-                </c:pt>
-                <c:pt idx="28">
-                  <c:v>725</c:v>
-                </c:pt>
-                <c:pt idx="29">
-                  <c:v>750</c:v>
-                </c:pt>
-                <c:pt idx="30">
-                  <c:v>775</c:v>
-                </c:pt>
-                <c:pt idx="31">
-                  <c:v>800</c:v>
-                </c:pt>
-                <c:pt idx="32">
-                  <c:v>825</c:v>
-                </c:pt>
-                <c:pt idx="33">
-                  <c:v>850</c:v>
-                </c:pt>
-                <c:pt idx="34">
-                  <c:v>875</c:v>
-                </c:pt>
-                <c:pt idx="35">
-                  <c:v>900</c:v>
-                </c:pt>
-                <c:pt idx="36">
-                  <c:v>925</c:v>
-                </c:pt>
-                <c:pt idx="37">
-                  <c:v>950</c:v>
-                </c:pt>
-                <c:pt idx="38">
-                  <c:v>975</c:v>
-                </c:pt>
-                <c:pt idx="39">
-                  <c:v>1000</c:v>
-                </c:pt>
-                <c:pt idx="40">
-                  <c:v>2000</c:v>
-                </c:pt>
-                <c:pt idx="41">
-                  <c:v>3000</c:v>
-                </c:pt>
-                <c:pt idx="42">
-                  <c:v>4000</c:v>
-                </c:pt>
-                <c:pt idx="43">
-                  <c:v>5000</c:v>
-                </c:pt>
-                <c:pt idx="44">
-                  <c:v>6000</c:v>
-                </c:pt>
-                <c:pt idx="45">
-                  <c:v>7000</c:v>
-                </c:pt>
-                <c:pt idx="46">
-                  <c:v>8000</c:v>
-                </c:pt>
-                <c:pt idx="47">
-                  <c:v>9000</c:v>
-                </c:pt>
-                <c:pt idx="48">
-                  <c:v>10000</c:v>
-                </c:pt>
-              </c:numCache>
-            </c:numRef>
-          </c:cat>
-          <c:val>
-            <c:numRef>
-              <c:f>'viele_ecken-HAW_ud'!$C$4:$C$52</c:f>
-              <c:numCache>
-                <c:formatCode>General</c:formatCode>
-                <c:ptCount val="49"/>
-                <c:pt idx="0">
-                  <c:v>0</c:v>
+                  <c:v>1</c:v>
                 </c:pt>
                 <c:pt idx="1">
                   <c:v>15</c:v>
@@ -737,7 +761,7 @@
           <c:smooth val="0"/>
           <c:extLst>
             <c:ext xmlns:c16="http://schemas.microsoft.com/office/drawing/2014/chart" uri="{C3380CC4-5D6E-409C-BE32-E72D297353CC}">
-              <c16:uniqueId val="{00000001-1051-4A85-B58B-A15A4E6C8C10}"/>
+              <c16:uniqueId val="{00000001-F0C6-4758-B773-ABB5AD242171}"/>
             </c:ext>
           </c:extLst>
         </c:ser>
@@ -750,71 +774,30 @@
           <c:showBubbleSize val="0"/>
         </c:dLbls>
         <c:smooth val="0"/>
-        <c:axId val="461199968"/>
-        <c:axId val="461198984"/>
+        <c:axId val="453626024"/>
+        <c:axId val="453626352"/>
       </c:lineChart>
       <c:catAx>
-        <c:axId val="461199968"/>
+        <c:axId val="453626024"/>
         <c:scaling>
           <c:orientation val="minMax"/>
         </c:scaling>
         <c:delete val="0"/>
         <c:axPos val="b"/>
-        <c:title>
-          <c:tx>
-            <c:rich>
-              <a:bodyPr rot="0" spcFirstLastPara="1" vertOverflow="ellipsis" vert="horz" wrap="square" anchor="ctr" anchorCtr="1"/>
-              <a:lstStyle/>
-              <a:p>
-                <a:pPr>
-                  <a:defRPr sz="2000" b="1" i="0" u="none" strike="noStrike" kern="1200" baseline="0">
-                    <a:solidFill>
-                      <a:schemeClr val="tx1">
-                        <a:lumMod val="65000"/>
-                        <a:lumOff val="35000"/>
-                      </a:schemeClr>
-                    </a:solidFill>
-                    <a:latin typeface="+mn-lt"/>
-                    <a:ea typeface="+mn-ea"/>
-                    <a:cs typeface="+mn-cs"/>
-                  </a:defRPr>
-                </a:pPr>
-                <a:r>
-                  <a:rPr lang="de-DE" sz="2000" b="1" dirty="0"/>
-                  <a:t>Vertices</a:t>
-                </a:r>
-              </a:p>
-            </c:rich>
-          </c:tx>
-          <c:overlay val="0"/>
+        <c:majorGridlines>
           <c:spPr>
-            <a:noFill/>
-            <a:ln>
-              <a:noFill/>
+            <a:ln w="9525" cap="flat" cmpd="sng" algn="ctr">
+              <a:solidFill>
+                <a:schemeClr val="tx1">
+                  <a:lumMod val="15000"/>
+                  <a:lumOff val="85000"/>
+                </a:schemeClr>
+              </a:solidFill>
+              <a:round/>
             </a:ln>
             <a:effectLst/>
           </c:spPr>
-          <c:txPr>
-            <a:bodyPr rot="0" spcFirstLastPara="1" vertOverflow="ellipsis" vert="horz" wrap="square" anchor="ctr" anchorCtr="1"/>
-            <a:lstStyle/>
-            <a:p>
-              <a:pPr>
-                <a:defRPr sz="2000" b="1" i="0" u="none" strike="noStrike" kern="1200" baseline="0">
-                  <a:solidFill>
-                    <a:schemeClr val="tx1">
-                      <a:lumMod val="65000"/>
-                      <a:lumOff val="35000"/>
-                    </a:schemeClr>
-                  </a:solidFill>
-                  <a:latin typeface="+mn-lt"/>
-                  <a:ea typeface="+mn-ea"/>
-                  <a:cs typeface="+mn-cs"/>
-                </a:defRPr>
-              </a:pPr>
-              <a:endParaRPr lang="de-DE"/>
-            </a:p>
-          </c:txPr>
-        </c:title>
+        </c:majorGridlines>
         <c:numFmt formatCode="General" sourceLinked="1"/>
         <c:majorTickMark val="none"/>
         <c:minorTickMark val="none"/>
@@ -824,8 +807,8 @@
           <a:ln w="9525" cap="flat" cmpd="sng" algn="ctr">
             <a:solidFill>
               <a:schemeClr val="tx1">
-                <a:lumMod val="15000"/>
-                <a:lumOff val="85000"/>
+                <a:lumMod val="25000"/>
+                <a:lumOff val="75000"/>
               </a:schemeClr>
             </a:solidFill>
             <a:round/>
@@ -837,7 +820,7 @@
           <a:lstStyle/>
           <a:p>
             <a:pPr>
-              <a:defRPr sz="900" b="0" i="0" u="none" strike="noStrike" kern="1200" baseline="0">
+              <a:defRPr sz="1400" b="0" i="0" u="none" strike="noStrike" kern="1200" baseline="0">
                 <a:solidFill>
                   <a:schemeClr val="tx1">
                     <a:lumMod val="65000"/>
@@ -852,7 +835,7 @@
             <a:endParaRPr lang="de-DE"/>
           </a:p>
         </c:txPr>
-        <c:crossAx val="461198984"/>
+        <c:crossAx val="453626352"/>
         <c:crosses val="autoZero"/>
         <c:auto val="1"/>
         <c:lblAlgn val="ctr"/>
@@ -860,7 +843,7 @@
         <c:noMultiLvlLbl val="0"/>
       </c:catAx>
       <c:valAx>
-        <c:axId val="461198984"/>
+        <c:axId val="453626352"/>
         <c:scaling>
           <c:orientation val="minMax"/>
         </c:scaling>
@@ -880,74 +863,20 @@
             <a:effectLst/>
           </c:spPr>
         </c:majorGridlines>
-        <c:title>
-          <c:tx>
-            <c:rich>
-              <a:bodyPr rot="-5400000" spcFirstLastPara="1" vertOverflow="ellipsis" vert="horz" wrap="square" anchor="ctr" anchorCtr="1"/>
-              <a:lstStyle/>
-              <a:p>
-                <a:pPr>
-                  <a:defRPr sz="2000" b="0" i="0" u="none" strike="noStrike" kern="1200" baseline="0">
-                    <a:solidFill>
-                      <a:schemeClr val="tx1">
-                        <a:lumMod val="65000"/>
-                        <a:lumOff val="35000"/>
-                      </a:schemeClr>
-                    </a:solidFill>
-                    <a:latin typeface="+mn-lt"/>
-                    <a:ea typeface="+mn-ea"/>
-                    <a:cs typeface="+mn-cs"/>
-                  </a:defRPr>
-                </a:pPr>
-                <a:r>
-                  <a:rPr lang="de-DE" sz="2000" dirty="0"/>
-                  <a:t>Zeit in </a:t>
-                </a:r>
-                <a:r>
-                  <a:rPr lang="de-DE" sz="2000" dirty="0" err="1"/>
-                  <a:t>ms</a:t>
-                </a:r>
-                <a:endParaRPr lang="de-DE" sz="2000" dirty="0"/>
-              </a:p>
-            </c:rich>
-          </c:tx>
-          <c:overlay val="0"/>
-          <c:spPr>
-            <a:noFill/>
-            <a:ln>
-              <a:noFill/>
-            </a:ln>
-            <a:effectLst/>
-          </c:spPr>
-          <c:txPr>
-            <a:bodyPr rot="-5400000" spcFirstLastPara="1" vertOverflow="ellipsis" vert="horz" wrap="square" anchor="ctr" anchorCtr="1"/>
-            <a:lstStyle/>
-            <a:p>
-              <a:pPr>
-                <a:defRPr sz="2000" b="0" i="0" u="none" strike="noStrike" kern="1200" baseline="0">
-                  <a:solidFill>
-                    <a:schemeClr val="tx1">
-                      <a:lumMod val="65000"/>
-                      <a:lumOff val="35000"/>
-                    </a:schemeClr>
-                  </a:solidFill>
-                  <a:latin typeface="+mn-lt"/>
-                  <a:ea typeface="+mn-ea"/>
-                  <a:cs typeface="+mn-cs"/>
-                </a:defRPr>
-              </a:pPr>
-              <a:endParaRPr lang="de-DE"/>
-            </a:p>
-          </c:txPr>
-        </c:title>
         <c:numFmt formatCode="General" sourceLinked="1"/>
         <c:majorTickMark val="none"/>
         <c:minorTickMark val="none"/>
         <c:tickLblPos val="nextTo"/>
         <c:spPr>
           <a:noFill/>
-          <a:ln>
-            <a:noFill/>
+          <a:ln w="9525" cap="flat" cmpd="sng" algn="ctr">
+            <a:solidFill>
+              <a:schemeClr val="tx1">
+                <a:lumMod val="25000"/>
+                <a:lumOff val="75000"/>
+              </a:schemeClr>
+            </a:solidFill>
+            <a:round/>
           </a:ln>
           <a:effectLst/>
         </c:spPr>
@@ -956,7 +885,7 @@
           <a:lstStyle/>
           <a:p>
             <a:pPr>
-              <a:defRPr sz="900" b="0" i="0" u="none" strike="noStrike" kern="1200" baseline="0">
+              <a:defRPr sz="1200" b="0" i="0" u="none" strike="noStrike" kern="1200" baseline="0">
                 <a:solidFill>
                   <a:schemeClr val="tx1">
                     <a:lumMod val="65000"/>
@@ -971,7 +900,7 @@
             <a:endParaRPr lang="de-DE"/>
           </a:p>
         </c:txPr>
-        <c:crossAx val="461199968"/>
+        <c:crossAx val="453626024"/>
         <c:crosses val="autoZero"/>
         <c:crossBetween val="between"/>
       </c:valAx>
@@ -985,14 +914,18 @@
     </c:plotArea>
     <c:legend>
       <c:legendPos val="b"/>
+      <c:legendEntry>
+        <c:idx val="1"/>
+        <c:delete val="1"/>
+      </c:legendEntry>
       <c:layout>
         <c:manualLayout>
           <c:xMode val="edge"/>
           <c:yMode val="edge"/>
-          <c:x val="0.53614420240345817"/>
-          <c:y val="5.4407020535455812E-2"/>
-          <c:w val="0.36573909876363198"/>
-          <c:h val="0.13722657862154355"/>
+          <c:x val="0.31935104111986001"/>
+          <c:y val="0.2139013268502728"/>
+          <c:w val="0.31940339457567807"/>
+          <c:h val="5.1843680830218813E-2"/>
         </c:manualLayout>
       </c:layout>
       <c:overlay val="0"/>
@@ -1008,7 +941,7 @@
         <a:lstStyle/>
         <a:p>
           <a:pPr>
-            <a:defRPr sz="2000" b="1" i="0" u="none" strike="noStrike" kern="1200" baseline="0">
+            <a:defRPr sz="1800" b="0" i="0" u="none" strike="noStrike" kern="1200" baseline="0">
               <a:solidFill>
                 <a:schemeClr val="tx1">
                   <a:lumMod val="65000"/>
@@ -1026,693 +959,6 @@
     </c:legend>
     <c:plotVisOnly val="1"/>
     <c:dispBlanksAs val="gap"/>
-    <c:extLst>
-      <c:ext xmlns:c16r3="http://schemas.microsoft.com/office/drawing/2017/03/chart" uri="{56B9EC1D-385E-4148-901F-78D8002777C0}">
-        <c16r3:dataDisplayOptions16>
-          <c16r3:dispNaAsBlank val="1"/>
-        </c16r3:dataDisplayOptions16>
-      </c:ext>
-    </c:extLst>
-    <c:showDLblsOverMax val="0"/>
-  </c:chart>
-  <c:spPr>
-    <a:noFill/>
-    <a:ln>
-      <a:noFill/>
-    </a:ln>
-    <a:effectLst/>
-  </c:spPr>
-  <c:txPr>
-    <a:bodyPr/>
-    <a:lstStyle/>
-    <a:p>
-      <a:pPr>
-        <a:defRPr/>
-      </a:pPr>
-      <a:endParaRPr lang="de-DE"/>
-    </a:p>
-  </c:txPr>
-  <c:externalData r:id="rId3">
-    <c:autoUpdate val="0"/>
-  </c:externalData>
-</c:chartSpace>
-</file>
-
-<file path=ppt/charts/chart2.xml><?xml version="1.0" encoding="utf-8"?>
-<c:chartSpace xmlns:c="http://schemas.openxmlformats.org/drawingml/2006/chart" xmlns:a="http://schemas.openxmlformats.org/drawingml/2006/main" xmlns:r="http://schemas.openxmlformats.org/officeDocument/2006/relationships" xmlns:c16r2="http://schemas.microsoft.com/office/drawing/2015/06/chart">
-  <c:date1904 val="0"/>
-  <c:lang val="de-DE"/>
-  <c:roundedCorners val="0"/>
-  <mc:AlternateContent xmlns:mc="http://schemas.openxmlformats.org/markup-compatibility/2006">
-    <mc:Choice xmlns:c14="http://schemas.microsoft.com/office/drawing/2007/8/2/chart" Requires="c14">
-      <c14:style val="102"/>
-    </mc:Choice>
-    <mc:Fallback>
-      <c:style val="2"/>
-    </mc:Fallback>
-  </mc:AlternateContent>
-  <c:chart>
-    <c:autoTitleDeleted val="1"/>
-    <c:plotArea>
-      <c:layout/>
-      <c:lineChart>
-        <c:grouping val="standard"/>
-        <c:varyColors val="0"/>
-        <c:ser>
-          <c:idx val="0"/>
-          <c:order val="0"/>
-          <c:tx>
-            <c:strRef>
-              <c:f>'viele_kanten-HAW_ud'!$B$3</c:f>
-              <c:strCache>
-                <c:ptCount val="1"/>
-                <c:pt idx="0">
-                  <c:v>dijkstra</c:v>
-                </c:pt>
-              </c:strCache>
-            </c:strRef>
-          </c:tx>
-          <c:spPr>
-            <a:ln w="28575" cap="rnd">
-              <a:solidFill>
-                <a:schemeClr val="accent1"/>
-              </a:solidFill>
-              <a:round/>
-            </a:ln>
-            <a:effectLst/>
-          </c:spPr>
-          <c:marker>
-            <c:symbol val="none"/>
-          </c:marker>
-          <c:cat>
-            <c:numRef>
-              <c:f>'viele_kanten-HAW_ud'!$A$4:$A$23</c:f>
-              <c:numCache>
-                <c:formatCode>General</c:formatCode>
-                <c:ptCount val="20"/>
-                <c:pt idx="0">
-                  <c:v>1000</c:v>
-                </c:pt>
-                <c:pt idx="1">
-                  <c:v>2000</c:v>
-                </c:pt>
-                <c:pt idx="2">
-                  <c:v>3000</c:v>
-                </c:pt>
-                <c:pt idx="3">
-                  <c:v>4000</c:v>
-                </c:pt>
-                <c:pt idx="4">
-                  <c:v>5000</c:v>
-                </c:pt>
-                <c:pt idx="5">
-                  <c:v>6000</c:v>
-                </c:pt>
-                <c:pt idx="6">
-                  <c:v>7000</c:v>
-                </c:pt>
-                <c:pt idx="7">
-                  <c:v>8000</c:v>
-                </c:pt>
-                <c:pt idx="8">
-                  <c:v>9000</c:v>
-                </c:pt>
-                <c:pt idx="9">
-                  <c:v>10000</c:v>
-                </c:pt>
-                <c:pt idx="10">
-                  <c:v>20000</c:v>
-                </c:pt>
-                <c:pt idx="11">
-                  <c:v>30000</c:v>
-                </c:pt>
-                <c:pt idx="12">
-                  <c:v>40000</c:v>
-                </c:pt>
-                <c:pt idx="13">
-                  <c:v>50000</c:v>
-                </c:pt>
-                <c:pt idx="14">
-                  <c:v>60000</c:v>
-                </c:pt>
-                <c:pt idx="15">
-                  <c:v>70000</c:v>
-                </c:pt>
-                <c:pt idx="16">
-                  <c:v>80000</c:v>
-                </c:pt>
-                <c:pt idx="17">
-                  <c:v>90000</c:v>
-                </c:pt>
-                <c:pt idx="18">
-                  <c:v>100000</c:v>
-                </c:pt>
-                <c:pt idx="19">
-                  <c:v>110000</c:v>
-                </c:pt>
-              </c:numCache>
-            </c:numRef>
-          </c:cat>
-          <c:val>
-            <c:numRef>
-              <c:f>'viele_kanten-HAW_ud'!$B$4:$B$23</c:f>
-              <c:numCache>
-                <c:formatCode>General</c:formatCode>
-                <c:ptCount val="20"/>
-                <c:pt idx="0">
-                  <c:v>0</c:v>
-                </c:pt>
-                <c:pt idx="1">
-                  <c:v>16</c:v>
-                </c:pt>
-                <c:pt idx="2">
-                  <c:v>16</c:v>
-                </c:pt>
-                <c:pt idx="3">
-                  <c:v>0</c:v>
-                </c:pt>
-                <c:pt idx="4">
-                  <c:v>15</c:v>
-                </c:pt>
-                <c:pt idx="5">
-                  <c:v>16</c:v>
-                </c:pt>
-                <c:pt idx="6">
-                  <c:v>31</c:v>
-                </c:pt>
-                <c:pt idx="7">
-                  <c:v>32</c:v>
-                </c:pt>
-                <c:pt idx="8">
-                  <c:v>15</c:v>
-                </c:pt>
-                <c:pt idx="9">
-                  <c:v>16</c:v>
-                </c:pt>
-                <c:pt idx="10">
-                  <c:v>32</c:v>
-                </c:pt>
-                <c:pt idx="11">
-                  <c:v>15</c:v>
-                </c:pt>
-                <c:pt idx="12">
-                  <c:v>31</c:v>
-                </c:pt>
-                <c:pt idx="13">
-                  <c:v>31</c:v>
-                </c:pt>
-                <c:pt idx="14">
-                  <c:v>15</c:v>
-                </c:pt>
-                <c:pt idx="15">
-                  <c:v>16</c:v>
-                </c:pt>
-                <c:pt idx="16">
-                  <c:v>15</c:v>
-                </c:pt>
-                <c:pt idx="17">
-                  <c:v>16</c:v>
-                </c:pt>
-                <c:pt idx="18">
-                  <c:v>15</c:v>
-                </c:pt>
-                <c:pt idx="19">
-                  <c:v>16</c:v>
-                </c:pt>
-              </c:numCache>
-            </c:numRef>
-          </c:val>
-          <c:smooth val="0"/>
-          <c:extLst>
-            <c:ext xmlns:c16="http://schemas.microsoft.com/office/drawing/2014/chart" uri="{C3380CC4-5D6E-409C-BE32-E72D297353CC}">
-              <c16:uniqueId val="{00000000-44CF-4A66-8BEA-ADD2A6D0B859}"/>
-            </c:ext>
-          </c:extLst>
-        </c:ser>
-        <c:ser>
-          <c:idx val="1"/>
-          <c:order val="1"/>
-          <c:tx>
-            <c:strRef>
-              <c:f>'viele_kanten-HAW_ud'!$C$3</c:f>
-              <c:strCache>
-                <c:ptCount val="1"/>
-                <c:pt idx="0">
-                  <c:v>bellmannford</c:v>
-                </c:pt>
-              </c:strCache>
-            </c:strRef>
-          </c:tx>
-          <c:spPr>
-            <a:ln w="28575" cap="rnd">
-              <a:solidFill>
-                <a:schemeClr val="accent2"/>
-              </a:solidFill>
-              <a:round/>
-            </a:ln>
-            <a:effectLst/>
-          </c:spPr>
-          <c:marker>
-            <c:symbol val="none"/>
-          </c:marker>
-          <c:cat>
-            <c:numRef>
-              <c:f>'viele_kanten-HAW_ud'!$A$4:$A$23</c:f>
-              <c:numCache>
-                <c:formatCode>General</c:formatCode>
-                <c:ptCount val="20"/>
-                <c:pt idx="0">
-                  <c:v>1000</c:v>
-                </c:pt>
-                <c:pt idx="1">
-                  <c:v>2000</c:v>
-                </c:pt>
-                <c:pt idx="2">
-                  <c:v>3000</c:v>
-                </c:pt>
-                <c:pt idx="3">
-                  <c:v>4000</c:v>
-                </c:pt>
-                <c:pt idx="4">
-                  <c:v>5000</c:v>
-                </c:pt>
-                <c:pt idx="5">
-                  <c:v>6000</c:v>
-                </c:pt>
-                <c:pt idx="6">
-                  <c:v>7000</c:v>
-                </c:pt>
-                <c:pt idx="7">
-                  <c:v>8000</c:v>
-                </c:pt>
-                <c:pt idx="8">
-                  <c:v>9000</c:v>
-                </c:pt>
-                <c:pt idx="9">
-                  <c:v>10000</c:v>
-                </c:pt>
-                <c:pt idx="10">
-                  <c:v>20000</c:v>
-                </c:pt>
-                <c:pt idx="11">
-                  <c:v>30000</c:v>
-                </c:pt>
-                <c:pt idx="12">
-                  <c:v>40000</c:v>
-                </c:pt>
-                <c:pt idx="13">
-                  <c:v>50000</c:v>
-                </c:pt>
-                <c:pt idx="14">
-                  <c:v>60000</c:v>
-                </c:pt>
-                <c:pt idx="15">
-                  <c:v>70000</c:v>
-                </c:pt>
-                <c:pt idx="16">
-                  <c:v>80000</c:v>
-                </c:pt>
-                <c:pt idx="17">
-                  <c:v>90000</c:v>
-                </c:pt>
-                <c:pt idx="18">
-                  <c:v>100000</c:v>
-                </c:pt>
-                <c:pt idx="19">
-                  <c:v>110000</c:v>
-                </c:pt>
-              </c:numCache>
-            </c:numRef>
-          </c:cat>
-          <c:val>
-            <c:numRef>
-              <c:f>'viele_kanten-HAW_ud'!$C$4:$C$23</c:f>
-              <c:numCache>
-                <c:formatCode>General</c:formatCode>
-                <c:ptCount val="20"/>
-                <c:pt idx="0">
-                  <c:v>328</c:v>
-                </c:pt>
-                <c:pt idx="1">
-                  <c:v>656</c:v>
-                </c:pt>
-                <c:pt idx="2">
-                  <c:v>1281</c:v>
-                </c:pt>
-                <c:pt idx="3">
-                  <c:v>2235</c:v>
-                </c:pt>
-                <c:pt idx="4">
-                  <c:v>3016</c:v>
-                </c:pt>
-                <c:pt idx="5">
-                  <c:v>2983</c:v>
-                </c:pt>
-                <c:pt idx="6">
-                  <c:v>2985</c:v>
-                </c:pt>
-                <c:pt idx="7">
-                  <c:v>3015</c:v>
-                </c:pt>
-                <c:pt idx="8">
-                  <c:v>2954</c:v>
-                </c:pt>
-                <c:pt idx="9">
-                  <c:v>3078</c:v>
-                </c:pt>
-                <c:pt idx="10">
-                  <c:v>3015</c:v>
-                </c:pt>
-                <c:pt idx="11">
-                  <c:v>3032</c:v>
-                </c:pt>
-                <c:pt idx="12">
-                  <c:v>3015</c:v>
-                </c:pt>
-                <c:pt idx="13">
-                  <c:v>2953</c:v>
-                </c:pt>
-                <c:pt idx="14">
-                  <c:v>2938</c:v>
-                </c:pt>
-                <c:pt idx="15">
-                  <c:v>3001</c:v>
-                </c:pt>
-                <c:pt idx="16">
-                  <c:v>2940</c:v>
-                </c:pt>
-                <c:pt idx="17">
-                  <c:v>3017</c:v>
-                </c:pt>
-                <c:pt idx="18">
-                  <c:v>2971</c:v>
-                </c:pt>
-                <c:pt idx="19">
-                  <c:v>3002</c:v>
-                </c:pt>
-              </c:numCache>
-            </c:numRef>
-          </c:val>
-          <c:smooth val="0"/>
-          <c:extLst>
-            <c:ext xmlns:c16="http://schemas.microsoft.com/office/drawing/2014/chart" uri="{C3380CC4-5D6E-409C-BE32-E72D297353CC}">
-              <c16:uniqueId val="{00000001-44CF-4A66-8BEA-ADD2A6D0B859}"/>
-            </c:ext>
-          </c:extLst>
-        </c:ser>
-        <c:dLbls>
-          <c:showLegendKey val="0"/>
-          <c:showVal val="0"/>
-          <c:showCatName val="0"/>
-          <c:showSerName val="0"/>
-          <c:showPercent val="0"/>
-          <c:showBubbleSize val="0"/>
-        </c:dLbls>
-        <c:smooth val="0"/>
-        <c:axId val="287912968"/>
-        <c:axId val="287927400"/>
-      </c:lineChart>
-      <c:catAx>
-        <c:axId val="287912968"/>
-        <c:scaling>
-          <c:orientation val="minMax"/>
-        </c:scaling>
-        <c:delete val="0"/>
-        <c:axPos val="b"/>
-        <c:title>
-          <c:tx>
-            <c:rich>
-              <a:bodyPr rot="0" spcFirstLastPara="1" vertOverflow="ellipsis" vert="horz" wrap="square" anchor="ctr" anchorCtr="1"/>
-              <a:lstStyle/>
-              <a:p>
-                <a:pPr>
-                  <a:defRPr sz="1600" b="1" i="0" u="none" strike="noStrike" kern="1200" baseline="0">
-                    <a:solidFill>
-                      <a:schemeClr val="tx1">
-                        <a:lumMod val="65000"/>
-                        <a:lumOff val="35000"/>
-                      </a:schemeClr>
-                    </a:solidFill>
-                    <a:latin typeface="+mn-lt"/>
-                    <a:ea typeface="+mn-ea"/>
-                    <a:cs typeface="+mn-cs"/>
-                  </a:defRPr>
-                </a:pPr>
-                <a:r>
-                  <a:rPr lang="de-DE" sz="1600" b="1" dirty="0" err="1"/>
-                  <a:t>Edges</a:t>
-                </a:r>
-                <a:endParaRPr lang="de-DE" sz="1600" b="1" dirty="0"/>
-              </a:p>
-            </c:rich>
-          </c:tx>
-          <c:overlay val="0"/>
-          <c:spPr>
-            <a:noFill/>
-            <a:ln>
-              <a:noFill/>
-            </a:ln>
-            <a:effectLst/>
-          </c:spPr>
-          <c:txPr>
-            <a:bodyPr rot="0" spcFirstLastPara="1" vertOverflow="ellipsis" vert="horz" wrap="square" anchor="ctr" anchorCtr="1"/>
-            <a:lstStyle/>
-            <a:p>
-              <a:pPr>
-                <a:defRPr sz="1600" b="1" i="0" u="none" strike="noStrike" kern="1200" baseline="0">
-                  <a:solidFill>
-                    <a:schemeClr val="tx1">
-                      <a:lumMod val="65000"/>
-                      <a:lumOff val="35000"/>
-                    </a:schemeClr>
-                  </a:solidFill>
-                  <a:latin typeface="+mn-lt"/>
-                  <a:ea typeface="+mn-ea"/>
-                  <a:cs typeface="+mn-cs"/>
-                </a:defRPr>
-              </a:pPr>
-              <a:endParaRPr lang="de-DE"/>
-            </a:p>
-          </c:txPr>
-        </c:title>
-        <c:numFmt formatCode="General" sourceLinked="1"/>
-        <c:majorTickMark val="none"/>
-        <c:minorTickMark val="none"/>
-        <c:tickLblPos val="nextTo"/>
-        <c:spPr>
-          <a:noFill/>
-          <a:ln w="9525" cap="flat" cmpd="sng" algn="ctr">
-            <a:solidFill>
-              <a:schemeClr val="tx1">
-                <a:lumMod val="15000"/>
-                <a:lumOff val="85000"/>
-              </a:schemeClr>
-            </a:solidFill>
-            <a:round/>
-          </a:ln>
-          <a:effectLst/>
-        </c:spPr>
-        <c:txPr>
-          <a:bodyPr rot="-60000000" spcFirstLastPara="1" vertOverflow="ellipsis" vert="horz" wrap="square" anchor="ctr" anchorCtr="1"/>
-          <a:lstStyle/>
-          <a:p>
-            <a:pPr>
-              <a:defRPr sz="900" b="0" i="0" u="none" strike="noStrike" kern="1200" baseline="0">
-                <a:solidFill>
-                  <a:schemeClr val="tx1">
-                    <a:lumMod val="65000"/>
-                    <a:lumOff val="35000"/>
-                  </a:schemeClr>
-                </a:solidFill>
-                <a:latin typeface="+mn-lt"/>
-                <a:ea typeface="+mn-ea"/>
-                <a:cs typeface="+mn-cs"/>
-              </a:defRPr>
-            </a:pPr>
-            <a:endParaRPr lang="de-DE"/>
-          </a:p>
-        </c:txPr>
-        <c:crossAx val="287927400"/>
-        <c:crosses val="autoZero"/>
-        <c:auto val="1"/>
-        <c:lblAlgn val="ctr"/>
-        <c:lblOffset val="100"/>
-        <c:noMultiLvlLbl val="0"/>
-      </c:catAx>
-      <c:valAx>
-        <c:axId val="287927400"/>
-        <c:scaling>
-          <c:orientation val="minMax"/>
-        </c:scaling>
-        <c:delete val="0"/>
-        <c:axPos val="l"/>
-        <c:majorGridlines>
-          <c:spPr>
-            <a:ln w="9525" cap="flat" cmpd="sng" algn="ctr">
-              <a:solidFill>
-                <a:schemeClr val="tx1">
-                  <a:lumMod val="15000"/>
-                  <a:lumOff val="85000"/>
-                </a:schemeClr>
-              </a:solidFill>
-              <a:round/>
-            </a:ln>
-            <a:effectLst/>
-          </c:spPr>
-        </c:majorGridlines>
-        <c:title>
-          <c:tx>
-            <c:rich>
-              <a:bodyPr rot="-5400000" spcFirstLastPara="1" vertOverflow="ellipsis" vert="horz" wrap="square" anchor="ctr" anchorCtr="1"/>
-              <a:lstStyle/>
-              <a:p>
-                <a:pPr>
-                  <a:defRPr sz="1600" b="1" i="0" u="none" strike="noStrike" kern="1200" baseline="0">
-                    <a:solidFill>
-                      <a:schemeClr val="tx1">
-                        <a:lumMod val="65000"/>
-                        <a:lumOff val="35000"/>
-                      </a:schemeClr>
-                    </a:solidFill>
-                    <a:latin typeface="+mn-lt"/>
-                    <a:ea typeface="+mn-ea"/>
-                    <a:cs typeface="+mn-cs"/>
-                  </a:defRPr>
-                </a:pPr>
-                <a:r>
-                  <a:rPr lang="de-DE" sz="1600" b="1" dirty="0"/>
-                  <a:t>Zeit in </a:t>
-                </a:r>
-                <a:r>
-                  <a:rPr lang="de-DE" sz="1600" b="1" dirty="0" err="1"/>
-                  <a:t>ms</a:t>
-                </a:r>
-                <a:endParaRPr lang="de-DE" sz="1600" b="1" dirty="0"/>
-              </a:p>
-            </c:rich>
-          </c:tx>
-          <c:overlay val="0"/>
-          <c:spPr>
-            <a:noFill/>
-            <a:ln>
-              <a:noFill/>
-            </a:ln>
-            <a:effectLst/>
-          </c:spPr>
-          <c:txPr>
-            <a:bodyPr rot="-5400000" spcFirstLastPara="1" vertOverflow="ellipsis" vert="horz" wrap="square" anchor="ctr" anchorCtr="1"/>
-            <a:lstStyle/>
-            <a:p>
-              <a:pPr>
-                <a:defRPr sz="1600" b="1" i="0" u="none" strike="noStrike" kern="1200" baseline="0">
-                  <a:solidFill>
-                    <a:schemeClr val="tx1">
-                      <a:lumMod val="65000"/>
-                      <a:lumOff val="35000"/>
-                    </a:schemeClr>
-                  </a:solidFill>
-                  <a:latin typeface="+mn-lt"/>
-                  <a:ea typeface="+mn-ea"/>
-                  <a:cs typeface="+mn-cs"/>
-                </a:defRPr>
-              </a:pPr>
-              <a:endParaRPr lang="de-DE"/>
-            </a:p>
-          </c:txPr>
-        </c:title>
-        <c:numFmt formatCode="General" sourceLinked="1"/>
-        <c:majorTickMark val="none"/>
-        <c:minorTickMark val="none"/>
-        <c:tickLblPos val="nextTo"/>
-        <c:spPr>
-          <a:noFill/>
-          <a:ln>
-            <a:noFill/>
-          </a:ln>
-          <a:effectLst/>
-        </c:spPr>
-        <c:txPr>
-          <a:bodyPr rot="-60000000" spcFirstLastPara="1" vertOverflow="ellipsis" vert="horz" wrap="square" anchor="ctr" anchorCtr="1"/>
-          <a:lstStyle/>
-          <a:p>
-            <a:pPr>
-              <a:defRPr sz="900" b="0" i="0" u="none" strike="noStrike" kern="1200" baseline="0">
-                <a:solidFill>
-                  <a:schemeClr val="tx1">
-                    <a:lumMod val="65000"/>
-                    <a:lumOff val="35000"/>
-                  </a:schemeClr>
-                </a:solidFill>
-                <a:latin typeface="+mn-lt"/>
-                <a:ea typeface="+mn-ea"/>
-                <a:cs typeface="+mn-cs"/>
-              </a:defRPr>
-            </a:pPr>
-            <a:endParaRPr lang="de-DE"/>
-          </a:p>
-        </c:txPr>
-        <c:crossAx val="287912968"/>
-        <c:crosses val="autoZero"/>
-        <c:crossBetween val="between"/>
-      </c:valAx>
-      <c:spPr>
-        <a:noFill/>
-        <a:ln>
-          <a:noFill/>
-        </a:ln>
-        <a:effectLst/>
-      </c:spPr>
-    </c:plotArea>
-    <c:legend>
-      <c:legendPos val="b"/>
-      <c:layout>
-        <c:manualLayout>
-          <c:xMode val="edge"/>
-          <c:yMode val="edge"/>
-          <c:x val="0.57456330296970748"/>
-          <c:y val="0.21612210336025109"/>
-          <c:w val="0.35480369747652302"/>
-          <c:h val="8.6921292847422948E-2"/>
-        </c:manualLayout>
-      </c:layout>
-      <c:overlay val="0"/>
-      <c:spPr>
-        <a:noFill/>
-        <a:ln>
-          <a:noFill/>
-        </a:ln>
-        <a:effectLst/>
-      </c:spPr>
-      <c:txPr>
-        <a:bodyPr rot="0" spcFirstLastPara="1" vertOverflow="ellipsis" vert="horz" wrap="square" anchor="ctr" anchorCtr="1"/>
-        <a:lstStyle/>
-        <a:p>
-          <a:pPr>
-            <a:defRPr sz="2000" b="1" i="0" u="none" strike="noStrike" kern="1200" baseline="0">
-              <a:solidFill>
-                <a:schemeClr val="tx1">
-                  <a:lumMod val="65000"/>
-                  <a:lumOff val="35000"/>
-                </a:schemeClr>
-              </a:solidFill>
-              <a:latin typeface="+mn-lt"/>
-              <a:ea typeface="+mn-ea"/>
-              <a:cs typeface="+mn-cs"/>
-            </a:defRPr>
-          </a:pPr>
-          <a:endParaRPr lang="de-DE"/>
-        </a:p>
-      </c:txPr>
-    </c:legend>
-    <c:plotVisOnly val="1"/>
-    <c:dispBlanksAs val="gap"/>
-    <c:extLst>
-      <c:ext xmlns:c16r3="http://schemas.microsoft.com/office/drawing/2017/03/chart" uri="{56B9EC1D-385E-4148-901F-78D8002777C0}">
-        <c16r3:dataDisplayOptions16>
-          <c16r3:dispNaAsBlank val="1"/>
-        </c16r3:dataDisplayOptions16>
-      </c:ext>
-    </c:extLst>
     <c:showDLblsOverMax val="0"/>
   </c:chart>
   <c:spPr>
@@ -1819,7 +1065,7 @@
 </file>
 
 <file path=ppt/charts/style1.xml><?xml version="1.0" encoding="utf-8"?>
-<cs:chartStyle xmlns:cs="http://schemas.microsoft.com/office/drawing/2012/chartStyle" xmlns:a="http://schemas.openxmlformats.org/drawingml/2006/main" id="227">
+<cs:chartStyle xmlns:cs="http://schemas.microsoft.com/office/drawing/2012/chartStyle" xmlns:a="http://schemas.openxmlformats.org/drawingml/2006/main" id="240">
   <cs:axisTitle>
     <cs:lnRef idx="0"/>
     <cs:fillRef idx="0"/>
@@ -1846,8 +1092,8 @@
       <a:ln w="9525" cap="flat" cmpd="sng" algn="ctr">
         <a:solidFill>
           <a:schemeClr val="tx1">
-            <a:lumMod val="15000"/>
-            <a:lumOff val="85000"/>
+            <a:lumMod val="25000"/>
+            <a:lumOff val="75000"/>
           </a:schemeClr>
         </a:solidFill>
         <a:round/>
@@ -1927,11 +1173,6 @@
     <cs:fontRef idx="minor">
       <a:schemeClr val="tx1"/>
     </cs:fontRef>
-    <cs:spPr>
-      <a:solidFill>
-        <a:schemeClr val="phClr"/>
-      </a:solidFill>
-    </cs:spPr>
   </cs:dataPoint>
   <cs:dataPoint3D>
     <cs:lnRef idx="0"/>
@@ -1942,11 +1183,6 @@
     <cs:fontRef idx="minor">
       <a:schemeClr val="tx1"/>
     </cs:fontRef>
-    <cs:spPr>
-      <a:solidFill>
-        <a:schemeClr val="phClr"/>
-      </a:solidFill>
-    </cs:spPr>
   </cs:dataPoint3D>
   <cs:dataPointLine>
     <cs:lnRef idx="0">
@@ -1958,7 +1194,7 @@
       <a:schemeClr val="tx1"/>
     </cs:fontRef>
     <cs:spPr>
-      <a:ln w="28575" cap="rnd">
+      <a:ln w="19050" cap="rnd">
         <a:solidFill>
           <a:schemeClr val="phClr"/>
         </a:solidFill>
@@ -1978,9 +1214,6 @@
       <a:schemeClr val="tx1"/>
     </cs:fontRef>
     <cs:spPr>
-      <a:solidFill>
-        <a:schemeClr val="phClr"/>
-      </a:solidFill>
       <a:ln w="9525">
         <a:solidFill>
           <a:schemeClr val="phClr"/>
@@ -1993,10 +1226,10 @@
     <cs:lnRef idx="0">
       <cs:styleClr val="auto"/>
     </cs:lnRef>
-    <cs:fillRef idx="1"/>
+    <cs:fillRef idx="0"/>
     <cs:effectRef idx="0"/>
     <cs:fontRef idx="minor">
-      <a:schemeClr val="tx1"/>
+      <a:schemeClr val="dk1"/>
     </cs:fontRef>
     <cs:spPr>
       <a:ln w="9525" cap="rnd">
@@ -2036,22 +1269,23 @@
     <cs:fillRef idx="0"/>
     <cs:effectRef idx="0"/>
     <cs:fontRef idx="minor">
-      <a:schemeClr val="dk1"/>
+      <a:schemeClr val="tx1"/>
     </cs:fontRef>
     <cs:spPr>
       <a:solidFill>
         <a:schemeClr val="dk1">
-          <a:lumMod val="65000"/>
-          <a:lumOff val="35000"/>
+          <a:lumMod val="75000"/>
+          <a:lumOff val="25000"/>
         </a:schemeClr>
       </a:solidFill>
-      <a:ln w="9525">
+      <a:ln w="9525" cap="flat" cmpd="sng" algn="ctr">
         <a:solidFill>
           <a:schemeClr val="tx1">
             <a:lumMod val="65000"/>
             <a:lumOff val="35000"/>
           </a:schemeClr>
         </a:solidFill>
+        <a:round/>
       </a:ln>
     </cs:spPr>
   </cs:downBar>
@@ -2156,8 +1390,8 @@
       <a:ln w="9525" cap="flat" cmpd="sng" algn="ctr">
         <a:solidFill>
           <a:schemeClr val="tx1">
-            <a:lumMod val="75000"/>
-            <a:lumOff val="25000"/>
+            <a:lumMod val="50000"/>
+            <a:lumOff val="50000"/>
           </a:schemeClr>
         </a:solidFill>
         <a:round/>
@@ -2289,19 +1523,20 @@
     <cs:fillRef idx="0"/>
     <cs:effectRef idx="0"/>
     <cs:fontRef idx="minor">
-      <a:schemeClr val="dk1"/>
+      <a:schemeClr val="tx1"/>
     </cs:fontRef>
     <cs:spPr>
       <a:solidFill>
         <a:schemeClr val="lt1"/>
       </a:solidFill>
-      <a:ln w="9525">
+      <a:ln w="9525" cap="flat" cmpd="sng" algn="ctr">
         <a:solidFill>
           <a:schemeClr val="tx1">
-            <a:lumMod val="15000"/>
-            <a:lumOff val="85000"/>
+            <a:lumMod val="65000"/>
+            <a:lumOff val="35000"/>
           </a:schemeClr>
         </a:solidFill>
+        <a:round/>
       </a:ln>
     </cs:spPr>
   </cs:upBar>
@@ -2315,6 +1550,17 @@
         <a:lumOff val="35000"/>
       </a:schemeClr>
     </cs:fontRef>
+    <cs:spPr>
+      <a:ln w="9525" cap="flat" cmpd="sng" algn="ctr">
+        <a:solidFill>
+          <a:schemeClr val="tx1">
+            <a:lumMod val="25000"/>
+            <a:lumOff val="75000"/>
+          </a:schemeClr>
+        </a:solidFill>
+        <a:round/>
+      </a:ln>
+    </cs:spPr>
     <cs:defRPr sz="900" kern="1200"/>
   </cs:valueAxis>
   <cs:wall>
@@ -2335,7 +1581,7 @@
 </file>
 
 <file path=ppt/charts/style2.xml><?xml version="1.0" encoding="utf-8"?>
-<cs:chartStyle xmlns:cs="http://schemas.microsoft.com/office/drawing/2012/chartStyle" xmlns:a="http://schemas.openxmlformats.org/drawingml/2006/main" id="227">
+<cs:chartStyle xmlns:cs="http://schemas.microsoft.com/office/drawing/2012/chartStyle" xmlns:a="http://schemas.openxmlformats.org/drawingml/2006/main" id="240">
   <cs:axisTitle>
     <cs:lnRef idx="0"/>
     <cs:fillRef idx="0"/>
@@ -2362,8 +1608,8 @@
       <a:ln w="9525" cap="flat" cmpd="sng" algn="ctr">
         <a:solidFill>
           <a:schemeClr val="tx1">
-            <a:lumMod val="15000"/>
-            <a:lumOff val="85000"/>
+            <a:lumMod val="25000"/>
+            <a:lumOff val="75000"/>
           </a:schemeClr>
         </a:solidFill>
         <a:round/>
@@ -2443,11 +1689,6 @@
     <cs:fontRef idx="minor">
       <a:schemeClr val="tx1"/>
     </cs:fontRef>
-    <cs:spPr>
-      <a:solidFill>
-        <a:schemeClr val="phClr"/>
-      </a:solidFill>
-    </cs:spPr>
   </cs:dataPoint>
   <cs:dataPoint3D>
     <cs:lnRef idx="0"/>
@@ -2458,11 +1699,6 @@
     <cs:fontRef idx="minor">
       <a:schemeClr val="tx1"/>
     </cs:fontRef>
-    <cs:spPr>
-      <a:solidFill>
-        <a:schemeClr val="phClr"/>
-      </a:solidFill>
-    </cs:spPr>
   </cs:dataPoint3D>
   <cs:dataPointLine>
     <cs:lnRef idx="0">
@@ -2474,7 +1710,7 @@
       <a:schemeClr val="tx1"/>
     </cs:fontRef>
     <cs:spPr>
-      <a:ln w="28575" cap="rnd">
+      <a:ln w="19050" cap="rnd">
         <a:solidFill>
           <a:schemeClr val="phClr"/>
         </a:solidFill>
@@ -2494,9 +1730,6 @@
       <a:schemeClr val="tx1"/>
     </cs:fontRef>
     <cs:spPr>
-      <a:solidFill>
-        <a:schemeClr val="phClr"/>
-      </a:solidFill>
       <a:ln w="9525">
         <a:solidFill>
           <a:schemeClr val="phClr"/>
@@ -2509,10 +1742,10 @@
     <cs:lnRef idx="0">
       <cs:styleClr val="auto"/>
     </cs:lnRef>
-    <cs:fillRef idx="1"/>
+    <cs:fillRef idx="0"/>
     <cs:effectRef idx="0"/>
     <cs:fontRef idx="minor">
-      <a:schemeClr val="tx1"/>
+      <a:schemeClr val="dk1"/>
     </cs:fontRef>
     <cs:spPr>
       <a:ln w="9525" cap="rnd">
@@ -2552,22 +1785,23 @@
     <cs:fillRef idx="0"/>
     <cs:effectRef idx="0"/>
     <cs:fontRef idx="minor">
-      <a:schemeClr val="dk1"/>
+      <a:schemeClr val="tx1"/>
     </cs:fontRef>
     <cs:spPr>
       <a:solidFill>
         <a:schemeClr val="dk1">
-          <a:lumMod val="65000"/>
-          <a:lumOff val="35000"/>
+          <a:lumMod val="75000"/>
+          <a:lumOff val="25000"/>
         </a:schemeClr>
       </a:solidFill>
-      <a:ln w="9525">
+      <a:ln w="9525" cap="flat" cmpd="sng" algn="ctr">
         <a:solidFill>
           <a:schemeClr val="tx1">
             <a:lumMod val="65000"/>
             <a:lumOff val="35000"/>
           </a:schemeClr>
         </a:solidFill>
+        <a:round/>
       </a:ln>
     </cs:spPr>
   </cs:downBar>
@@ -2672,8 +1906,8 @@
       <a:ln w="9525" cap="flat" cmpd="sng" algn="ctr">
         <a:solidFill>
           <a:schemeClr val="tx1">
-            <a:lumMod val="75000"/>
-            <a:lumOff val="25000"/>
+            <a:lumMod val="50000"/>
+            <a:lumOff val="50000"/>
           </a:schemeClr>
         </a:solidFill>
         <a:round/>
@@ -2805,19 +2039,20 @@
     <cs:fillRef idx="0"/>
     <cs:effectRef idx="0"/>
     <cs:fontRef idx="minor">
-      <a:schemeClr val="dk1"/>
+      <a:schemeClr val="tx1"/>
     </cs:fontRef>
     <cs:spPr>
       <a:solidFill>
         <a:schemeClr val="lt1"/>
       </a:solidFill>
-      <a:ln w="9525">
+      <a:ln w="9525" cap="flat" cmpd="sng" algn="ctr">
         <a:solidFill>
           <a:schemeClr val="tx1">
-            <a:lumMod val="15000"/>
-            <a:lumOff val="85000"/>
+            <a:lumMod val="65000"/>
+            <a:lumOff val="35000"/>
           </a:schemeClr>
         </a:solidFill>
+        <a:round/>
       </a:ln>
     </cs:spPr>
   </cs:upBar>
@@ -2831,6 +2066,17 @@
         <a:lumOff val="35000"/>
       </a:schemeClr>
     </cs:fontRef>
+    <cs:spPr>
+      <a:ln w="9525" cap="flat" cmpd="sng" algn="ctr">
+        <a:solidFill>
+          <a:schemeClr val="tx1">
+            <a:lumMod val="25000"/>
+            <a:lumOff val="75000"/>
+          </a:schemeClr>
+        </a:solidFill>
+        <a:round/>
+      </a:ln>
+    </cs:spPr>
     <cs:defRPr sz="900" kern="1200"/>
   </cs:valueAxis>
   <cs:wall>
@@ -8861,6 +8107,127 @@
 </p:sld>
 </file>
 
+<file path=ppt/slides/slide10.xml><?xml version="1.0" encoding="utf-8"?>
+<p:sld xmlns:a="http://schemas.openxmlformats.org/drawingml/2006/main" xmlns:r="http://schemas.openxmlformats.org/officeDocument/2006/relationships" xmlns:p="http://schemas.openxmlformats.org/presentationml/2006/main" showMasterSp="0">
+  <p:cSld>
+    <p:spTree>
+      <p:nvGrpSpPr>
+        <p:cNvPr id="1" name=""/>
+        <p:cNvGrpSpPr/>
+        <p:nvPr/>
+      </p:nvGrpSpPr>
+      <p:grpSpPr>
+        <a:xfrm>
+          <a:off x="0" y="0"/>
+          <a:ext cx="0" cy="0"/>
+          <a:chOff x="0" y="0"/>
+          <a:chExt cx="0" cy="0"/>
+        </a:xfrm>
+      </p:grpSpPr>
+      <p:sp>
+        <p:nvSpPr>
+          <p:cNvPr id="7" name="Titel 6">
+            <a:extLst>
+              <a:ext uri="{FF2B5EF4-FFF2-40B4-BE49-F238E27FC236}">
+                <a16:creationId xmlns:a16="http://schemas.microsoft.com/office/drawing/2014/main" id="{2E9369DC-5582-40EB-9408-9FBD80E5440F}"/>
+              </a:ext>
+            </a:extLst>
+          </p:cNvPr>
+          <p:cNvSpPr>
+            <a:spLocks noGrp="1"/>
+          </p:cNvSpPr>
+          <p:nvPr>
+            <p:ph type="title"/>
+          </p:nvPr>
+        </p:nvSpPr>
+        <p:spPr>
+          <a:xfrm>
+            <a:off x="913774" y="551234"/>
+            <a:ext cx="10364451" cy="1596177"/>
+          </a:xfrm>
+        </p:spPr>
+        <p:txBody>
+          <a:bodyPr/>
+          <a:lstStyle/>
+          <a:p>
+            <a:r>
+              <a:rPr lang="de-DE" dirty="0"/>
+              <a:t>Ergebnisse</a:t>
+            </a:r>
+          </a:p>
+        </p:txBody>
+      </p:sp>
+      <p:graphicFrame>
+        <p:nvGraphicFramePr>
+          <p:cNvPr id="5" name="Diagramm 4">
+            <a:extLst>
+              <a:ext uri="{FF2B5EF4-FFF2-40B4-BE49-F238E27FC236}">
+                <a16:creationId xmlns:a16="http://schemas.microsoft.com/office/drawing/2014/main" id="{74658D1F-3157-4623-B5FB-8249AEC7C5AB}"/>
+              </a:ext>
+            </a:extLst>
+          </p:cNvPr>
+          <p:cNvGraphicFramePr/>
+          <p:nvPr>
+            <p:extLst>
+              <p:ext uri="{D42A27DB-BD31-4B8C-83A1-F6EECF244321}">
+                <p14:modId xmlns:p14="http://schemas.microsoft.com/office/powerpoint/2010/main" val="939206995"/>
+              </p:ext>
+            </p:extLst>
+          </p:nvPr>
+        </p:nvGraphicFramePr>
+        <p:xfrm>
+          <a:off x="1980890" y="1261393"/>
+          <a:ext cx="8230218" cy="5437044"/>
+        </p:xfrm>
+        <a:graphic>
+          <a:graphicData uri="http://schemas.openxmlformats.org/drawingml/2006/chart">
+            <c:chart xmlns:c="http://schemas.openxmlformats.org/drawingml/2006/chart" xmlns:r="http://schemas.openxmlformats.org/officeDocument/2006/relationships" r:id="rId2"/>
+          </a:graphicData>
+        </a:graphic>
+      </p:graphicFrame>
+    </p:spTree>
+    <p:extLst>
+      <p:ext uri="{BB962C8B-B14F-4D97-AF65-F5344CB8AC3E}">
+        <p14:creationId xmlns:p14="http://schemas.microsoft.com/office/powerpoint/2010/main" val="4004050590"/>
+      </p:ext>
+    </p:extLst>
+  </p:cSld>
+  <p:clrMapOvr>
+    <a:masterClrMapping/>
+  </p:clrMapOvr>
+</p:sld>
+</file>
+
+<file path=ppt/slides/slide11.xml><?xml version="1.0" encoding="utf-8"?>
+<p:sld xmlns:a="http://schemas.openxmlformats.org/drawingml/2006/main" xmlns:r="http://schemas.openxmlformats.org/officeDocument/2006/relationships" xmlns:p="http://schemas.openxmlformats.org/presentationml/2006/main" showMasterSp="0">
+  <p:cSld>
+    <p:spTree>
+      <p:nvGrpSpPr>
+        <p:cNvPr id="1" name=""/>
+        <p:cNvGrpSpPr/>
+        <p:nvPr/>
+      </p:nvGrpSpPr>
+      <p:grpSpPr>
+        <a:xfrm>
+          <a:off x="0" y="0"/>
+          <a:ext cx="0" cy="0"/>
+          <a:chOff x="0" y="0"/>
+          <a:chExt cx="0" cy="0"/>
+        </a:xfrm>
+      </p:grpSpPr>
+    </p:spTree>
+    <p:extLst>
+      <p:ext uri="{BB962C8B-B14F-4D97-AF65-F5344CB8AC3E}">
+        <p14:creationId xmlns:p14="http://schemas.microsoft.com/office/powerpoint/2010/main" val="1862154658"/>
+      </p:ext>
+    </p:extLst>
+  </p:cSld>
+  <p:clrMapOvr>
+    <a:masterClrMapping/>
+  </p:clrMapOvr>
+</p:sld>
+</file>
+
 <file path=ppt/slides/slide2.xml><?xml version="1.0" encoding="utf-8"?>
 <p:sld xmlns:a="http://schemas.openxmlformats.org/drawingml/2006/main" xmlns:r="http://schemas.openxmlformats.org/officeDocument/2006/relationships" xmlns:p="http://schemas.openxmlformats.org/presentationml/2006/main" showMasterSp="0">
   <p:cSld>
@@ -9139,8 +8506,13 @@
             </a:pPr>
             <a:r>
               <a:rPr lang="de-DE" dirty="0"/>
-              <a:t>	H = Min</a:t>
-            </a:r>
+              <a:t>	H = Min laut </a:t>
+            </a:r>
+            <a:r>
+              <a:rPr lang="de-DE" dirty="0" err="1"/>
+              <a:t>Entf</a:t>
+            </a:r>
+            <a:endParaRPr lang="de-DE" dirty="0"/>
           </a:p>
           <a:p>
             <a:pPr marL="0" indent="0">
@@ -9329,28 +8701,6 @@
               <a:t>}, …]</a:t>
             </a:r>
           </a:p>
-          <a:p>
-            <a:pPr marL="457200" indent="-457200">
-              <a:buAutoNum type="arabicParenR"/>
-            </a:pPr>
-            <a:r>
-              <a:rPr lang="de-DE" dirty="0" err="1"/>
-              <a:t>Graph:delete_vertex</a:t>
-            </a:r>
-            <a:r>
-              <a:rPr lang="de-DE" dirty="0"/>
-              <a:t>(H)</a:t>
-            </a:r>
-          </a:p>
-          <a:p>
-            <a:pPr marL="457200" indent="-457200">
-              <a:buAutoNum type="arabicParenR"/>
-            </a:pPr>
-            <a:r>
-              <a:rPr lang="de-DE" dirty="0"/>
-              <a:t>MIN-heap</a:t>
-            </a:r>
-          </a:p>
         </p:txBody>
       </p:sp>
       <p:sp>
@@ -9413,34 +8763,6 @@
       </p:grpSpPr>
       <p:sp>
         <p:nvSpPr>
-          <p:cNvPr id="2" name="Titel 1">
-            <a:extLst>
-              <a:ext uri="{FF2B5EF4-FFF2-40B4-BE49-F238E27FC236}">
-                <a16:creationId xmlns:a16="http://schemas.microsoft.com/office/drawing/2014/main" id="{BEE24269-2AF5-4FF4-82E4-039F7989B722}"/>
-              </a:ext>
-            </a:extLst>
-          </p:cNvPr>
-          <p:cNvSpPr>
-            <a:spLocks noGrp="1"/>
-          </p:cNvSpPr>
-          <p:nvPr>
-            <p:ph type="title"/>
-          </p:nvPr>
-        </p:nvSpPr>
-        <p:spPr/>
-        <p:txBody>
-          <a:bodyPr/>
-          <a:lstStyle/>
-          <a:p>
-            <a:r>
-              <a:rPr lang="de-DE" dirty="0"/>
-              <a:t>Bellmann-Ford</a:t>
-            </a:r>
-          </a:p>
-        </p:txBody>
-      </p:sp>
-      <p:sp>
-        <p:nvSpPr>
           <p:cNvPr id="3" name="Inhaltsplatzhalter 2">
             <a:extLst>
               <a:ext uri="{FF2B5EF4-FFF2-40B4-BE49-F238E27FC236}">
@@ -9457,31 +8779,28 @@
         </p:nvSpPr>
         <p:spPr>
           <a:xfrm>
-            <a:off x="913774" y="1779104"/>
-            <a:ext cx="10363826" cy="5078896"/>
+            <a:off x="913774" y="2367092"/>
+            <a:ext cx="10363826" cy="3424107"/>
           </a:xfrm>
         </p:spPr>
         <p:txBody>
-          <a:bodyPr>
-            <a:normAutofit/>
-          </a:bodyPr>
+          <a:bodyPr/>
           <a:lstStyle/>
           <a:p>
-            <a:pPr marL="0" indent="0">
-              <a:buNone/>
+            <a:pPr marL="457200" indent="-457200">
+              <a:buAutoNum type="arabicParenR"/>
             </a:pPr>
             <a:r>
               <a:rPr lang="de-DE" dirty="0"/>
-              <a:t>Vorbereitung:</a:t>
-            </a:r>
-          </a:p>
-          <a:p>
-            <a:pPr marL="0" indent="0">
-              <a:buNone/>
-            </a:pPr>
+              <a:t>Statt OK, </a:t>
+            </a:r>
+            <a:r>
+              <a:rPr lang="de-DE" dirty="0" err="1"/>
+              <a:t>Entf</a:t>
+            </a:r>
             <a:r>
               <a:rPr lang="de-DE" dirty="0"/>
-              <a:t>	</a:t>
+              <a:t>, </a:t>
             </a:r>
             <a:r>
               <a:rPr lang="de-DE" dirty="0" err="1"/>
@@ -9489,11 +8808,11 @@
             </a:r>
             <a:r>
               <a:rPr lang="de-DE" dirty="0"/>
-              <a:t> = [Start, </a:t>
+              <a:t> -&gt; [{V, </a:t>
             </a:r>
             <a:r>
               <a:rPr lang="de-DE" dirty="0" err="1"/>
-              <a:t>undef</a:t>
+              <a:t>Entf</a:t>
             </a:r>
             <a:r>
               <a:rPr lang="de-DE" dirty="0"/>
@@ -9501,11 +8820,11 @@
             </a:r>
             <a:r>
               <a:rPr lang="de-DE" dirty="0" err="1"/>
-              <a:t>undef</a:t>
+              <a:t>Vorg</a:t>
             </a:r>
             <a:r>
               <a:rPr lang="de-DE" dirty="0"/>
-              <a:t>, …]</a:t>
+              <a:t>}, …]</a:t>
             </a:r>
           </a:p>
           <a:p>
@@ -9514,91 +8833,52 @@
             </a:pPr>
             <a:r>
               <a:rPr lang="de-DE" dirty="0"/>
-              <a:t>	</a:t>
+              <a:t>	-&gt; [{11, 0, 11}, 22, 33, 44, 55]</a:t>
+            </a:r>
+          </a:p>
+          <a:p>
+            <a:pPr marL="0" indent="0">
+              <a:buNone/>
+            </a:pPr>
+            <a:r>
+              <a:rPr lang="de-DE" dirty="0"/>
+              <a:t>	V statt {V, Infinite, </a:t>
             </a:r>
             <a:r>
               <a:rPr lang="de-DE" dirty="0" err="1"/>
-              <a:t>Entf</a:t>
+              <a:t>Undef</a:t>
             </a:r>
             <a:r>
               <a:rPr lang="de-DE" dirty="0"/>
-              <a:t> = [0, infinite, infinite, …]</a:t>
-            </a:r>
-          </a:p>
-          <a:p>
-            <a:pPr marL="0" indent="0">
-              <a:buNone/>
-            </a:pPr>
+              <a:t>}</a:t>
+            </a:r>
+          </a:p>
+        </p:txBody>
+      </p:sp>
+      <p:sp>
+        <p:nvSpPr>
+          <p:cNvPr id="5" name="Titel 4">
+            <a:extLst>
+              <a:ext uri="{FF2B5EF4-FFF2-40B4-BE49-F238E27FC236}">
+                <a16:creationId xmlns:a16="http://schemas.microsoft.com/office/drawing/2014/main" id="{02FF8566-E039-4AC4-A451-9FB04C5E4F62}"/>
+              </a:ext>
+            </a:extLst>
+          </p:cNvPr>
+          <p:cNvSpPr>
+            <a:spLocks noGrp="1"/>
+          </p:cNvSpPr>
+          <p:nvPr>
+            <p:ph type="title"/>
+          </p:nvPr>
+        </p:nvSpPr>
+        <p:spPr/>
+        <p:txBody>
+          <a:bodyPr/>
+          <a:lstStyle/>
+          <a:p>
             <a:r>
               <a:rPr lang="de-DE" dirty="0"/>
-              <a:t>Iteration:</a:t>
-            </a:r>
-          </a:p>
-          <a:p>
-            <a:pPr marL="0" indent="0">
-              <a:buNone/>
-            </a:pPr>
-            <a:r>
-              <a:rPr lang="de-DE" dirty="0"/>
-              <a:t>	|V| - 1 mal {</a:t>
-            </a:r>
-          </a:p>
-          <a:p>
-            <a:pPr marL="0" indent="0">
-              <a:buNone/>
-            </a:pPr>
-            <a:r>
-              <a:rPr lang="de-DE" dirty="0"/>
-              <a:t>		Update für alle Vertices</a:t>
-            </a:r>
-          </a:p>
-          <a:p>
-            <a:pPr marL="0" indent="0">
-              <a:buNone/>
-            </a:pPr>
-            <a:r>
-              <a:rPr lang="de-DE" dirty="0"/>
-              <a:t>	}</a:t>
-            </a:r>
-          </a:p>
-          <a:p>
-            <a:pPr marL="0" indent="0">
-              <a:buNone/>
-            </a:pPr>
-            <a:r>
-              <a:rPr lang="de-DE" dirty="0"/>
-              <a:t>	Für alle </a:t>
-            </a:r>
-            <a:r>
-              <a:rPr lang="de-DE" dirty="0" err="1"/>
-              <a:t>Edges</a:t>
-            </a:r>
-            <a:r>
-              <a:rPr lang="de-DE" dirty="0"/>
-              <a:t> {</a:t>
-            </a:r>
-          </a:p>
-          <a:p>
-            <a:pPr marL="0" indent="0">
-              <a:buNone/>
-            </a:pPr>
-            <a:r>
-              <a:rPr lang="de-DE" dirty="0"/>
-              <a:t>		 </a:t>
-            </a:r>
-            <a:r>
-              <a:rPr lang="de-DE" dirty="0" err="1"/>
-              <a:t>ChecK</a:t>
-            </a:r>
-            <a:endParaRPr lang="de-DE" dirty="0"/>
-          </a:p>
-          <a:p>
-            <a:pPr marL="0" indent="0">
-              <a:buNone/>
-            </a:pPr>
-            <a:r>
-              <a:rPr lang="de-DE" dirty="0"/>
-              <a:t>	}</a:t>
+              <a:t>Ideen</a:t>
             </a:r>
           </a:p>
         </p:txBody>
@@ -9606,7 +8886,7 @@
     </p:spTree>
     <p:extLst>
       <p:ext uri="{BB962C8B-B14F-4D97-AF65-F5344CB8AC3E}">
-        <p14:creationId xmlns:p14="http://schemas.microsoft.com/office/powerpoint/2010/main" val="963123045"/>
+        <p14:creationId xmlns:p14="http://schemas.microsoft.com/office/powerpoint/2010/main" val="2313698630"/>
       </p:ext>
     </p:extLst>
   </p:cSld>
@@ -9635,34 +8915,6 @@
       </p:grpSpPr>
       <p:sp>
         <p:nvSpPr>
-          <p:cNvPr id="2" name="Titel 1">
-            <a:extLst>
-              <a:ext uri="{FF2B5EF4-FFF2-40B4-BE49-F238E27FC236}">
-                <a16:creationId xmlns:a16="http://schemas.microsoft.com/office/drawing/2014/main" id="{BEE24269-2AF5-4FF4-82E4-039F7989B722}"/>
-              </a:ext>
-            </a:extLst>
-          </p:cNvPr>
-          <p:cNvSpPr>
-            <a:spLocks noGrp="1"/>
-          </p:cNvSpPr>
-          <p:nvPr>
-            <p:ph type="title"/>
-          </p:nvPr>
-        </p:nvSpPr>
-        <p:spPr/>
-        <p:txBody>
-          <a:bodyPr/>
-          <a:lstStyle/>
-          <a:p>
-            <a:r>
-              <a:rPr lang="de-DE" dirty="0"/>
-              <a:t>Ideen</a:t>
-            </a:r>
-          </a:p>
-        </p:txBody>
-      </p:sp>
-      <p:sp>
-        <p:nvSpPr>
           <p:cNvPr id="3" name="Inhaltsplatzhalter 2">
             <a:extLst>
               <a:ext uri="{FF2B5EF4-FFF2-40B4-BE49-F238E27FC236}">
@@ -9679,14 +8931,12 @@
         </p:nvSpPr>
         <p:spPr>
           <a:xfrm>
-            <a:off x="913774" y="1779104"/>
-            <a:ext cx="10363826" cy="5078896"/>
+            <a:off x="913774" y="2367092"/>
+            <a:ext cx="10363826" cy="3424107"/>
           </a:xfrm>
         </p:spPr>
         <p:txBody>
-          <a:bodyPr>
-            <a:normAutofit/>
-          </a:bodyPr>
+          <a:bodyPr/>
           <a:lstStyle/>
           <a:p>
             <a:pPr marL="457200" indent="-457200">
@@ -9694,7 +8944,7 @@
             </a:pPr>
             <a:r>
               <a:rPr lang="de-DE" dirty="0"/>
-              <a:t>Statt </a:t>
+              <a:t>Statt OK, </a:t>
             </a:r>
             <a:r>
               <a:rPr lang="de-DE" dirty="0" err="1"/>
@@ -9702,15 +8952,15 @@
             </a:r>
             <a:r>
               <a:rPr lang="de-DE" dirty="0"/>
-              <a:t> und </a:t>
+              <a:t>, </a:t>
             </a:r>
             <a:r>
               <a:rPr lang="de-DE" dirty="0" err="1"/>
-              <a:t>vorg</a:t>
+              <a:t>Vorg</a:t>
             </a:r>
             <a:r>
               <a:rPr lang="de-DE" dirty="0"/>
-              <a:t> -&gt; [{Vertex, </a:t>
+              <a:t> -&gt; [{V, </a:t>
             </a:r>
             <a:r>
               <a:rPr lang="de-DE" dirty="0" err="1"/>
@@ -9734,22 +8984,13 @@
               <a:buAutoNum type="arabicParenR"/>
             </a:pPr>
             <a:r>
+              <a:rPr lang="de-DE" dirty="0" err="1"/>
+              <a:t>Graph:delete_vertex</a:t>
+            </a:r>
+            <a:r>
               <a:rPr lang="de-DE" dirty="0"/>
-              <a:t>Vertices, </a:t>
-            </a:r>
-            <a:r>
-              <a:rPr lang="de-DE" dirty="0" err="1"/>
-              <a:t>Edges</a:t>
-            </a:r>
-            <a:r>
-              <a:rPr lang="de-DE" dirty="0"/>
-              <a:t> </a:t>
-            </a:r>
-            <a:r>
-              <a:rPr lang="de-DE" dirty="0" err="1"/>
-              <a:t>delete</a:t>
-            </a:r>
-            <a:endParaRPr lang="de-DE" dirty="0"/>
+              <a:t>(H)</a:t>
+            </a:r>
           </a:p>
           <a:p>
             <a:pPr marL="457200" indent="-457200">
@@ -9757,15 +8998,35 @@
             </a:pPr>
             <a:r>
               <a:rPr lang="de-DE" dirty="0"/>
-              <a:t>Falls V mit </a:t>
-            </a:r>
-            <a:r>
-              <a:rPr lang="de-DE" dirty="0" err="1"/>
-              <a:t>Entf</a:t>
-            </a:r>
+              <a:t>MIN-heap</a:t>
+            </a:r>
+          </a:p>
+        </p:txBody>
+      </p:sp>
+      <p:sp>
+        <p:nvSpPr>
+          <p:cNvPr id="5" name="Titel 4">
+            <a:extLst>
+              <a:ext uri="{FF2B5EF4-FFF2-40B4-BE49-F238E27FC236}">
+                <a16:creationId xmlns:a16="http://schemas.microsoft.com/office/drawing/2014/main" id="{02FF8566-E039-4AC4-A451-9FB04C5E4F62}"/>
+              </a:ext>
+            </a:extLst>
+          </p:cNvPr>
+          <p:cNvSpPr>
+            <a:spLocks noGrp="1"/>
+          </p:cNvSpPr>
+          <p:nvPr>
+            <p:ph type="title"/>
+          </p:nvPr>
+        </p:nvSpPr>
+        <p:spPr/>
+        <p:txBody>
+          <a:bodyPr/>
+          <a:lstStyle/>
+          <a:p>
             <a:r>
               <a:rPr lang="de-DE" dirty="0"/>
-              <a:t> = infinite -&gt; keine Aktualisierungen</a:t>
+              <a:t>Ideen</a:t>
             </a:r>
           </a:p>
         </p:txBody>
@@ -9773,7 +9034,7 @@
     </p:spTree>
     <p:extLst>
       <p:ext uri="{BB962C8B-B14F-4D97-AF65-F5344CB8AC3E}">
-        <p14:creationId xmlns:p14="http://schemas.microsoft.com/office/powerpoint/2010/main" val="2117553602"/>
+        <p14:creationId xmlns:p14="http://schemas.microsoft.com/office/powerpoint/2010/main" val="2441638888"/>
       </p:ext>
     </p:extLst>
   </p:cSld>
@@ -9802,10 +9063,10 @@
       </p:grpSpPr>
       <p:sp>
         <p:nvSpPr>
-          <p:cNvPr id="7" name="Titel 6">
+          <p:cNvPr id="2" name="Titel 1">
             <a:extLst>
               <a:ext uri="{FF2B5EF4-FFF2-40B4-BE49-F238E27FC236}">
-                <a16:creationId xmlns:a16="http://schemas.microsoft.com/office/drawing/2014/main" id="{2E9369DC-5582-40EB-9408-9FBD80E5440F}"/>
+                <a16:creationId xmlns:a16="http://schemas.microsoft.com/office/drawing/2014/main" id="{BEE24269-2AF5-4FF4-82E4-039F7989B722}"/>
               </a:ext>
             </a:extLst>
           </p:cNvPr>
@@ -9816,55 +9077,186 @@
             <p:ph type="title"/>
           </p:nvPr>
         </p:nvSpPr>
-        <p:spPr>
-          <a:xfrm>
-            <a:off x="913775" y="618517"/>
-            <a:ext cx="10364451" cy="1596177"/>
-          </a:xfrm>
-        </p:spPr>
+        <p:spPr/>
         <p:txBody>
           <a:bodyPr/>
           <a:lstStyle/>
           <a:p>
             <a:r>
               <a:rPr lang="de-DE" dirty="0"/>
-              <a:t>Ergebnisse</a:t>
-            </a:r>
-          </a:p>
-        </p:txBody>
-      </p:sp>
-      <p:graphicFrame>
-        <p:nvGraphicFramePr>
-          <p:cNvPr id="8" name="Diagramm 7">
+              <a:t>Bellmann-Ford</a:t>
+            </a:r>
+          </a:p>
+        </p:txBody>
+      </p:sp>
+      <p:sp>
+        <p:nvSpPr>
+          <p:cNvPr id="3" name="Inhaltsplatzhalter 2">
             <a:extLst>
               <a:ext uri="{FF2B5EF4-FFF2-40B4-BE49-F238E27FC236}">
-                <a16:creationId xmlns:a16="http://schemas.microsoft.com/office/drawing/2014/main" id="{C3D48A87-044E-4286-929D-C1D81851146A}"/>
+                <a16:creationId xmlns:a16="http://schemas.microsoft.com/office/drawing/2014/main" id="{88332654-BAE8-44AD-8601-188C067689FB}"/>
               </a:ext>
             </a:extLst>
           </p:cNvPr>
-          <p:cNvGraphicFramePr/>
-          <p:nvPr>
-            <p:extLst>
-              <p:ext uri="{D42A27DB-BD31-4B8C-83A1-F6EECF244321}">
-                <p14:modId xmlns:p14="http://schemas.microsoft.com/office/powerpoint/2010/main" val="2498778918"/>
-              </p:ext>
-            </p:extLst>
-          </p:nvPr>
-        </p:nvGraphicFramePr>
-        <p:xfrm>
-          <a:off x="1384539" y="2212403"/>
-          <a:ext cx="9422922" cy="4414706"/>
-        </p:xfrm>
-        <a:graphic>
-          <a:graphicData uri="http://schemas.openxmlformats.org/drawingml/2006/chart">
-            <c:chart xmlns:c="http://schemas.openxmlformats.org/drawingml/2006/chart" xmlns:r="http://schemas.openxmlformats.org/officeDocument/2006/relationships" r:id="rId2"/>
-          </a:graphicData>
-        </a:graphic>
-      </p:graphicFrame>
+          <p:cNvSpPr>
+            <a:spLocks noGrp="1"/>
+          </p:cNvSpPr>
+          <p:nvPr>
+            <p:ph sz="quarter" idx="13"/>
+          </p:nvPr>
+        </p:nvSpPr>
+        <p:spPr>
+          <a:xfrm>
+            <a:off x="913774" y="1779104"/>
+            <a:ext cx="10363826" cy="5078896"/>
+          </a:xfrm>
+        </p:spPr>
+        <p:txBody>
+          <a:bodyPr>
+            <a:normAutofit/>
+          </a:bodyPr>
+          <a:lstStyle/>
+          <a:p>
+            <a:pPr marL="0" indent="0">
+              <a:buNone/>
+            </a:pPr>
+            <a:r>
+              <a:rPr lang="de-DE" dirty="0"/>
+              <a:t>Vorbereitung:</a:t>
+            </a:r>
+          </a:p>
+          <a:p>
+            <a:pPr marL="0" indent="0">
+              <a:buNone/>
+            </a:pPr>
+            <a:r>
+              <a:rPr lang="de-DE" dirty="0"/>
+              <a:t>	</a:t>
+            </a:r>
+            <a:r>
+              <a:rPr lang="de-DE" dirty="0" err="1"/>
+              <a:t>Vorg</a:t>
+            </a:r>
+            <a:r>
+              <a:rPr lang="de-DE" dirty="0"/>
+              <a:t> = [Start, </a:t>
+            </a:r>
+            <a:r>
+              <a:rPr lang="de-DE" dirty="0" err="1"/>
+              <a:t>undef</a:t>
+            </a:r>
+            <a:r>
+              <a:rPr lang="de-DE" dirty="0"/>
+              <a:t>, </a:t>
+            </a:r>
+            <a:r>
+              <a:rPr lang="de-DE" dirty="0" err="1"/>
+              <a:t>undef</a:t>
+            </a:r>
+            <a:r>
+              <a:rPr lang="de-DE" dirty="0"/>
+              <a:t>, …]</a:t>
+            </a:r>
+          </a:p>
+          <a:p>
+            <a:pPr marL="0" indent="0">
+              <a:buNone/>
+            </a:pPr>
+            <a:r>
+              <a:rPr lang="de-DE" dirty="0"/>
+              <a:t>	</a:t>
+            </a:r>
+            <a:r>
+              <a:rPr lang="de-DE" dirty="0" err="1"/>
+              <a:t>Entf</a:t>
+            </a:r>
+            <a:r>
+              <a:rPr lang="de-DE" dirty="0"/>
+              <a:t> = [0, infinite, infinite, …]</a:t>
+            </a:r>
+          </a:p>
+          <a:p>
+            <a:pPr marL="0" indent="0">
+              <a:buNone/>
+            </a:pPr>
+            <a:r>
+              <a:rPr lang="de-DE" dirty="0"/>
+              <a:t>Iteration:</a:t>
+            </a:r>
+          </a:p>
+          <a:p>
+            <a:pPr marL="0" indent="0">
+              <a:buNone/>
+            </a:pPr>
+            <a:r>
+              <a:rPr lang="de-DE" dirty="0"/>
+              <a:t>	|V| - 1 mal {</a:t>
+            </a:r>
+          </a:p>
+          <a:p>
+            <a:pPr marL="0" indent="0">
+              <a:buNone/>
+            </a:pPr>
+            <a:r>
+              <a:rPr lang="de-DE" dirty="0"/>
+              <a:t>		Update für alle Vertices</a:t>
+            </a:r>
+          </a:p>
+          <a:p>
+            <a:pPr marL="0" indent="0">
+              <a:buNone/>
+            </a:pPr>
+            <a:r>
+              <a:rPr lang="de-DE" dirty="0"/>
+              <a:t>	}</a:t>
+            </a:r>
+          </a:p>
+          <a:p>
+            <a:pPr marL="0" indent="0">
+              <a:buNone/>
+            </a:pPr>
+            <a:r>
+              <a:rPr lang="de-DE" dirty="0"/>
+              <a:t>	Für alle </a:t>
+            </a:r>
+            <a:r>
+              <a:rPr lang="de-DE" dirty="0" err="1"/>
+              <a:t>Edges</a:t>
+            </a:r>
+            <a:r>
+              <a:rPr lang="de-DE" dirty="0"/>
+              <a:t> {</a:t>
+            </a:r>
+          </a:p>
+          <a:p>
+            <a:pPr marL="0" indent="0">
+              <a:buNone/>
+            </a:pPr>
+            <a:r>
+              <a:rPr lang="de-DE" dirty="0"/>
+              <a:t>		 </a:t>
+            </a:r>
+            <a:r>
+              <a:rPr lang="de-DE" dirty="0" err="1"/>
+              <a:t>ChecK</a:t>
+            </a:r>
+            <a:endParaRPr lang="de-DE" dirty="0"/>
+          </a:p>
+          <a:p>
+            <a:pPr marL="0" indent="0">
+              <a:buNone/>
+            </a:pPr>
+            <a:r>
+              <a:rPr lang="de-DE" dirty="0"/>
+              <a:t>	}</a:t>
+            </a:r>
+          </a:p>
+        </p:txBody>
+      </p:sp>
     </p:spTree>
     <p:extLst>
       <p:ext uri="{BB962C8B-B14F-4D97-AF65-F5344CB8AC3E}">
-        <p14:creationId xmlns:p14="http://schemas.microsoft.com/office/powerpoint/2010/main" val="3650486587"/>
+        <p14:creationId xmlns:p14="http://schemas.microsoft.com/office/powerpoint/2010/main" val="963123045"/>
       </p:ext>
     </p:extLst>
   </p:cSld>
@@ -9893,10 +9285,10 @@
       </p:grpSpPr>
       <p:sp>
         <p:nvSpPr>
-          <p:cNvPr id="7" name="Titel 6">
+          <p:cNvPr id="2" name="Titel 1">
             <a:extLst>
               <a:ext uri="{FF2B5EF4-FFF2-40B4-BE49-F238E27FC236}">
-                <a16:creationId xmlns:a16="http://schemas.microsoft.com/office/drawing/2014/main" id="{2E9369DC-5582-40EB-9408-9FBD80E5440F}"/>
+                <a16:creationId xmlns:a16="http://schemas.microsoft.com/office/drawing/2014/main" id="{BEE24269-2AF5-4FF4-82E4-039F7989B722}"/>
               </a:ext>
             </a:extLst>
           </p:cNvPr>
@@ -9907,57 +9299,131 @@
             <p:ph type="title"/>
           </p:nvPr>
         </p:nvSpPr>
-        <p:spPr>
-          <a:xfrm>
-            <a:off x="913774" y="551234"/>
-            <a:ext cx="10364451" cy="1596177"/>
-          </a:xfrm>
-        </p:spPr>
+        <p:spPr/>
         <p:txBody>
           <a:bodyPr/>
           <a:lstStyle/>
           <a:p>
             <a:r>
               <a:rPr lang="de-DE" dirty="0"/>
-              <a:t>Ergebnisse</a:t>
-            </a:r>
-          </a:p>
-        </p:txBody>
-      </p:sp>
-      <p:graphicFrame>
-        <p:nvGraphicFramePr>
-          <p:cNvPr id="4" name="Diagramm 3">
+              <a:t>Ideen</a:t>
+            </a:r>
+          </a:p>
+        </p:txBody>
+      </p:sp>
+      <p:sp>
+        <p:nvSpPr>
+          <p:cNvPr id="3" name="Inhaltsplatzhalter 2">
             <a:extLst>
               <a:ext uri="{FF2B5EF4-FFF2-40B4-BE49-F238E27FC236}">
-                <a16:creationId xmlns:a16="http://schemas.microsoft.com/office/drawing/2014/main" id="{AE97CA18-5C02-44FE-9B75-88FB8AC0DF2D}"/>
+                <a16:creationId xmlns:a16="http://schemas.microsoft.com/office/drawing/2014/main" id="{88332654-BAE8-44AD-8601-188C067689FB}"/>
               </a:ext>
             </a:extLst>
           </p:cNvPr>
-          <p:cNvGraphicFramePr>
-            <a:graphicFrameLocks/>
-          </p:cNvGraphicFramePr>
-          <p:nvPr>
-            <p:extLst>
-              <p:ext uri="{D42A27DB-BD31-4B8C-83A1-F6EECF244321}">
-                <p14:modId xmlns:p14="http://schemas.microsoft.com/office/powerpoint/2010/main" val="3091944111"/>
-              </p:ext>
-            </p:extLst>
-          </p:nvPr>
-        </p:nvGraphicFramePr>
-        <p:xfrm>
-          <a:off x="1534455" y="2147411"/>
-          <a:ext cx="9123087" cy="4645597"/>
-        </p:xfrm>
-        <a:graphic>
-          <a:graphicData uri="http://schemas.openxmlformats.org/drawingml/2006/chart">
-            <c:chart xmlns:c="http://schemas.openxmlformats.org/drawingml/2006/chart" xmlns:r="http://schemas.openxmlformats.org/officeDocument/2006/relationships" r:id="rId2"/>
-          </a:graphicData>
-        </a:graphic>
-      </p:graphicFrame>
+          <p:cNvSpPr>
+            <a:spLocks noGrp="1"/>
+          </p:cNvSpPr>
+          <p:nvPr>
+            <p:ph sz="quarter" idx="13"/>
+          </p:nvPr>
+        </p:nvSpPr>
+        <p:spPr>
+          <a:xfrm>
+            <a:off x="913774" y="1779104"/>
+            <a:ext cx="10363826" cy="5078896"/>
+          </a:xfrm>
+        </p:spPr>
+        <p:txBody>
+          <a:bodyPr>
+            <a:normAutofit/>
+          </a:bodyPr>
+          <a:lstStyle/>
+          <a:p>
+            <a:pPr marL="457200" indent="-457200">
+              <a:buAutoNum type="arabicParenR"/>
+            </a:pPr>
+            <a:r>
+              <a:rPr lang="de-DE" dirty="0"/>
+              <a:t>Statt </a:t>
+            </a:r>
+            <a:r>
+              <a:rPr lang="de-DE" dirty="0" err="1"/>
+              <a:t>Entf</a:t>
+            </a:r>
+            <a:r>
+              <a:rPr lang="de-DE" dirty="0"/>
+              <a:t> und </a:t>
+            </a:r>
+            <a:r>
+              <a:rPr lang="de-DE" dirty="0" err="1"/>
+              <a:t>vorg</a:t>
+            </a:r>
+            <a:r>
+              <a:rPr lang="de-DE" dirty="0"/>
+              <a:t> -&gt; [{Vertex, </a:t>
+            </a:r>
+            <a:r>
+              <a:rPr lang="de-DE" dirty="0" err="1"/>
+              <a:t>Entf</a:t>
+            </a:r>
+            <a:r>
+              <a:rPr lang="de-DE" dirty="0"/>
+              <a:t>, </a:t>
+            </a:r>
+            <a:r>
+              <a:rPr lang="de-DE" dirty="0" err="1"/>
+              <a:t>Vorg</a:t>
+            </a:r>
+            <a:r>
+              <a:rPr lang="de-DE" dirty="0"/>
+              <a:t>}, …]</a:t>
+            </a:r>
+          </a:p>
+          <a:p>
+            <a:pPr marL="457200" indent="-457200">
+              <a:buAutoNum type="arabicParenR"/>
+            </a:pPr>
+            <a:r>
+              <a:rPr lang="de-DE" dirty="0"/>
+              <a:t>Vertices, </a:t>
+            </a:r>
+            <a:r>
+              <a:rPr lang="de-DE" dirty="0" err="1"/>
+              <a:t>Edges</a:t>
+            </a:r>
+            <a:r>
+              <a:rPr lang="de-DE" dirty="0"/>
+              <a:t> </a:t>
+            </a:r>
+            <a:r>
+              <a:rPr lang="de-DE" dirty="0" err="1"/>
+              <a:t>delete</a:t>
+            </a:r>
+            <a:endParaRPr lang="de-DE" dirty="0"/>
+          </a:p>
+          <a:p>
+            <a:pPr marL="457200" indent="-457200">
+              <a:buAutoNum type="arabicParenR"/>
+            </a:pPr>
+            <a:r>
+              <a:rPr lang="de-DE" dirty="0"/>
+              <a:t>Falls V mit </a:t>
+            </a:r>
+            <a:r>
+              <a:rPr lang="de-DE" dirty="0" err="1"/>
+              <a:t>Entf</a:t>
+            </a:r>
+            <a:r>
+              <a:rPr lang="de-DE" dirty="0"/>
+              <a:t> = infinite -&gt; keine Aktualisierungen</a:t>
+            </a:r>
+          </a:p>
+        </p:txBody>
+      </p:sp>
     </p:spTree>
     <p:extLst>
       <p:ext uri="{BB962C8B-B14F-4D97-AF65-F5344CB8AC3E}">
-        <p14:creationId xmlns:p14="http://schemas.microsoft.com/office/powerpoint/2010/main" val="4004050590"/>
+        <p14:creationId xmlns:p14="http://schemas.microsoft.com/office/powerpoint/2010/main" val="2117553602"/>
       </p:ext>
     </p:extLst>
   </p:cSld>
@@ -9984,10 +9450,71 @@
           <a:chExt cx="0" cy="0"/>
         </a:xfrm>
       </p:grpSpPr>
+      <p:sp>
+        <p:nvSpPr>
+          <p:cNvPr id="7" name="Titel 6">
+            <a:extLst>
+              <a:ext uri="{FF2B5EF4-FFF2-40B4-BE49-F238E27FC236}">
+                <a16:creationId xmlns:a16="http://schemas.microsoft.com/office/drawing/2014/main" id="{2E9369DC-5582-40EB-9408-9FBD80E5440F}"/>
+              </a:ext>
+            </a:extLst>
+          </p:cNvPr>
+          <p:cNvSpPr>
+            <a:spLocks noGrp="1"/>
+          </p:cNvSpPr>
+          <p:nvPr>
+            <p:ph type="title"/>
+          </p:nvPr>
+        </p:nvSpPr>
+        <p:spPr>
+          <a:xfrm>
+            <a:off x="913775" y="618517"/>
+            <a:ext cx="10364451" cy="1596177"/>
+          </a:xfrm>
+        </p:spPr>
+        <p:txBody>
+          <a:bodyPr/>
+          <a:lstStyle/>
+          <a:p>
+            <a:r>
+              <a:rPr lang="de-DE" dirty="0"/>
+              <a:t>Ergebnisse</a:t>
+            </a:r>
+          </a:p>
+        </p:txBody>
+      </p:sp>
+      <p:graphicFrame>
+        <p:nvGraphicFramePr>
+          <p:cNvPr id="20" name="Diagramm 19">
+            <a:extLst>
+              <a:ext uri="{FF2B5EF4-FFF2-40B4-BE49-F238E27FC236}">
+                <a16:creationId xmlns:a16="http://schemas.microsoft.com/office/drawing/2014/main" id="{655CCBAB-C571-43E1-AD67-AE881C03E0A6}"/>
+              </a:ext>
+            </a:extLst>
+          </p:cNvPr>
+          <p:cNvGraphicFramePr/>
+          <p:nvPr>
+            <p:extLst>
+              <p:ext uri="{D42A27DB-BD31-4B8C-83A1-F6EECF244321}">
+                <p14:modId xmlns:p14="http://schemas.microsoft.com/office/powerpoint/2010/main" val="207195274"/>
+              </p:ext>
+            </p:extLst>
+          </p:nvPr>
+        </p:nvGraphicFramePr>
+        <p:xfrm>
+          <a:off x="1840539" y="1700340"/>
+          <a:ext cx="8510922" cy="5330653"/>
+        </p:xfrm>
+        <a:graphic>
+          <a:graphicData uri="http://schemas.openxmlformats.org/drawingml/2006/chart">
+            <c:chart xmlns:c="http://schemas.openxmlformats.org/drawingml/2006/chart" xmlns:r="http://schemas.openxmlformats.org/officeDocument/2006/relationships" r:id="rId2"/>
+          </a:graphicData>
+        </a:graphic>
+      </p:graphicFrame>
     </p:spTree>
     <p:extLst>
       <p:ext uri="{BB962C8B-B14F-4D97-AF65-F5344CB8AC3E}">
-        <p14:creationId xmlns:p14="http://schemas.microsoft.com/office/powerpoint/2010/main" val="1862154658"/>
+        <p14:creationId xmlns:p14="http://schemas.microsoft.com/office/powerpoint/2010/main" val="3650486587"/>
       </p:ext>
     </p:extLst>
   </p:cSld>
